--- a/lesson_2/presentation/rlt_nco.pptx
+++ b/lesson_2/presentation/rlt_nco.pptx
@@ -8,6 +8,7 @@
     <p:sldId id="256" r:id="rId2"/>
     <p:sldId id="261" r:id="rId3"/>
     <p:sldId id="257" r:id="rId4"/>
+    <p:sldId id="262" r:id="rId5"/>
   </p:sldIdLst>
   <p:sldSz cx="12192000" cy="6858000"/>
   <p:notesSz cx="6858000" cy="9144000"/>
@@ -108,13 +109,764 @@
   </p:defaultTextStyle>
   <p:extLst>
     <p:ext uri="{EFAFB233-063F-42B5-8137-9DF3F51BA10A}">
-      <p15:sldGuideLst xmlns="" xmlns:p15="http://schemas.microsoft.com/office/powerpoint/2012/main"/>
+      <p15:sldGuideLst xmlns:p15="http://schemas.microsoft.com/office/powerpoint/2012/main" xmlns=""/>
     </p:ext>
   </p:extLst>
 </p:presentation>
 </file>
 
 <file path=ppt/diagrams/colors1.xml><?xml version="1.0" encoding="utf-8"?>
+<dgm:colorsDef xmlns:dgm="http://schemas.openxmlformats.org/drawingml/2006/diagram" xmlns:a="http://schemas.openxmlformats.org/drawingml/2006/main" uniqueId="urn:microsoft.com/office/officeart/2005/8/colors/accent0_3">
+  <dgm:title val=""/>
+  <dgm:desc val=""/>
+  <dgm:catLst>
+    <dgm:cat type="mainScheme" pri="10300"/>
+  </dgm:catLst>
+  <dgm:styleLbl name="node0">
+    <dgm:fillClrLst meth="repeat">
+      <a:schemeClr val="dk2"/>
+    </dgm:fillClrLst>
+    <dgm:linClrLst meth="repeat">
+      <a:schemeClr val="lt2"/>
+    </dgm:linClrLst>
+    <dgm:effectClrLst/>
+    <dgm:txLinClrLst/>
+    <dgm:txFillClrLst/>
+    <dgm:txEffectClrLst/>
+  </dgm:styleLbl>
+  <dgm:styleLbl name="alignNode1">
+    <dgm:fillClrLst meth="repeat">
+      <a:schemeClr val="dk2"/>
+    </dgm:fillClrLst>
+    <dgm:linClrLst meth="repeat">
+      <a:schemeClr val="dk2"/>
+    </dgm:linClrLst>
+    <dgm:effectClrLst/>
+    <dgm:txLinClrLst/>
+    <dgm:txFillClrLst/>
+    <dgm:txEffectClrLst/>
+  </dgm:styleLbl>
+  <dgm:styleLbl name="node1">
+    <dgm:fillClrLst meth="repeat">
+      <a:schemeClr val="dk2"/>
+    </dgm:fillClrLst>
+    <dgm:linClrLst meth="repeat">
+      <a:schemeClr val="lt2"/>
+    </dgm:linClrLst>
+    <dgm:effectClrLst/>
+    <dgm:txLinClrLst/>
+    <dgm:txFillClrLst/>
+    <dgm:txEffectClrLst/>
+  </dgm:styleLbl>
+  <dgm:styleLbl name="lnNode1">
+    <dgm:fillClrLst meth="repeat">
+      <a:schemeClr val="dk2"/>
+    </dgm:fillClrLst>
+    <dgm:linClrLst meth="repeat">
+      <a:schemeClr val="lt2"/>
+    </dgm:linClrLst>
+    <dgm:effectClrLst/>
+    <dgm:txLinClrLst/>
+    <dgm:txFillClrLst/>
+    <dgm:txEffectClrLst/>
+  </dgm:styleLbl>
+  <dgm:styleLbl name="vennNode1">
+    <dgm:fillClrLst meth="repeat">
+      <a:schemeClr val="dk2">
+        <a:alpha val="50000"/>
+      </a:schemeClr>
+    </dgm:fillClrLst>
+    <dgm:linClrLst meth="repeat">
+      <a:schemeClr val="lt2"/>
+    </dgm:linClrLst>
+    <dgm:effectClrLst/>
+    <dgm:txLinClrLst/>
+    <dgm:txFillClrLst/>
+    <dgm:txEffectClrLst/>
+  </dgm:styleLbl>
+  <dgm:styleLbl name="node2">
+    <dgm:fillClrLst meth="repeat">
+      <a:schemeClr val="dk2"/>
+    </dgm:fillClrLst>
+    <dgm:linClrLst meth="repeat">
+      <a:schemeClr val="lt2"/>
+    </dgm:linClrLst>
+    <dgm:effectClrLst/>
+    <dgm:txLinClrLst/>
+    <dgm:txFillClrLst/>
+    <dgm:txEffectClrLst/>
+  </dgm:styleLbl>
+  <dgm:styleLbl name="node3">
+    <dgm:fillClrLst meth="repeat">
+      <a:schemeClr val="dk2"/>
+    </dgm:fillClrLst>
+    <dgm:linClrLst meth="repeat">
+      <a:schemeClr val="lt2"/>
+    </dgm:linClrLst>
+    <dgm:effectClrLst/>
+    <dgm:txLinClrLst/>
+    <dgm:txFillClrLst/>
+    <dgm:txEffectClrLst/>
+  </dgm:styleLbl>
+  <dgm:styleLbl name="node4">
+    <dgm:fillClrLst meth="repeat">
+      <a:schemeClr val="dk2"/>
+    </dgm:fillClrLst>
+    <dgm:linClrLst meth="repeat">
+      <a:schemeClr val="lt2"/>
+    </dgm:linClrLst>
+    <dgm:effectClrLst/>
+    <dgm:txLinClrLst/>
+    <dgm:txFillClrLst/>
+    <dgm:txEffectClrLst/>
+  </dgm:styleLbl>
+  <dgm:styleLbl name="fgImgPlace1">
+    <dgm:fillClrLst meth="repeat">
+      <a:schemeClr val="dk2">
+        <a:tint val="50000"/>
+      </a:schemeClr>
+    </dgm:fillClrLst>
+    <dgm:linClrLst meth="repeat">
+      <a:schemeClr val="lt2"/>
+    </dgm:linClrLst>
+    <dgm:effectClrLst/>
+    <dgm:txLinClrLst/>
+    <dgm:txFillClrLst meth="repeat">
+      <a:schemeClr val="lt2"/>
+    </dgm:txFillClrLst>
+    <dgm:txEffectClrLst/>
+  </dgm:styleLbl>
+  <dgm:styleLbl name="alignImgPlace1">
+    <dgm:fillClrLst meth="repeat">
+      <a:schemeClr val="dk2">
+        <a:tint val="50000"/>
+      </a:schemeClr>
+    </dgm:fillClrLst>
+    <dgm:linClrLst meth="repeat">
+      <a:schemeClr val="dk2">
+        <a:shade val="80000"/>
+      </a:schemeClr>
+    </dgm:linClrLst>
+    <dgm:effectClrLst/>
+    <dgm:txLinClrLst/>
+    <dgm:txFillClrLst meth="repeat">
+      <a:schemeClr val="lt2"/>
+    </dgm:txFillClrLst>
+    <dgm:txEffectClrLst/>
+  </dgm:styleLbl>
+  <dgm:styleLbl name="bgImgPlace1">
+    <dgm:fillClrLst meth="repeat">
+      <a:schemeClr val="dk2">
+        <a:tint val="50000"/>
+      </a:schemeClr>
+    </dgm:fillClrLst>
+    <dgm:linClrLst meth="repeat">
+      <a:schemeClr val="dk2">
+        <a:shade val="80000"/>
+      </a:schemeClr>
+    </dgm:linClrLst>
+    <dgm:effectClrLst/>
+    <dgm:txLinClrLst/>
+    <dgm:txFillClrLst meth="repeat">
+      <a:schemeClr val="lt2"/>
+    </dgm:txFillClrLst>
+    <dgm:txEffectClrLst/>
+  </dgm:styleLbl>
+  <dgm:styleLbl name="sibTrans2D1">
+    <dgm:fillClrLst meth="repeat">
+      <a:schemeClr val="dk2">
+        <a:tint val="60000"/>
+      </a:schemeClr>
+    </dgm:fillClrLst>
+    <dgm:linClrLst meth="repeat">
+      <a:schemeClr val="dk2">
+        <a:tint val="60000"/>
+      </a:schemeClr>
+    </dgm:linClrLst>
+    <dgm:effectClrLst/>
+    <dgm:txLinClrLst/>
+    <dgm:txFillClrLst/>
+    <dgm:txEffectClrLst/>
+  </dgm:styleLbl>
+  <dgm:styleLbl name="fgSibTrans2D1">
+    <dgm:fillClrLst meth="repeat">
+      <a:schemeClr val="dk2">
+        <a:tint val="60000"/>
+      </a:schemeClr>
+    </dgm:fillClrLst>
+    <dgm:linClrLst meth="repeat">
+      <a:schemeClr val="dk2">
+        <a:tint val="60000"/>
+      </a:schemeClr>
+    </dgm:linClrLst>
+    <dgm:effectClrLst/>
+    <dgm:txLinClrLst/>
+    <dgm:txFillClrLst/>
+    <dgm:txEffectClrLst/>
+  </dgm:styleLbl>
+  <dgm:styleLbl name="bgSibTrans2D1">
+    <dgm:fillClrLst meth="repeat">
+      <a:schemeClr val="dk2">
+        <a:tint val="60000"/>
+      </a:schemeClr>
+    </dgm:fillClrLst>
+    <dgm:linClrLst meth="repeat">
+      <a:schemeClr val="dk2">
+        <a:tint val="60000"/>
+      </a:schemeClr>
+    </dgm:linClrLst>
+    <dgm:effectClrLst/>
+    <dgm:txLinClrLst/>
+    <dgm:txFillClrLst/>
+    <dgm:txEffectClrLst/>
+  </dgm:styleLbl>
+  <dgm:styleLbl name="sibTrans1D1">
+    <dgm:fillClrLst meth="repeat">
+      <a:schemeClr val="dk2"/>
+    </dgm:fillClrLst>
+    <dgm:linClrLst meth="repeat">
+      <a:schemeClr val="dk2"/>
+    </dgm:linClrLst>
+    <dgm:effectClrLst/>
+    <dgm:txLinClrLst/>
+    <dgm:txFillClrLst meth="repeat">
+      <a:schemeClr val="lt2"/>
+    </dgm:txFillClrLst>
+    <dgm:txEffectClrLst/>
+  </dgm:styleLbl>
+  <dgm:styleLbl name="callout">
+    <dgm:fillClrLst meth="repeat">
+      <a:schemeClr val="dk2"/>
+    </dgm:fillClrLst>
+    <dgm:linClrLst meth="repeat">
+      <a:schemeClr val="dk2">
+        <a:tint val="50000"/>
+      </a:schemeClr>
+    </dgm:linClrLst>
+    <dgm:effectClrLst/>
+    <dgm:txLinClrLst/>
+    <dgm:txFillClrLst meth="repeat">
+      <a:schemeClr val="lt2"/>
+    </dgm:txFillClrLst>
+    <dgm:txEffectClrLst/>
+  </dgm:styleLbl>
+  <dgm:styleLbl name="asst0">
+    <dgm:fillClrLst meth="repeat">
+      <a:schemeClr val="dk2"/>
+    </dgm:fillClrLst>
+    <dgm:linClrLst meth="repeat">
+      <a:schemeClr val="lt2"/>
+    </dgm:linClrLst>
+    <dgm:effectClrLst/>
+    <dgm:txLinClrLst/>
+    <dgm:txFillClrLst/>
+    <dgm:txEffectClrLst/>
+  </dgm:styleLbl>
+  <dgm:styleLbl name="asst1">
+    <dgm:fillClrLst meth="repeat">
+      <a:schemeClr val="dk2"/>
+    </dgm:fillClrLst>
+    <dgm:linClrLst meth="repeat">
+      <a:schemeClr val="lt2"/>
+    </dgm:linClrLst>
+    <dgm:effectClrLst/>
+    <dgm:txLinClrLst/>
+    <dgm:txFillClrLst/>
+    <dgm:txEffectClrLst/>
+  </dgm:styleLbl>
+  <dgm:styleLbl name="asst2">
+    <dgm:fillClrLst meth="repeat">
+      <a:schemeClr val="dk2"/>
+    </dgm:fillClrLst>
+    <dgm:linClrLst meth="repeat">
+      <a:schemeClr val="lt2"/>
+    </dgm:linClrLst>
+    <dgm:effectClrLst/>
+    <dgm:txLinClrLst/>
+    <dgm:txFillClrLst/>
+    <dgm:txEffectClrLst/>
+  </dgm:styleLbl>
+  <dgm:styleLbl name="asst3">
+    <dgm:fillClrLst meth="repeat">
+      <a:schemeClr val="dk2"/>
+    </dgm:fillClrLst>
+    <dgm:linClrLst meth="repeat">
+      <a:schemeClr val="lt2"/>
+    </dgm:linClrLst>
+    <dgm:effectClrLst/>
+    <dgm:txLinClrLst/>
+    <dgm:txFillClrLst/>
+    <dgm:txEffectClrLst/>
+  </dgm:styleLbl>
+  <dgm:styleLbl name="asst4">
+    <dgm:fillClrLst meth="repeat">
+      <a:schemeClr val="dk2"/>
+    </dgm:fillClrLst>
+    <dgm:linClrLst meth="repeat">
+      <a:schemeClr val="lt2"/>
+    </dgm:linClrLst>
+    <dgm:effectClrLst/>
+    <dgm:txLinClrLst/>
+    <dgm:txFillClrLst/>
+    <dgm:txEffectClrLst/>
+  </dgm:styleLbl>
+  <dgm:styleLbl name="parChTrans2D1">
+    <dgm:fillClrLst meth="repeat">
+      <a:schemeClr val="dk2">
+        <a:tint val="60000"/>
+      </a:schemeClr>
+    </dgm:fillClrLst>
+    <dgm:linClrLst meth="repeat">
+      <a:schemeClr val="dk2">
+        <a:tint val="60000"/>
+      </a:schemeClr>
+    </dgm:linClrLst>
+    <dgm:effectClrLst/>
+    <dgm:txLinClrLst/>
+    <dgm:txFillClrLst meth="repeat">
+      <a:schemeClr val="lt2"/>
+    </dgm:txFillClrLst>
+    <dgm:txEffectClrLst/>
+  </dgm:styleLbl>
+  <dgm:styleLbl name="parChTrans2D2">
+    <dgm:fillClrLst meth="repeat">
+      <a:schemeClr val="dk2"/>
+    </dgm:fillClrLst>
+    <dgm:linClrLst meth="repeat">
+      <a:schemeClr val="dk2"/>
+    </dgm:linClrLst>
+    <dgm:effectClrLst/>
+    <dgm:txLinClrLst/>
+    <dgm:txFillClrLst meth="repeat">
+      <a:schemeClr val="lt2"/>
+    </dgm:txFillClrLst>
+    <dgm:txEffectClrLst/>
+  </dgm:styleLbl>
+  <dgm:styleLbl name="parChTrans2D3">
+    <dgm:fillClrLst meth="repeat">
+      <a:schemeClr val="dk2"/>
+    </dgm:fillClrLst>
+    <dgm:linClrLst meth="repeat">
+      <a:schemeClr val="dk2"/>
+    </dgm:linClrLst>
+    <dgm:effectClrLst/>
+    <dgm:txLinClrLst/>
+    <dgm:txFillClrLst meth="repeat">
+      <a:schemeClr val="lt2"/>
+    </dgm:txFillClrLst>
+    <dgm:txEffectClrLst/>
+  </dgm:styleLbl>
+  <dgm:styleLbl name="parChTrans2D4">
+    <dgm:fillClrLst meth="repeat">
+      <a:schemeClr val="dk2"/>
+    </dgm:fillClrLst>
+    <dgm:linClrLst meth="repeat">
+      <a:schemeClr val="dk2"/>
+    </dgm:linClrLst>
+    <dgm:effectClrLst/>
+    <dgm:txLinClrLst/>
+    <dgm:txFillClrLst meth="repeat">
+      <a:schemeClr val="lt2"/>
+    </dgm:txFillClrLst>
+    <dgm:txEffectClrLst/>
+  </dgm:styleLbl>
+  <dgm:styleLbl name="parChTrans1D1">
+    <dgm:fillClrLst meth="repeat">
+      <a:schemeClr val="dk2"/>
+    </dgm:fillClrLst>
+    <dgm:linClrLst meth="repeat">
+      <a:schemeClr val="dk2">
+        <a:shade val="60000"/>
+      </a:schemeClr>
+    </dgm:linClrLst>
+    <dgm:effectClrLst/>
+    <dgm:txLinClrLst/>
+    <dgm:txFillClrLst meth="repeat">
+      <a:schemeClr val="tx1"/>
+    </dgm:txFillClrLst>
+    <dgm:txEffectClrLst/>
+  </dgm:styleLbl>
+  <dgm:styleLbl name="parChTrans1D2">
+    <dgm:fillClrLst meth="repeat">
+      <a:schemeClr val="dk2"/>
+    </dgm:fillClrLst>
+    <dgm:linClrLst meth="repeat">
+      <a:schemeClr val="dk2">
+        <a:shade val="60000"/>
+      </a:schemeClr>
+    </dgm:linClrLst>
+    <dgm:effectClrLst/>
+    <dgm:txLinClrLst/>
+    <dgm:txFillClrLst meth="repeat">
+      <a:schemeClr val="tx1"/>
+    </dgm:txFillClrLst>
+    <dgm:txEffectClrLst/>
+  </dgm:styleLbl>
+  <dgm:styleLbl name="parChTrans1D3">
+    <dgm:fillClrLst meth="repeat">
+      <a:schemeClr val="dk2"/>
+    </dgm:fillClrLst>
+    <dgm:linClrLst meth="repeat">
+      <a:schemeClr val="dk2">
+        <a:shade val="80000"/>
+      </a:schemeClr>
+    </dgm:linClrLst>
+    <dgm:effectClrLst/>
+    <dgm:txLinClrLst/>
+    <dgm:txFillClrLst meth="repeat">
+      <a:schemeClr val="tx1"/>
+    </dgm:txFillClrLst>
+    <dgm:txEffectClrLst/>
+  </dgm:styleLbl>
+  <dgm:styleLbl name="parChTrans1D4">
+    <dgm:fillClrLst meth="repeat">
+      <a:schemeClr val="dk2"/>
+    </dgm:fillClrLst>
+    <dgm:linClrLst meth="repeat">
+      <a:schemeClr val="dk2">
+        <a:shade val="80000"/>
+      </a:schemeClr>
+    </dgm:linClrLst>
+    <dgm:effectClrLst/>
+    <dgm:txLinClrLst/>
+    <dgm:txFillClrLst meth="repeat">
+      <a:schemeClr val="tx1"/>
+    </dgm:txFillClrLst>
+    <dgm:txEffectClrLst/>
+  </dgm:styleLbl>
+  <dgm:styleLbl name="fgAcc1">
+    <dgm:fillClrLst meth="repeat">
+      <a:schemeClr val="lt2">
+        <a:alpha val="90000"/>
+      </a:schemeClr>
+    </dgm:fillClrLst>
+    <dgm:linClrLst meth="repeat">
+      <a:schemeClr val="dk2"/>
+    </dgm:linClrLst>
+    <dgm:effectClrLst/>
+    <dgm:txLinClrLst/>
+    <dgm:txFillClrLst meth="repeat">
+      <a:schemeClr val="dk1"/>
+    </dgm:txFillClrLst>
+    <dgm:txEffectClrLst/>
+  </dgm:styleLbl>
+  <dgm:styleLbl name="conFgAcc1">
+    <dgm:fillClrLst meth="repeat">
+      <a:schemeClr val="lt2">
+        <a:alpha val="90000"/>
+      </a:schemeClr>
+    </dgm:fillClrLst>
+    <dgm:linClrLst meth="repeat">
+      <a:schemeClr val="dk2"/>
+    </dgm:linClrLst>
+    <dgm:effectClrLst/>
+    <dgm:txLinClrLst/>
+    <dgm:txFillClrLst meth="repeat">
+      <a:schemeClr val="dk1"/>
+    </dgm:txFillClrLst>
+    <dgm:txEffectClrLst/>
+  </dgm:styleLbl>
+  <dgm:styleLbl name="alignAcc1">
+    <dgm:fillClrLst meth="repeat">
+      <a:schemeClr val="lt2">
+        <a:alpha val="90000"/>
+      </a:schemeClr>
+    </dgm:fillClrLst>
+    <dgm:linClrLst meth="repeat">
+      <a:schemeClr val="dk2"/>
+    </dgm:linClrLst>
+    <dgm:effectClrLst/>
+    <dgm:txLinClrLst/>
+    <dgm:txFillClrLst meth="repeat">
+      <a:schemeClr val="dk1"/>
+    </dgm:txFillClrLst>
+    <dgm:txEffectClrLst/>
+  </dgm:styleLbl>
+  <dgm:styleLbl name="trAlignAcc1">
+    <dgm:fillClrLst meth="repeat">
+      <a:schemeClr val="lt2">
+        <a:alpha val="40000"/>
+      </a:schemeClr>
+    </dgm:fillClrLst>
+    <dgm:linClrLst meth="repeat">
+      <a:schemeClr val="dk2"/>
+    </dgm:linClrLst>
+    <dgm:effectClrLst/>
+    <dgm:txLinClrLst/>
+    <dgm:txFillClrLst meth="repeat">
+      <a:schemeClr val="dk1"/>
+    </dgm:txFillClrLst>
+    <dgm:txEffectClrLst/>
+  </dgm:styleLbl>
+  <dgm:styleLbl name="bgAcc1">
+    <dgm:fillClrLst meth="repeat">
+      <a:schemeClr val="lt2">
+        <a:alpha val="90000"/>
+      </a:schemeClr>
+    </dgm:fillClrLst>
+    <dgm:linClrLst meth="repeat">
+      <a:schemeClr val="dk2"/>
+    </dgm:linClrLst>
+    <dgm:effectClrLst/>
+    <dgm:txLinClrLst/>
+    <dgm:txFillClrLst meth="repeat">
+      <a:schemeClr val="dk1"/>
+    </dgm:txFillClrLst>
+    <dgm:txEffectClrLst/>
+  </dgm:styleLbl>
+  <dgm:styleLbl name="solidFgAcc1">
+    <dgm:fillClrLst meth="repeat">
+      <a:schemeClr val="lt2"/>
+    </dgm:fillClrLst>
+    <dgm:linClrLst meth="repeat">
+      <a:schemeClr val="dk2"/>
+    </dgm:linClrLst>
+    <dgm:effectClrLst/>
+    <dgm:txLinClrLst/>
+    <dgm:txFillClrLst meth="repeat">
+      <a:schemeClr val="dk1"/>
+    </dgm:txFillClrLst>
+    <dgm:txEffectClrLst/>
+  </dgm:styleLbl>
+  <dgm:styleLbl name="solidAlignAcc1">
+    <dgm:fillClrLst meth="repeat">
+      <a:schemeClr val="lt2"/>
+    </dgm:fillClrLst>
+    <dgm:linClrLst meth="repeat">
+      <a:schemeClr val="dk2"/>
+    </dgm:linClrLst>
+    <dgm:effectClrLst/>
+    <dgm:txLinClrLst/>
+    <dgm:txFillClrLst meth="repeat">
+      <a:schemeClr val="dk1"/>
+    </dgm:txFillClrLst>
+    <dgm:txEffectClrLst/>
+  </dgm:styleLbl>
+  <dgm:styleLbl name="solidBgAcc1">
+    <dgm:fillClrLst meth="repeat">
+      <a:schemeClr val="lt2"/>
+    </dgm:fillClrLst>
+    <dgm:linClrLst meth="repeat">
+      <a:schemeClr val="dk2"/>
+    </dgm:linClrLst>
+    <dgm:effectClrLst/>
+    <dgm:txLinClrLst/>
+    <dgm:txFillClrLst meth="repeat">
+      <a:schemeClr val="dk1"/>
+    </dgm:txFillClrLst>
+    <dgm:txEffectClrLst/>
+  </dgm:styleLbl>
+  <dgm:styleLbl name="fgAccFollowNode1">
+    <dgm:fillClrLst meth="repeat">
+      <a:schemeClr val="dk2">
+        <a:alpha val="90000"/>
+        <a:tint val="40000"/>
+      </a:schemeClr>
+    </dgm:fillClrLst>
+    <dgm:linClrLst meth="repeat">
+      <a:schemeClr val="dk2">
+        <a:alpha val="90000"/>
+        <a:tint val="40000"/>
+      </a:schemeClr>
+    </dgm:linClrLst>
+    <dgm:effectClrLst/>
+    <dgm:txLinClrLst/>
+    <dgm:txFillClrLst meth="repeat">
+      <a:schemeClr val="dk1"/>
+    </dgm:txFillClrLst>
+    <dgm:txEffectClrLst/>
+  </dgm:styleLbl>
+  <dgm:styleLbl name="alignAccFollowNode1">
+    <dgm:fillClrLst meth="repeat">
+      <a:schemeClr val="dk2">
+        <a:alpha val="90000"/>
+        <a:tint val="40000"/>
+      </a:schemeClr>
+    </dgm:fillClrLst>
+    <dgm:linClrLst meth="repeat">
+      <a:schemeClr val="dk2">
+        <a:alpha val="90000"/>
+        <a:tint val="40000"/>
+      </a:schemeClr>
+    </dgm:linClrLst>
+    <dgm:effectClrLst/>
+    <dgm:txLinClrLst/>
+    <dgm:txFillClrLst meth="repeat">
+      <a:schemeClr val="dk1"/>
+    </dgm:txFillClrLst>
+    <dgm:txEffectClrLst/>
+  </dgm:styleLbl>
+  <dgm:styleLbl name="bgAccFollowNode1">
+    <dgm:fillClrLst meth="repeat">
+      <a:schemeClr val="dk2">
+        <a:alpha val="90000"/>
+        <a:tint val="40000"/>
+      </a:schemeClr>
+    </dgm:fillClrLst>
+    <dgm:linClrLst meth="repeat">
+      <a:schemeClr val="dk2">
+        <a:alpha val="90000"/>
+        <a:tint val="40000"/>
+      </a:schemeClr>
+    </dgm:linClrLst>
+    <dgm:effectClrLst/>
+    <dgm:txLinClrLst/>
+    <dgm:txFillClrLst meth="repeat">
+      <a:schemeClr val="dk1"/>
+    </dgm:txFillClrLst>
+    <dgm:txEffectClrLst/>
+  </dgm:styleLbl>
+  <dgm:styleLbl name="fgAcc0">
+    <dgm:fillClrLst meth="repeat">
+      <a:schemeClr val="lt2">
+        <a:alpha val="90000"/>
+      </a:schemeClr>
+    </dgm:fillClrLst>
+    <dgm:linClrLst meth="repeat">
+      <a:schemeClr val="dk2"/>
+    </dgm:linClrLst>
+    <dgm:effectClrLst/>
+    <dgm:txLinClrLst/>
+    <dgm:txFillClrLst meth="repeat">
+      <a:schemeClr val="dk1"/>
+    </dgm:txFillClrLst>
+    <dgm:txEffectClrLst/>
+  </dgm:styleLbl>
+  <dgm:styleLbl name="fgAcc2">
+    <dgm:fillClrLst meth="repeat">
+      <a:schemeClr val="lt2">
+        <a:alpha val="90000"/>
+      </a:schemeClr>
+    </dgm:fillClrLst>
+    <dgm:linClrLst meth="repeat">
+      <a:schemeClr val="dk2"/>
+    </dgm:linClrLst>
+    <dgm:effectClrLst/>
+    <dgm:txLinClrLst/>
+    <dgm:txFillClrLst meth="repeat">
+      <a:schemeClr val="dk1"/>
+    </dgm:txFillClrLst>
+    <dgm:txEffectClrLst/>
+  </dgm:styleLbl>
+  <dgm:styleLbl name="fgAcc3">
+    <dgm:fillClrLst meth="repeat">
+      <a:schemeClr val="lt2">
+        <a:alpha val="90000"/>
+      </a:schemeClr>
+    </dgm:fillClrLst>
+    <dgm:linClrLst meth="repeat">
+      <a:schemeClr val="dk2"/>
+    </dgm:linClrLst>
+    <dgm:effectClrLst/>
+    <dgm:txLinClrLst/>
+    <dgm:txFillClrLst meth="repeat">
+      <a:schemeClr val="dk1"/>
+    </dgm:txFillClrLst>
+    <dgm:txEffectClrLst/>
+  </dgm:styleLbl>
+  <dgm:styleLbl name="fgAcc4">
+    <dgm:fillClrLst meth="repeat">
+      <a:schemeClr val="lt2">
+        <a:alpha val="90000"/>
+      </a:schemeClr>
+    </dgm:fillClrLst>
+    <dgm:linClrLst meth="repeat">
+      <a:schemeClr val="dk2"/>
+    </dgm:linClrLst>
+    <dgm:effectClrLst/>
+    <dgm:txLinClrLst/>
+    <dgm:txFillClrLst meth="repeat">
+      <a:schemeClr val="dk1"/>
+    </dgm:txFillClrLst>
+    <dgm:txEffectClrLst/>
+  </dgm:styleLbl>
+  <dgm:styleLbl name="bgShp">
+    <dgm:fillClrLst meth="repeat">
+      <a:schemeClr val="dk2">
+        <a:tint val="40000"/>
+      </a:schemeClr>
+    </dgm:fillClrLst>
+    <dgm:linClrLst meth="repeat">
+      <a:schemeClr val="dk2"/>
+    </dgm:linClrLst>
+    <dgm:effectClrLst/>
+    <dgm:txLinClrLst/>
+    <dgm:txFillClrLst meth="repeat">
+      <a:schemeClr val="dk1"/>
+    </dgm:txFillClrLst>
+    <dgm:txEffectClrLst/>
+  </dgm:styleLbl>
+  <dgm:styleLbl name="dkBgShp">
+    <dgm:fillClrLst meth="repeat">
+      <a:schemeClr val="dk2">
+        <a:shade val="80000"/>
+      </a:schemeClr>
+    </dgm:fillClrLst>
+    <dgm:linClrLst meth="repeat">
+      <a:schemeClr val="dk2"/>
+    </dgm:linClrLst>
+    <dgm:effectClrLst/>
+    <dgm:txLinClrLst/>
+    <dgm:txFillClrLst meth="repeat">
+      <a:schemeClr val="lt1"/>
+    </dgm:txFillClrLst>
+    <dgm:txEffectClrLst/>
+  </dgm:styleLbl>
+  <dgm:styleLbl name="trBgShp">
+    <dgm:fillClrLst meth="repeat">
+      <a:schemeClr val="dk2">
+        <a:tint val="50000"/>
+        <a:alpha val="40000"/>
+      </a:schemeClr>
+    </dgm:fillClrLst>
+    <dgm:linClrLst meth="repeat">
+      <a:schemeClr val="dk2"/>
+    </dgm:linClrLst>
+    <dgm:effectClrLst/>
+    <dgm:txLinClrLst/>
+    <dgm:txFillClrLst meth="repeat">
+      <a:schemeClr val="lt1"/>
+    </dgm:txFillClrLst>
+    <dgm:txEffectClrLst/>
+  </dgm:styleLbl>
+  <dgm:styleLbl name="fgShp">
+    <dgm:fillClrLst meth="repeat">
+      <a:schemeClr val="dk2">
+        <a:tint val="60000"/>
+      </a:schemeClr>
+    </dgm:fillClrLst>
+    <dgm:linClrLst meth="repeat">
+      <a:schemeClr val="lt2"/>
+    </dgm:linClrLst>
+    <dgm:effectClrLst/>
+    <dgm:txLinClrLst/>
+    <dgm:txFillClrLst meth="repeat">
+      <a:schemeClr val="dk1"/>
+    </dgm:txFillClrLst>
+    <dgm:txEffectClrLst/>
+  </dgm:styleLbl>
+  <dgm:styleLbl name="revTx">
+    <dgm:fillClrLst meth="repeat">
+      <a:schemeClr val="lt2">
+        <a:alpha val="0"/>
+      </a:schemeClr>
+    </dgm:fillClrLst>
+    <dgm:linClrLst meth="repeat">
+      <a:schemeClr val="dk1">
+        <a:alpha val="0"/>
+      </a:schemeClr>
+    </dgm:linClrLst>
+    <dgm:effectClrLst/>
+    <dgm:txLinClrLst/>
+    <dgm:txFillClrLst meth="repeat">
+      <a:schemeClr val="tx1"/>
+    </dgm:txFillClrLst>
+    <dgm:txEffectClrLst/>
+  </dgm:styleLbl>
+</dgm:colorsDef>
+</file>
+
+<file path=ppt/diagrams/colors2.xml><?xml version="1.0" encoding="utf-8"?>
 <dgm:colorsDef xmlns:dgm="http://schemas.openxmlformats.org/drawingml/2006/diagram" xmlns:a="http://schemas.openxmlformats.org/drawingml/2006/main" uniqueId="urn:microsoft.com/office/officeart/2005/8/colors/accent0_3">
   <dgm:title val=""/>
   <dgm:desc val=""/>
@@ -1039,6 +1791,13 @@
         </dgm:presLayoutVars>
       </dgm:prSet>
       <dgm:spPr/>
+      <dgm:t>
+        <a:bodyPr/>
+        <a:lstStyle/>
+        <a:p>
+          <a:endParaRPr lang="ru-RU"/>
+        </a:p>
+      </dgm:t>
     </dgm:pt>
     <dgm:pt modelId="{8E036DA4-B3FA-419D-9967-BCF85B78442F}" type="pres">
       <dgm:prSet presAssocID="{4EE007DB-A303-415C-B7F0-74A1F43D492C}" presName="hierRoot1" presStyleCnt="0">
@@ -1059,10 +1818,24 @@
         </dgm:presLayoutVars>
       </dgm:prSet>
       <dgm:spPr/>
+      <dgm:t>
+        <a:bodyPr/>
+        <a:lstStyle/>
+        <a:p>
+          <a:endParaRPr lang="ru-RU"/>
+        </a:p>
+      </dgm:t>
     </dgm:pt>
     <dgm:pt modelId="{3466575D-E4C3-4308-A24C-A6858031847F}" type="pres">
       <dgm:prSet presAssocID="{4EE007DB-A303-415C-B7F0-74A1F43D492C}" presName="rootConnector1" presStyleLbl="node1" presStyleIdx="0" presStyleCnt="0"/>
       <dgm:spPr/>
+      <dgm:t>
+        <a:bodyPr/>
+        <a:lstStyle/>
+        <a:p>
+          <a:endParaRPr lang="ru-RU"/>
+        </a:p>
+      </dgm:t>
     </dgm:pt>
     <dgm:pt modelId="{172EF5AE-471F-4CD3-9BFA-A6FC4200AB22}" type="pres">
       <dgm:prSet presAssocID="{4EE007DB-A303-415C-B7F0-74A1F43D492C}" presName="hierChild2" presStyleCnt="0"/>
@@ -1071,6 +1844,13 @@
     <dgm:pt modelId="{321B1DF3-6A92-4B95-B2F0-EC581AB56B2D}" type="pres">
       <dgm:prSet presAssocID="{C84B4617-9985-477E-A490-819076CB1128}" presName="Name37" presStyleLbl="parChTrans1D2" presStyleIdx="0" presStyleCnt="3"/>
       <dgm:spPr/>
+      <dgm:t>
+        <a:bodyPr/>
+        <a:lstStyle/>
+        <a:p>
+          <a:endParaRPr lang="ru-RU"/>
+        </a:p>
+      </dgm:t>
     </dgm:pt>
     <dgm:pt modelId="{489128BF-7FAF-4AF3-8BC4-C4C8B61EB20A}" type="pres">
       <dgm:prSet presAssocID="{7BDA41B1-B93B-4C86-93B3-D024309A8E03}" presName="hierRoot2" presStyleCnt="0">
@@ -1102,6 +1882,13 @@
     <dgm:pt modelId="{5DC7716B-E76B-4D06-9AEA-5E63BB4738CB}" type="pres">
       <dgm:prSet presAssocID="{7BDA41B1-B93B-4C86-93B3-D024309A8E03}" presName="rootConnector" presStyleLbl="node2" presStyleIdx="0" presStyleCnt="3"/>
       <dgm:spPr/>
+      <dgm:t>
+        <a:bodyPr/>
+        <a:lstStyle/>
+        <a:p>
+          <a:endParaRPr lang="ru-RU"/>
+        </a:p>
+      </dgm:t>
     </dgm:pt>
     <dgm:pt modelId="{48A3F492-016E-41C7-9995-57C9417147B8}" type="pres">
       <dgm:prSet presAssocID="{7BDA41B1-B93B-4C86-93B3-D024309A8E03}" presName="hierChild4" presStyleCnt="0"/>
@@ -1114,6 +1901,13 @@
     <dgm:pt modelId="{F553987A-FEE8-4E75-A2D9-7BFE7109CAC7}" type="pres">
       <dgm:prSet presAssocID="{94C58C6C-F7C9-46A8-AD53-875D3408A714}" presName="Name37" presStyleLbl="parChTrans1D2" presStyleIdx="1" presStyleCnt="3"/>
       <dgm:spPr/>
+      <dgm:t>
+        <a:bodyPr/>
+        <a:lstStyle/>
+        <a:p>
+          <a:endParaRPr lang="ru-RU"/>
+        </a:p>
+      </dgm:t>
     </dgm:pt>
     <dgm:pt modelId="{E56FA8A1-DB69-4E12-AD03-8BFEEA04044D}" type="pres">
       <dgm:prSet presAssocID="{059F1376-E145-4F47-A361-AC91C94FA7B4}" presName="hierRoot2" presStyleCnt="0">
@@ -1145,6 +1939,13 @@
     <dgm:pt modelId="{46D3D168-36A5-44CB-B51E-D46CC3B57C71}" type="pres">
       <dgm:prSet presAssocID="{059F1376-E145-4F47-A361-AC91C94FA7B4}" presName="rootConnector" presStyleLbl="node2" presStyleIdx="1" presStyleCnt="3"/>
       <dgm:spPr/>
+      <dgm:t>
+        <a:bodyPr/>
+        <a:lstStyle/>
+        <a:p>
+          <a:endParaRPr lang="ru-RU"/>
+        </a:p>
+      </dgm:t>
     </dgm:pt>
     <dgm:pt modelId="{FB94CA15-1CE5-4DE4-8FC2-117508C1C843}" type="pres">
       <dgm:prSet presAssocID="{059F1376-E145-4F47-A361-AC91C94FA7B4}" presName="hierChild4" presStyleCnt="0"/>
@@ -1157,6 +1958,13 @@
     <dgm:pt modelId="{9BBF9D80-40C1-4FE8-905D-17FED1C79BE7}" type="pres">
       <dgm:prSet presAssocID="{901536A8-2130-4799-B045-E12A667E4E68}" presName="Name37" presStyleLbl="parChTrans1D2" presStyleIdx="2" presStyleCnt="3"/>
       <dgm:spPr/>
+      <dgm:t>
+        <a:bodyPr/>
+        <a:lstStyle/>
+        <a:p>
+          <a:endParaRPr lang="ru-RU"/>
+        </a:p>
+      </dgm:t>
     </dgm:pt>
     <dgm:pt modelId="{FB592F31-1A66-4C11-8A04-DB7BDC452535}" type="pres">
       <dgm:prSet presAssocID="{BA71F8F5-E754-4A0D-A0CA-39D46316F219}" presName="hierRoot2" presStyleCnt="0">
@@ -1177,10 +1985,24 @@
         </dgm:presLayoutVars>
       </dgm:prSet>
       <dgm:spPr/>
+      <dgm:t>
+        <a:bodyPr/>
+        <a:lstStyle/>
+        <a:p>
+          <a:endParaRPr lang="ru-RU"/>
+        </a:p>
+      </dgm:t>
     </dgm:pt>
     <dgm:pt modelId="{658C9016-2AE6-430E-8820-6EBF292713F6}" type="pres">
       <dgm:prSet presAssocID="{BA71F8F5-E754-4A0D-A0CA-39D46316F219}" presName="rootConnector" presStyleLbl="node2" presStyleIdx="2" presStyleCnt="3"/>
       <dgm:spPr/>
+      <dgm:t>
+        <a:bodyPr/>
+        <a:lstStyle/>
+        <a:p>
+          <a:endParaRPr lang="ru-RU"/>
+        </a:p>
+      </dgm:t>
     </dgm:pt>
     <dgm:pt modelId="{EB2A4D4C-989D-49BB-B354-FF7F94DF4DEC}" type="pres">
       <dgm:prSet presAssocID="{BA71F8F5-E754-4A0D-A0CA-39D46316F219}" presName="hierChild4" presStyleCnt="0"/>
@@ -1244,7 +2066,286 @@
   <dgm:whole/>
   <dgm:extLst>
     <a:ext uri="http://schemas.microsoft.com/office/drawing/2008/diagram">
-      <dsp:dataModelExt xmlns:dsp="http://schemas.microsoft.com/office/drawing/2008/diagram" relId="rId8" minVer="http://schemas.openxmlformats.org/drawingml/2006/diagram"/>
+      <dsp:dataModelExt xmlns:dsp="http://schemas.microsoft.com/office/drawing/2008/diagram" relId="rId7" minVer="http://schemas.openxmlformats.org/drawingml/2006/diagram"/>
+    </a:ext>
+  </dgm:extLst>
+</dgm:dataModel>
+</file>
+
+<file path=ppt/diagrams/data2.xml><?xml version="1.0" encoding="utf-8"?>
+<dgm:dataModel xmlns:dgm="http://schemas.openxmlformats.org/drawingml/2006/diagram" xmlns:a="http://schemas.openxmlformats.org/drawingml/2006/main">
+  <dgm:ptLst>
+    <dgm:pt modelId="{C25540A7-DEFF-4CBC-9AC9-C34497C0C28D}" type="doc">
+      <dgm:prSet loTypeId="urn:microsoft.com/office/officeart/2005/8/layout/process1" loCatId="process" qsTypeId="urn:microsoft.com/office/officeart/2005/8/quickstyle/simple1" qsCatId="simple" csTypeId="urn:microsoft.com/office/officeart/2005/8/colors/accent0_3" csCatId="mainScheme" phldr="1"/>
+      <dgm:spPr/>
+    </dgm:pt>
+    <dgm:pt modelId="{9FC94142-BDD6-406B-90B9-2CA31B54ADAE}">
+      <dgm:prSet phldrT="[Текст]"/>
+      <dgm:spPr/>
+      <dgm:t>
+        <a:bodyPr/>
+        <a:lstStyle/>
+        <a:p>
+          <a:r>
+            <a:rPr lang="en-US" dirty="0" smtClean="0"/>
+            <a:t>MATLAB model</a:t>
+          </a:r>
+          <a:endParaRPr lang="ru-RU" dirty="0"/>
+        </a:p>
+      </dgm:t>
+    </dgm:pt>
+    <dgm:pt modelId="{75683248-C1DA-4BA1-A456-A5A34E76F6B5}" type="parTrans" cxnId="{859341E6-B3F9-407E-82C2-3F0829D6FD53}">
+      <dgm:prSet/>
+      <dgm:spPr/>
+      <dgm:t>
+        <a:bodyPr/>
+        <a:lstStyle/>
+        <a:p>
+          <a:endParaRPr lang="ru-RU"/>
+        </a:p>
+      </dgm:t>
+    </dgm:pt>
+    <dgm:pt modelId="{7B583ACC-898A-4BE2-BC90-8D288E169420}" type="sibTrans" cxnId="{859341E6-B3F9-407E-82C2-3F0829D6FD53}">
+      <dgm:prSet/>
+      <dgm:spPr/>
+      <dgm:t>
+        <a:bodyPr/>
+        <a:lstStyle/>
+        <a:p>
+          <a:endParaRPr lang="ru-RU"/>
+        </a:p>
+      </dgm:t>
+    </dgm:pt>
+    <dgm:pt modelId="{723AC151-E644-4DB9-AA41-965075472F34}">
+      <dgm:prSet phldrT="[Текст]"/>
+      <dgm:spPr/>
+      <dgm:t>
+        <a:bodyPr/>
+        <a:lstStyle/>
+        <a:p>
+          <a:r>
+            <a:rPr lang="en-US" dirty="0" smtClean="0"/>
+            <a:t>Functional simulation (Testbench)</a:t>
+          </a:r>
+          <a:endParaRPr lang="ru-RU" dirty="0"/>
+        </a:p>
+      </dgm:t>
+    </dgm:pt>
+    <dgm:pt modelId="{9A04F1F8-6E7F-4D99-AF71-79D68C438F4C}" type="parTrans" cxnId="{4F00EB8B-B4D0-428A-8B6F-8D5CA5F35467}">
+      <dgm:prSet/>
+      <dgm:spPr/>
+      <dgm:t>
+        <a:bodyPr/>
+        <a:lstStyle/>
+        <a:p>
+          <a:endParaRPr lang="ru-RU"/>
+        </a:p>
+      </dgm:t>
+    </dgm:pt>
+    <dgm:pt modelId="{FEF9FD73-176B-44AF-9CB9-D569AA679F16}" type="sibTrans" cxnId="{4F00EB8B-B4D0-428A-8B6F-8D5CA5F35467}">
+      <dgm:prSet/>
+      <dgm:spPr/>
+      <dgm:t>
+        <a:bodyPr/>
+        <a:lstStyle/>
+        <a:p>
+          <a:endParaRPr lang="ru-RU"/>
+        </a:p>
+      </dgm:t>
+    </dgm:pt>
+    <dgm:pt modelId="{2BD1046A-61DE-4667-B5DA-2095964A9ACA}">
+      <dgm:prSet phldrT="[Текст]"/>
+      <dgm:spPr/>
+      <dgm:t>
+        <a:bodyPr/>
+        <a:lstStyle/>
+        <a:p>
+          <a:r>
+            <a:rPr lang="en-US" dirty="0" smtClean="0"/>
+            <a:t>Synthesis, implementation and bitstream generating</a:t>
+          </a:r>
+          <a:endParaRPr lang="ru-RU" dirty="0"/>
+        </a:p>
+      </dgm:t>
+    </dgm:pt>
+    <dgm:pt modelId="{75E03335-1160-4CE6-B34A-22EFF0850C89}" type="parTrans" cxnId="{5025EDB7-3591-4932-A61A-6D85131EF96A}">
+      <dgm:prSet/>
+      <dgm:spPr/>
+      <dgm:t>
+        <a:bodyPr/>
+        <a:lstStyle/>
+        <a:p>
+          <a:endParaRPr lang="ru-RU"/>
+        </a:p>
+      </dgm:t>
+    </dgm:pt>
+    <dgm:pt modelId="{4E3C4B0D-9481-419E-91F1-1CAE183D27FD}" type="sibTrans" cxnId="{5025EDB7-3591-4932-A61A-6D85131EF96A}">
+      <dgm:prSet/>
+      <dgm:spPr/>
+      <dgm:t>
+        <a:bodyPr/>
+        <a:lstStyle/>
+        <a:p>
+          <a:endParaRPr lang="ru-RU"/>
+        </a:p>
+      </dgm:t>
+    </dgm:pt>
+    <dgm:pt modelId="{C71CF4AF-738C-4E39-9A60-74E5A6BF4958}">
+      <dgm:prSet phldrT="[Текст]"/>
+      <dgm:spPr/>
+      <dgm:t>
+        <a:bodyPr/>
+        <a:lstStyle/>
+        <a:p>
+          <a:r>
+            <a:rPr lang="en-US" dirty="0" smtClean="0"/>
+            <a:t>Debugging using logic analyzer and VIO IP core </a:t>
+          </a:r>
+          <a:endParaRPr lang="ru-RU" dirty="0"/>
+        </a:p>
+      </dgm:t>
+    </dgm:pt>
+    <dgm:pt modelId="{1BC1F44F-C5E3-4BA9-AAA6-B6A38563FCED}" type="parTrans" cxnId="{164BCAD7-F79B-4723-B557-25421EA62E7A}">
+      <dgm:prSet/>
+      <dgm:spPr/>
+      <dgm:t>
+        <a:bodyPr/>
+        <a:lstStyle/>
+        <a:p>
+          <a:endParaRPr lang="ru-RU"/>
+        </a:p>
+      </dgm:t>
+    </dgm:pt>
+    <dgm:pt modelId="{EE009AD6-0930-4539-AB2A-647B6DFFFA1D}" type="sibTrans" cxnId="{164BCAD7-F79B-4723-B557-25421EA62E7A}">
+      <dgm:prSet/>
+      <dgm:spPr/>
+      <dgm:t>
+        <a:bodyPr/>
+        <a:lstStyle/>
+        <a:p>
+          <a:endParaRPr lang="ru-RU"/>
+        </a:p>
+      </dgm:t>
+    </dgm:pt>
+    <dgm:pt modelId="{A28C3C63-BD33-4061-80BF-6C9EC517766B}" type="pres">
+      <dgm:prSet presAssocID="{C25540A7-DEFF-4CBC-9AC9-C34497C0C28D}" presName="Name0" presStyleCnt="0">
+        <dgm:presLayoutVars>
+          <dgm:dir/>
+          <dgm:resizeHandles val="exact"/>
+        </dgm:presLayoutVars>
+      </dgm:prSet>
+      <dgm:spPr/>
+    </dgm:pt>
+    <dgm:pt modelId="{E6378B68-B0E2-429E-9C41-B45A74F6829C}" type="pres">
+      <dgm:prSet presAssocID="{9FC94142-BDD6-406B-90B9-2CA31B54ADAE}" presName="node" presStyleLbl="node1" presStyleIdx="0" presStyleCnt="4">
+        <dgm:presLayoutVars>
+          <dgm:bulletEnabled val="1"/>
+        </dgm:presLayoutVars>
+      </dgm:prSet>
+      <dgm:spPr/>
+    </dgm:pt>
+    <dgm:pt modelId="{324C330C-05E8-4CAE-919A-5E081417118C}" type="pres">
+      <dgm:prSet presAssocID="{7B583ACC-898A-4BE2-BC90-8D288E169420}" presName="sibTrans" presStyleLbl="sibTrans2D1" presStyleIdx="0" presStyleCnt="3"/>
+      <dgm:spPr/>
+    </dgm:pt>
+    <dgm:pt modelId="{7E111529-E9D2-441D-8B7A-8E9600557F9E}" type="pres">
+      <dgm:prSet presAssocID="{7B583ACC-898A-4BE2-BC90-8D288E169420}" presName="connectorText" presStyleLbl="sibTrans2D1" presStyleIdx="0" presStyleCnt="3"/>
+      <dgm:spPr/>
+    </dgm:pt>
+    <dgm:pt modelId="{35F44B84-1BAC-48BD-B3C1-03278AFD5C0C}" type="pres">
+      <dgm:prSet presAssocID="{723AC151-E644-4DB9-AA41-965075472F34}" presName="node" presStyleLbl="node1" presStyleIdx="1" presStyleCnt="4">
+        <dgm:presLayoutVars>
+          <dgm:bulletEnabled val="1"/>
+        </dgm:presLayoutVars>
+      </dgm:prSet>
+      <dgm:spPr/>
+      <dgm:t>
+        <a:bodyPr/>
+        <a:lstStyle/>
+        <a:p>
+          <a:endParaRPr lang="ru-RU"/>
+        </a:p>
+      </dgm:t>
+    </dgm:pt>
+    <dgm:pt modelId="{276F2C8B-2904-4865-ADC3-F9E1EAD8ABA6}" type="pres">
+      <dgm:prSet presAssocID="{FEF9FD73-176B-44AF-9CB9-D569AA679F16}" presName="sibTrans" presStyleLbl="sibTrans2D1" presStyleIdx="1" presStyleCnt="3"/>
+      <dgm:spPr/>
+    </dgm:pt>
+    <dgm:pt modelId="{F2FAAED2-4C33-4214-A12B-27463DAA1E94}" type="pres">
+      <dgm:prSet presAssocID="{FEF9FD73-176B-44AF-9CB9-D569AA679F16}" presName="connectorText" presStyleLbl="sibTrans2D1" presStyleIdx="1" presStyleCnt="3"/>
+      <dgm:spPr/>
+    </dgm:pt>
+    <dgm:pt modelId="{72B66847-E372-4C4D-B2D0-3A61F60C17CF}" type="pres">
+      <dgm:prSet presAssocID="{2BD1046A-61DE-4667-B5DA-2095964A9ACA}" presName="node" presStyleLbl="node1" presStyleIdx="2" presStyleCnt="4">
+        <dgm:presLayoutVars>
+          <dgm:bulletEnabled val="1"/>
+        </dgm:presLayoutVars>
+      </dgm:prSet>
+      <dgm:spPr/>
+      <dgm:t>
+        <a:bodyPr/>
+        <a:lstStyle/>
+        <a:p>
+          <a:endParaRPr lang="ru-RU"/>
+        </a:p>
+      </dgm:t>
+    </dgm:pt>
+    <dgm:pt modelId="{432B6F84-A4B0-47A2-B368-DC9A19A5684C}" type="pres">
+      <dgm:prSet presAssocID="{4E3C4B0D-9481-419E-91F1-1CAE183D27FD}" presName="sibTrans" presStyleLbl="sibTrans2D1" presStyleIdx="2" presStyleCnt="3"/>
+      <dgm:spPr/>
+    </dgm:pt>
+    <dgm:pt modelId="{46AB28D2-7ADD-41CE-B0F4-7F5F7BA4D861}" type="pres">
+      <dgm:prSet presAssocID="{4E3C4B0D-9481-419E-91F1-1CAE183D27FD}" presName="connectorText" presStyleLbl="sibTrans2D1" presStyleIdx="2" presStyleCnt="3"/>
+      <dgm:spPr/>
+    </dgm:pt>
+    <dgm:pt modelId="{CB9E7DE5-84D8-4840-A074-CC6164214347}" type="pres">
+      <dgm:prSet presAssocID="{C71CF4AF-738C-4E39-9A60-74E5A6BF4958}" presName="node" presStyleLbl="node1" presStyleIdx="3" presStyleCnt="4">
+        <dgm:presLayoutVars>
+          <dgm:bulletEnabled val="1"/>
+        </dgm:presLayoutVars>
+      </dgm:prSet>
+      <dgm:spPr/>
+      <dgm:t>
+        <a:bodyPr/>
+        <a:lstStyle/>
+        <a:p>
+          <a:endParaRPr lang="ru-RU"/>
+        </a:p>
+      </dgm:t>
+    </dgm:pt>
+  </dgm:ptLst>
+  <dgm:cxnLst>
+    <dgm:cxn modelId="{AF6C2234-7B17-47E7-9991-DBFC0497AF25}" type="presOf" srcId="{9FC94142-BDD6-406B-90B9-2CA31B54ADAE}" destId="{E6378B68-B0E2-429E-9C41-B45A74F6829C}" srcOrd="0" destOrd="0" presId="urn:microsoft.com/office/officeart/2005/8/layout/process1"/>
+    <dgm:cxn modelId="{B403C163-685F-4C85-8DEB-6B8505B35B10}" type="presOf" srcId="{4E3C4B0D-9481-419E-91F1-1CAE183D27FD}" destId="{432B6F84-A4B0-47A2-B368-DC9A19A5684C}" srcOrd="0" destOrd="0" presId="urn:microsoft.com/office/officeart/2005/8/layout/process1"/>
+    <dgm:cxn modelId="{A88E713E-0B37-406D-8832-D138EC6073FB}" type="presOf" srcId="{7B583ACC-898A-4BE2-BC90-8D288E169420}" destId="{324C330C-05E8-4CAE-919A-5E081417118C}" srcOrd="0" destOrd="0" presId="urn:microsoft.com/office/officeart/2005/8/layout/process1"/>
+    <dgm:cxn modelId="{65554563-6F77-4AFD-AE9D-3386390292F7}" type="presOf" srcId="{FEF9FD73-176B-44AF-9CB9-D569AA679F16}" destId="{276F2C8B-2904-4865-ADC3-F9E1EAD8ABA6}" srcOrd="0" destOrd="0" presId="urn:microsoft.com/office/officeart/2005/8/layout/process1"/>
+    <dgm:cxn modelId="{859341E6-B3F9-407E-82C2-3F0829D6FD53}" srcId="{C25540A7-DEFF-4CBC-9AC9-C34497C0C28D}" destId="{9FC94142-BDD6-406B-90B9-2CA31B54ADAE}" srcOrd="0" destOrd="0" parTransId="{75683248-C1DA-4BA1-A456-A5A34E76F6B5}" sibTransId="{7B583ACC-898A-4BE2-BC90-8D288E169420}"/>
+    <dgm:cxn modelId="{86182147-1D34-45FE-84CF-86115535900F}" type="presOf" srcId="{C71CF4AF-738C-4E39-9A60-74E5A6BF4958}" destId="{CB9E7DE5-84D8-4840-A074-CC6164214347}" srcOrd="0" destOrd="0" presId="urn:microsoft.com/office/officeart/2005/8/layout/process1"/>
+    <dgm:cxn modelId="{9AB0F027-FD15-4983-A570-A6ABB66AF684}" type="presOf" srcId="{723AC151-E644-4DB9-AA41-965075472F34}" destId="{35F44B84-1BAC-48BD-B3C1-03278AFD5C0C}" srcOrd="0" destOrd="0" presId="urn:microsoft.com/office/officeart/2005/8/layout/process1"/>
+    <dgm:cxn modelId="{164BCAD7-F79B-4723-B557-25421EA62E7A}" srcId="{C25540A7-DEFF-4CBC-9AC9-C34497C0C28D}" destId="{C71CF4AF-738C-4E39-9A60-74E5A6BF4958}" srcOrd="3" destOrd="0" parTransId="{1BC1F44F-C5E3-4BA9-AAA6-B6A38563FCED}" sibTransId="{EE009AD6-0930-4539-AB2A-647B6DFFFA1D}"/>
+    <dgm:cxn modelId="{ADB6954D-50FB-4343-900D-B5895D9A4892}" type="presOf" srcId="{FEF9FD73-176B-44AF-9CB9-D569AA679F16}" destId="{F2FAAED2-4C33-4214-A12B-27463DAA1E94}" srcOrd="1" destOrd="0" presId="urn:microsoft.com/office/officeart/2005/8/layout/process1"/>
+    <dgm:cxn modelId="{4F00EB8B-B4D0-428A-8B6F-8D5CA5F35467}" srcId="{C25540A7-DEFF-4CBC-9AC9-C34497C0C28D}" destId="{723AC151-E644-4DB9-AA41-965075472F34}" srcOrd="1" destOrd="0" parTransId="{9A04F1F8-6E7F-4D99-AF71-79D68C438F4C}" sibTransId="{FEF9FD73-176B-44AF-9CB9-D569AA679F16}"/>
+    <dgm:cxn modelId="{E2EEC11A-67E0-46E4-B9BF-F4C624A545F4}" type="presOf" srcId="{7B583ACC-898A-4BE2-BC90-8D288E169420}" destId="{7E111529-E9D2-441D-8B7A-8E9600557F9E}" srcOrd="1" destOrd="0" presId="urn:microsoft.com/office/officeart/2005/8/layout/process1"/>
+    <dgm:cxn modelId="{5025EDB7-3591-4932-A61A-6D85131EF96A}" srcId="{C25540A7-DEFF-4CBC-9AC9-C34497C0C28D}" destId="{2BD1046A-61DE-4667-B5DA-2095964A9ACA}" srcOrd="2" destOrd="0" parTransId="{75E03335-1160-4CE6-B34A-22EFF0850C89}" sibTransId="{4E3C4B0D-9481-419E-91F1-1CAE183D27FD}"/>
+    <dgm:cxn modelId="{88DC3FC5-E55B-4A53-BBCE-AF1155C6B930}" type="presOf" srcId="{4E3C4B0D-9481-419E-91F1-1CAE183D27FD}" destId="{46AB28D2-7ADD-41CE-B0F4-7F5F7BA4D861}" srcOrd="1" destOrd="0" presId="urn:microsoft.com/office/officeart/2005/8/layout/process1"/>
+    <dgm:cxn modelId="{03983676-0FA8-428B-992E-C097D05FC16D}" type="presOf" srcId="{2BD1046A-61DE-4667-B5DA-2095964A9ACA}" destId="{72B66847-E372-4C4D-B2D0-3A61F60C17CF}" srcOrd="0" destOrd="0" presId="urn:microsoft.com/office/officeart/2005/8/layout/process1"/>
+    <dgm:cxn modelId="{468178C1-91C8-4C55-ABF8-7E299E4EBDC2}" type="presOf" srcId="{C25540A7-DEFF-4CBC-9AC9-C34497C0C28D}" destId="{A28C3C63-BD33-4061-80BF-6C9EC517766B}" srcOrd="0" destOrd="0" presId="urn:microsoft.com/office/officeart/2005/8/layout/process1"/>
+    <dgm:cxn modelId="{54DB5094-83C4-49B4-AA3D-F20720307DFC}" type="presParOf" srcId="{A28C3C63-BD33-4061-80BF-6C9EC517766B}" destId="{E6378B68-B0E2-429E-9C41-B45A74F6829C}" srcOrd="0" destOrd="0" presId="urn:microsoft.com/office/officeart/2005/8/layout/process1"/>
+    <dgm:cxn modelId="{A3E596FA-798D-4159-B3E1-CFE67396B39B}" type="presParOf" srcId="{A28C3C63-BD33-4061-80BF-6C9EC517766B}" destId="{324C330C-05E8-4CAE-919A-5E081417118C}" srcOrd="1" destOrd="0" presId="urn:microsoft.com/office/officeart/2005/8/layout/process1"/>
+    <dgm:cxn modelId="{F0BB4A63-EA5F-4421-BC5B-D622F97BA81F}" type="presParOf" srcId="{324C330C-05E8-4CAE-919A-5E081417118C}" destId="{7E111529-E9D2-441D-8B7A-8E9600557F9E}" srcOrd="0" destOrd="0" presId="urn:microsoft.com/office/officeart/2005/8/layout/process1"/>
+    <dgm:cxn modelId="{21B227A7-8216-4FC2-9FDD-85611738C998}" type="presParOf" srcId="{A28C3C63-BD33-4061-80BF-6C9EC517766B}" destId="{35F44B84-1BAC-48BD-B3C1-03278AFD5C0C}" srcOrd="2" destOrd="0" presId="urn:microsoft.com/office/officeart/2005/8/layout/process1"/>
+    <dgm:cxn modelId="{A95677E5-A996-449D-B9CE-F003BD9C226B}" type="presParOf" srcId="{A28C3C63-BD33-4061-80BF-6C9EC517766B}" destId="{276F2C8B-2904-4865-ADC3-F9E1EAD8ABA6}" srcOrd="3" destOrd="0" presId="urn:microsoft.com/office/officeart/2005/8/layout/process1"/>
+    <dgm:cxn modelId="{4B7F568E-DBD9-480C-8709-C2F915C713F0}" type="presParOf" srcId="{276F2C8B-2904-4865-ADC3-F9E1EAD8ABA6}" destId="{F2FAAED2-4C33-4214-A12B-27463DAA1E94}" srcOrd="0" destOrd="0" presId="urn:microsoft.com/office/officeart/2005/8/layout/process1"/>
+    <dgm:cxn modelId="{C9CD3FA5-A170-4F17-94EF-59612038ACA8}" type="presParOf" srcId="{A28C3C63-BD33-4061-80BF-6C9EC517766B}" destId="{72B66847-E372-4C4D-B2D0-3A61F60C17CF}" srcOrd="4" destOrd="0" presId="urn:microsoft.com/office/officeart/2005/8/layout/process1"/>
+    <dgm:cxn modelId="{59DBCBF6-477E-454D-B1E3-694858109158}" type="presParOf" srcId="{A28C3C63-BD33-4061-80BF-6C9EC517766B}" destId="{432B6F84-A4B0-47A2-B368-DC9A19A5684C}" srcOrd="5" destOrd="0" presId="urn:microsoft.com/office/officeart/2005/8/layout/process1"/>
+    <dgm:cxn modelId="{65CE8113-32E9-4F5F-AA37-5B339D34DB61}" type="presParOf" srcId="{432B6F84-A4B0-47A2-B368-DC9A19A5684C}" destId="{46AB28D2-7ADD-41CE-B0F4-7F5F7BA4D861}" srcOrd="0" destOrd="0" presId="urn:microsoft.com/office/officeart/2005/8/layout/process1"/>
+    <dgm:cxn modelId="{54F6D300-3DD5-4AD8-8A13-88A281396EBB}" type="presParOf" srcId="{A28C3C63-BD33-4061-80BF-6C9EC517766B}" destId="{CB9E7DE5-84D8-4840-A074-CC6164214347}" srcOrd="6" destOrd="0" presId="urn:microsoft.com/office/officeart/2005/8/layout/process1"/>
+  </dgm:cxnLst>
+  <dgm:bg/>
+  <dgm:whole/>
+  <dgm:extLst>
+    <a:ext uri="http://schemas.microsoft.com/office/drawing/2008/diagram">
+      <dsp:dataModelExt xmlns:dsp="http://schemas.microsoft.com/office/drawing/2008/diagram" relId="rId12" minVer="http://schemas.openxmlformats.org/drawingml/2006/diagram"/>
     </a:ext>
   </dgm:extLst>
 </dgm:dataModel>
@@ -1265,8 +2366,8 @@
       </dsp:nvSpPr>
       <dsp:spPr>
         <a:xfrm>
-          <a:off x="2324753" y="1097637"/>
-          <a:ext cx="1644779" cy="285457"/>
+          <a:off x="2802808" y="1075560"/>
+          <a:ext cx="1983007" cy="344158"/>
         </a:xfrm>
         <a:custGeom>
           <a:avLst/>
@@ -1280,13 +2381,13 @@
                 <a:pt x="0" y="0"/>
               </a:moveTo>
               <a:lnTo>
-                <a:pt x="0" y="142728"/>
+                <a:pt x="0" y="172079"/>
               </a:lnTo>
               <a:lnTo>
-                <a:pt x="1644779" y="142728"/>
+                <a:pt x="1983007" y="172079"/>
               </a:lnTo>
               <a:lnTo>
-                <a:pt x="1644779" y="285457"/>
+                <a:pt x="1983007" y="344158"/>
               </a:lnTo>
             </a:path>
           </a:pathLst>
@@ -1326,8 +2427,8 @@
       </dsp:nvSpPr>
       <dsp:spPr>
         <a:xfrm>
-          <a:off x="2279033" y="1097637"/>
-          <a:ext cx="91440" cy="285457"/>
+          <a:off x="2757088" y="1075560"/>
+          <a:ext cx="91440" cy="344158"/>
         </a:xfrm>
         <a:custGeom>
           <a:avLst/>
@@ -1341,7 +2442,7 @@
                 <a:pt x="45720" y="0"/>
               </a:moveTo>
               <a:lnTo>
-                <a:pt x="45720" y="285457"/>
+                <a:pt x="45720" y="344158"/>
               </a:lnTo>
             </a:path>
           </a:pathLst>
@@ -1381,8 +2482,8 @@
       </dsp:nvSpPr>
       <dsp:spPr>
         <a:xfrm>
-          <a:off x="679973" y="1097637"/>
-          <a:ext cx="1644779" cy="285457"/>
+          <a:off x="819800" y="1075560"/>
+          <a:ext cx="1983007" cy="344158"/>
         </a:xfrm>
         <a:custGeom>
           <a:avLst/>
@@ -1393,16 +2494,16 @@
           <a:pathLst>
             <a:path>
               <a:moveTo>
-                <a:pt x="1644779" y="0"/>
+                <a:pt x="1983007" y="0"/>
               </a:moveTo>
               <a:lnTo>
-                <a:pt x="1644779" y="142728"/>
+                <a:pt x="1983007" y="172079"/>
               </a:lnTo>
               <a:lnTo>
-                <a:pt x="0" y="142728"/>
+                <a:pt x="0" y="172079"/>
               </a:lnTo>
               <a:lnTo>
-                <a:pt x="0" y="285457"/>
+                <a:pt x="0" y="344158"/>
               </a:lnTo>
             </a:path>
           </a:pathLst>
@@ -1442,8 +2543,8 @@
       </dsp:nvSpPr>
       <dsp:spPr>
         <a:xfrm>
-          <a:off x="1645091" y="417976"/>
-          <a:ext cx="1359322" cy="679661"/>
+          <a:off x="1983383" y="256136"/>
+          <a:ext cx="1638848" cy="819424"/>
         </a:xfrm>
         <a:prstGeom prst="rect">
           <a:avLst/>
@@ -1484,12 +2585,12 @@
         </a:fontRef>
       </dsp:style>
       <dsp:txBody>
-        <a:bodyPr spcFirstLastPara="0" vert="horz" wrap="square" lIns="15875" tIns="15875" rIns="15875" bIns="15875" numCol="1" spcCol="1270" anchor="ctr" anchorCtr="0">
+        <a:bodyPr spcFirstLastPara="0" vert="horz" wrap="square" lIns="19685" tIns="19685" rIns="19685" bIns="19685" numCol="1" spcCol="1270" anchor="ctr" anchorCtr="0">
           <a:noAutofit/>
         </a:bodyPr>
         <a:lstStyle/>
         <a:p>
-          <a:pPr lvl="0" algn="ctr" defTabSz="1111250">
+          <a:pPr lvl="0" algn="ctr" defTabSz="1377950">
             <a:lnSpc>
               <a:spcPct val="90000"/>
             </a:lnSpc>
@@ -1501,15 +2602,15 @@
             </a:spcAft>
           </a:pPr>
           <a:r>
-            <a:rPr lang="en-US" sz="2500" kern="1200" dirty="0" smtClean="0"/>
+            <a:rPr lang="en-US" sz="3100" kern="1200" dirty="0" smtClean="0"/>
             <a:t>DDS signals</a:t>
           </a:r>
-          <a:endParaRPr lang="ru-RU" sz="2500" kern="1200" dirty="0"/>
+          <a:endParaRPr lang="ru-RU" sz="3100" kern="1200" dirty="0"/>
         </a:p>
       </dsp:txBody>
       <dsp:txXfrm>
-        <a:off x="1645091" y="417976"/>
-        <a:ext cx="1359322" cy="679661"/>
+        <a:off x="1983383" y="256136"/>
+        <a:ext cx="1638848" cy="819424"/>
       </dsp:txXfrm>
     </dsp:sp>
     <dsp:sp modelId="{E449953F-9EBF-4480-A22F-705E3004979F}">
@@ -1519,8 +2620,8 @@
       </dsp:nvSpPr>
       <dsp:spPr>
         <a:xfrm>
-          <a:off x="312" y="1383095"/>
-          <a:ext cx="1359322" cy="679661"/>
+          <a:off x="376" y="1419719"/>
+          <a:ext cx="1638848" cy="819424"/>
         </a:xfrm>
         <a:prstGeom prst="rect">
           <a:avLst/>
@@ -1561,12 +2662,12 @@
         </a:fontRef>
       </dsp:style>
       <dsp:txBody>
-        <a:bodyPr spcFirstLastPara="0" vert="horz" wrap="square" lIns="15875" tIns="15875" rIns="15875" bIns="15875" numCol="1" spcCol="1270" anchor="ctr" anchorCtr="0">
+        <a:bodyPr spcFirstLastPara="0" vert="horz" wrap="square" lIns="19685" tIns="19685" rIns="19685" bIns="19685" numCol="1" spcCol="1270" anchor="ctr" anchorCtr="0">
           <a:noAutofit/>
         </a:bodyPr>
         <a:lstStyle/>
         <a:p>
-          <a:pPr lvl="0" algn="ctr" defTabSz="1111250">
+          <a:pPr lvl="0" algn="ctr" defTabSz="1377950">
             <a:lnSpc>
               <a:spcPct val="90000"/>
             </a:lnSpc>
@@ -1578,15 +2679,15 @@
             </a:spcAft>
           </a:pPr>
           <a:r>
-            <a:rPr lang="en-US" sz="2500" kern="1200" dirty="0" smtClean="0"/>
+            <a:rPr lang="en-US" sz="3100" kern="1200" dirty="0" smtClean="0"/>
             <a:t>Sin/Cos</a:t>
           </a:r>
-          <a:endParaRPr lang="ru-RU" sz="2500" kern="1200" dirty="0"/>
+          <a:endParaRPr lang="ru-RU" sz="3100" kern="1200" dirty="0"/>
         </a:p>
       </dsp:txBody>
       <dsp:txXfrm>
-        <a:off x="312" y="1383095"/>
-        <a:ext cx="1359322" cy="679661"/>
+        <a:off x="376" y="1419719"/>
+        <a:ext cx="1638848" cy="819424"/>
       </dsp:txXfrm>
     </dsp:sp>
     <dsp:sp modelId="{2FAA26BE-2431-4141-ACB6-58EA97696F07}">
@@ -1596,8 +2697,8 @@
       </dsp:nvSpPr>
       <dsp:spPr>
         <a:xfrm>
-          <a:off x="1645091" y="1383095"/>
-          <a:ext cx="1359322" cy="679661"/>
+          <a:off x="1983383" y="1419719"/>
+          <a:ext cx="1638848" cy="819424"/>
         </a:xfrm>
         <a:prstGeom prst="rect">
           <a:avLst/>
@@ -1638,12 +2739,12 @@
         </a:fontRef>
       </dsp:style>
       <dsp:txBody>
-        <a:bodyPr spcFirstLastPara="0" vert="horz" wrap="square" lIns="15875" tIns="15875" rIns="15875" bIns="15875" numCol="1" spcCol="1270" anchor="ctr" anchorCtr="0">
+        <a:bodyPr spcFirstLastPara="0" vert="horz" wrap="square" lIns="19685" tIns="19685" rIns="19685" bIns="19685" numCol="1" spcCol="1270" anchor="ctr" anchorCtr="0">
           <a:noAutofit/>
         </a:bodyPr>
         <a:lstStyle/>
         <a:p>
-          <a:pPr lvl="0" algn="ctr" defTabSz="1111250">
+          <a:pPr lvl="0" algn="ctr" defTabSz="1377950">
             <a:lnSpc>
               <a:spcPct val="90000"/>
             </a:lnSpc>
@@ -1655,15 +2756,15 @@
             </a:spcAft>
           </a:pPr>
           <a:r>
-            <a:rPr lang="en-US" sz="2500" kern="1200" dirty="0" smtClean="0"/>
+            <a:rPr lang="en-US" sz="3100" kern="1200" dirty="0" smtClean="0"/>
             <a:t>LFM</a:t>
           </a:r>
-          <a:endParaRPr lang="ru-RU" sz="2500" kern="1200" dirty="0"/>
+          <a:endParaRPr lang="ru-RU" sz="3100" kern="1200" dirty="0"/>
         </a:p>
       </dsp:txBody>
       <dsp:txXfrm>
-        <a:off x="1645091" y="1383095"/>
-        <a:ext cx="1359322" cy="679661"/>
+        <a:off x="1983383" y="1419719"/>
+        <a:ext cx="1638848" cy="819424"/>
       </dsp:txXfrm>
     </dsp:sp>
     <dsp:sp modelId="{DEBAEF67-077B-476D-8DFC-0C926153DB5C}">
@@ -1673,8 +2774,8 @@
       </dsp:nvSpPr>
       <dsp:spPr>
         <a:xfrm>
-          <a:off x="3289871" y="1383095"/>
-          <a:ext cx="1359322" cy="679661"/>
+          <a:off x="3966390" y="1419719"/>
+          <a:ext cx="1638848" cy="819424"/>
         </a:xfrm>
         <a:prstGeom prst="rect">
           <a:avLst/>
@@ -1715,12 +2816,12 @@
         </a:fontRef>
       </dsp:style>
       <dsp:txBody>
-        <a:bodyPr spcFirstLastPara="0" vert="horz" wrap="square" lIns="15875" tIns="15875" rIns="15875" bIns="15875" numCol="1" spcCol="1270" anchor="ctr" anchorCtr="0">
+        <a:bodyPr spcFirstLastPara="0" vert="horz" wrap="square" lIns="19685" tIns="19685" rIns="19685" bIns="19685" numCol="1" spcCol="1270" anchor="ctr" anchorCtr="0">
           <a:noAutofit/>
         </a:bodyPr>
         <a:lstStyle/>
         <a:p>
-          <a:pPr lvl="0" algn="ctr" defTabSz="1111250">
+          <a:pPr lvl="0" algn="ctr" defTabSz="1377950">
             <a:lnSpc>
               <a:spcPct val="90000"/>
             </a:lnSpc>
@@ -1732,15 +2833,550 @@
             </a:spcAft>
           </a:pPr>
           <a:r>
-            <a:rPr lang="en-US" sz="2500" kern="1200" dirty="0" smtClean="0"/>
+            <a:rPr lang="en-US" sz="3100" kern="1200" dirty="0" smtClean="0"/>
             <a:t>PSK / FSK</a:t>
           </a:r>
-          <a:endParaRPr lang="ru-RU" sz="2500" kern="1200" dirty="0"/>
+          <a:endParaRPr lang="ru-RU" sz="3100" kern="1200" dirty="0"/>
         </a:p>
       </dsp:txBody>
       <dsp:txXfrm>
-        <a:off x="3289871" y="1383095"/>
-        <a:ext cx="1359322" cy="679661"/>
+        <a:off x="3966390" y="1419719"/>
+        <a:ext cx="1638848" cy="819424"/>
+      </dsp:txXfrm>
+    </dsp:sp>
+  </dsp:spTree>
+</dsp:drawing>
+</file>
+
+<file path=ppt/diagrams/drawing2.xml><?xml version="1.0" encoding="utf-8"?>
+<dsp:drawing xmlns:dgm="http://schemas.openxmlformats.org/drawingml/2006/diagram" xmlns:dsp="http://schemas.microsoft.com/office/drawing/2008/diagram" xmlns:a="http://schemas.openxmlformats.org/drawingml/2006/main">
+  <dsp:spTree>
+    <dsp:nvGrpSpPr>
+      <dsp:cNvPr id="0" name=""/>
+      <dsp:cNvGrpSpPr/>
+    </dsp:nvGrpSpPr>
+    <dsp:grpSpPr/>
+    <dsp:sp modelId="{E6378B68-B0E2-429E-9C41-B45A74F6829C}">
+      <dsp:nvSpPr>
+        <dsp:cNvPr id="0" name=""/>
+        <dsp:cNvSpPr/>
+      </dsp:nvSpPr>
+      <dsp:spPr>
+        <a:xfrm>
+          <a:off x="3571" y="274171"/>
+          <a:ext cx="1561703" cy="1068790"/>
+        </a:xfrm>
+        <a:prstGeom prst="roundRect">
+          <a:avLst>
+            <a:gd name="adj" fmla="val 10000"/>
+          </a:avLst>
+        </a:prstGeom>
+        <a:solidFill>
+          <a:schemeClr val="dk2">
+            <a:hueOff val="0"/>
+            <a:satOff val="0"/>
+            <a:lumOff val="0"/>
+            <a:alphaOff val="0"/>
+          </a:schemeClr>
+        </a:solidFill>
+        <a:ln w="15875" cap="flat" cmpd="sng" algn="ctr">
+          <a:solidFill>
+            <a:schemeClr val="lt2">
+              <a:hueOff val="0"/>
+              <a:satOff val="0"/>
+              <a:lumOff val="0"/>
+              <a:alphaOff val="0"/>
+            </a:schemeClr>
+          </a:solidFill>
+          <a:prstDash val="solid"/>
+        </a:ln>
+        <a:effectLst/>
+      </dsp:spPr>
+      <dsp:style>
+        <a:lnRef idx="2">
+          <a:scrgbClr r="0" g="0" b="0"/>
+        </a:lnRef>
+        <a:fillRef idx="1">
+          <a:scrgbClr r="0" g="0" b="0"/>
+        </a:fillRef>
+        <a:effectRef idx="0">
+          <a:scrgbClr r="0" g="0" b="0"/>
+        </a:effectRef>
+        <a:fontRef idx="minor">
+          <a:schemeClr val="lt1"/>
+        </a:fontRef>
+      </dsp:style>
+      <dsp:txBody>
+        <a:bodyPr spcFirstLastPara="0" vert="horz" wrap="square" lIns="64770" tIns="64770" rIns="64770" bIns="64770" numCol="1" spcCol="1270" anchor="ctr" anchorCtr="0">
+          <a:noAutofit/>
+        </a:bodyPr>
+        <a:lstStyle/>
+        <a:p>
+          <a:pPr lvl="0" algn="ctr" defTabSz="755650">
+            <a:lnSpc>
+              <a:spcPct val="90000"/>
+            </a:lnSpc>
+            <a:spcBef>
+              <a:spcPct val="0"/>
+            </a:spcBef>
+            <a:spcAft>
+              <a:spcPct val="35000"/>
+            </a:spcAft>
+          </a:pPr>
+          <a:r>
+            <a:rPr lang="en-US" sz="1700" kern="1200" dirty="0" smtClean="0"/>
+            <a:t>MATLAB model</a:t>
+          </a:r>
+          <a:endParaRPr lang="ru-RU" sz="1700" kern="1200" dirty="0"/>
+        </a:p>
+      </dsp:txBody>
+      <dsp:txXfrm>
+        <a:off x="34875" y="305475"/>
+        <a:ext cx="1499095" cy="1006182"/>
+      </dsp:txXfrm>
+    </dsp:sp>
+    <dsp:sp modelId="{324C330C-05E8-4CAE-919A-5E081417118C}">
+      <dsp:nvSpPr>
+        <dsp:cNvPr id="0" name=""/>
+        <dsp:cNvSpPr/>
+      </dsp:nvSpPr>
+      <dsp:spPr>
+        <a:xfrm>
+          <a:off x="1721445" y="614915"/>
+          <a:ext cx="331081" cy="387302"/>
+        </a:xfrm>
+        <a:prstGeom prst="rightArrow">
+          <a:avLst>
+            <a:gd name="adj1" fmla="val 60000"/>
+            <a:gd name="adj2" fmla="val 50000"/>
+          </a:avLst>
+        </a:prstGeom>
+        <a:solidFill>
+          <a:schemeClr val="dk2">
+            <a:tint val="60000"/>
+            <a:hueOff val="0"/>
+            <a:satOff val="0"/>
+            <a:lumOff val="0"/>
+            <a:alphaOff val="0"/>
+          </a:schemeClr>
+        </a:solidFill>
+        <a:ln>
+          <a:noFill/>
+        </a:ln>
+        <a:effectLst/>
+      </dsp:spPr>
+      <dsp:style>
+        <a:lnRef idx="0">
+          <a:scrgbClr r="0" g="0" b="0"/>
+        </a:lnRef>
+        <a:fillRef idx="1">
+          <a:scrgbClr r="0" g="0" b="0"/>
+        </a:fillRef>
+        <a:effectRef idx="0">
+          <a:scrgbClr r="0" g="0" b="0"/>
+        </a:effectRef>
+        <a:fontRef idx="minor">
+          <a:schemeClr val="lt1"/>
+        </a:fontRef>
+      </dsp:style>
+      <dsp:txBody>
+        <a:bodyPr spcFirstLastPara="0" vert="horz" wrap="square" lIns="0" tIns="0" rIns="0" bIns="0" numCol="1" spcCol="1270" anchor="ctr" anchorCtr="0">
+          <a:noAutofit/>
+        </a:bodyPr>
+        <a:lstStyle/>
+        <a:p>
+          <a:pPr lvl="0" algn="ctr" defTabSz="622300">
+            <a:lnSpc>
+              <a:spcPct val="90000"/>
+            </a:lnSpc>
+            <a:spcBef>
+              <a:spcPct val="0"/>
+            </a:spcBef>
+            <a:spcAft>
+              <a:spcPct val="35000"/>
+            </a:spcAft>
+          </a:pPr>
+          <a:endParaRPr lang="ru-RU" sz="1400" kern="1200"/>
+        </a:p>
+      </dsp:txBody>
+      <dsp:txXfrm>
+        <a:off x="1721445" y="692375"/>
+        <a:ext cx="231757" cy="232382"/>
+      </dsp:txXfrm>
+    </dsp:sp>
+    <dsp:sp modelId="{35F44B84-1BAC-48BD-B3C1-03278AFD5C0C}">
+      <dsp:nvSpPr>
+        <dsp:cNvPr id="0" name=""/>
+        <dsp:cNvSpPr/>
+      </dsp:nvSpPr>
+      <dsp:spPr>
+        <a:xfrm>
+          <a:off x="2189956" y="274171"/>
+          <a:ext cx="1561703" cy="1068790"/>
+        </a:xfrm>
+        <a:prstGeom prst="roundRect">
+          <a:avLst>
+            <a:gd name="adj" fmla="val 10000"/>
+          </a:avLst>
+        </a:prstGeom>
+        <a:solidFill>
+          <a:schemeClr val="dk2">
+            <a:hueOff val="0"/>
+            <a:satOff val="0"/>
+            <a:lumOff val="0"/>
+            <a:alphaOff val="0"/>
+          </a:schemeClr>
+        </a:solidFill>
+        <a:ln w="15875" cap="flat" cmpd="sng" algn="ctr">
+          <a:solidFill>
+            <a:schemeClr val="lt2">
+              <a:hueOff val="0"/>
+              <a:satOff val="0"/>
+              <a:lumOff val="0"/>
+              <a:alphaOff val="0"/>
+            </a:schemeClr>
+          </a:solidFill>
+          <a:prstDash val="solid"/>
+        </a:ln>
+        <a:effectLst/>
+      </dsp:spPr>
+      <dsp:style>
+        <a:lnRef idx="2">
+          <a:scrgbClr r="0" g="0" b="0"/>
+        </a:lnRef>
+        <a:fillRef idx="1">
+          <a:scrgbClr r="0" g="0" b="0"/>
+        </a:fillRef>
+        <a:effectRef idx="0">
+          <a:scrgbClr r="0" g="0" b="0"/>
+        </a:effectRef>
+        <a:fontRef idx="minor">
+          <a:schemeClr val="lt1"/>
+        </a:fontRef>
+      </dsp:style>
+      <dsp:txBody>
+        <a:bodyPr spcFirstLastPara="0" vert="horz" wrap="square" lIns="64770" tIns="64770" rIns="64770" bIns="64770" numCol="1" spcCol="1270" anchor="ctr" anchorCtr="0">
+          <a:noAutofit/>
+        </a:bodyPr>
+        <a:lstStyle/>
+        <a:p>
+          <a:pPr lvl="0" algn="ctr" defTabSz="755650">
+            <a:lnSpc>
+              <a:spcPct val="90000"/>
+            </a:lnSpc>
+            <a:spcBef>
+              <a:spcPct val="0"/>
+            </a:spcBef>
+            <a:spcAft>
+              <a:spcPct val="35000"/>
+            </a:spcAft>
+          </a:pPr>
+          <a:r>
+            <a:rPr lang="en-US" sz="1700" kern="1200" dirty="0" smtClean="0"/>
+            <a:t>Functional simulation (Testbench)</a:t>
+          </a:r>
+          <a:endParaRPr lang="ru-RU" sz="1700" kern="1200" dirty="0"/>
+        </a:p>
+      </dsp:txBody>
+      <dsp:txXfrm>
+        <a:off x="2221260" y="305475"/>
+        <a:ext cx="1499095" cy="1006182"/>
+      </dsp:txXfrm>
+    </dsp:sp>
+    <dsp:sp modelId="{276F2C8B-2904-4865-ADC3-F9E1EAD8ABA6}">
+      <dsp:nvSpPr>
+        <dsp:cNvPr id="0" name=""/>
+        <dsp:cNvSpPr/>
+      </dsp:nvSpPr>
+      <dsp:spPr>
+        <a:xfrm>
+          <a:off x="3907829" y="614915"/>
+          <a:ext cx="331081" cy="387302"/>
+        </a:xfrm>
+        <a:prstGeom prst="rightArrow">
+          <a:avLst>
+            <a:gd name="adj1" fmla="val 60000"/>
+            <a:gd name="adj2" fmla="val 50000"/>
+          </a:avLst>
+        </a:prstGeom>
+        <a:solidFill>
+          <a:schemeClr val="dk2">
+            <a:tint val="60000"/>
+            <a:hueOff val="0"/>
+            <a:satOff val="0"/>
+            <a:lumOff val="0"/>
+            <a:alphaOff val="0"/>
+          </a:schemeClr>
+        </a:solidFill>
+        <a:ln>
+          <a:noFill/>
+        </a:ln>
+        <a:effectLst/>
+      </dsp:spPr>
+      <dsp:style>
+        <a:lnRef idx="0">
+          <a:scrgbClr r="0" g="0" b="0"/>
+        </a:lnRef>
+        <a:fillRef idx="1">
+          <a:scrgbClr r="0" g="0" b="0"/>
+        </a:fillRef>
+        <a:effectRef idx="0">
+          <a:scrgbClr r="0" g="0" b="0"/>
+        </a:effectRef>
+        <a:fontRef idx="minor">
+          <a:schemeClr val="lt1"/>
+        </a:fontRef>
+      </dsp:style>
+      <dsp:txBody>
+        <a:bodyPr spcFirstLastPara="0" vert="horz" wrap="square" lIns="0" tIns="0" rIns="0" bIns="0" numCol="1" spcCol="1270" anchor="ctr" anchorCtr="0">
+          <a:noAutofit/>
+        </a:bodyPr>
+        <a:lstStyle/>
+        <a:p>
+          <a:pPr lvl="0" algn="ctr" defTabSz="622300">
+            <a:lnSpc>
+              <a:spcPct val="90000"/>
+            </a:lnSpc>
+            <a:spcBef>
+              <a:spcPct val="0"/>
+            </a:spcBef>
+            <a:spcAft>
+              <a:spcPct val="35000"/>
+            </a:spcAft>
+          </a:pPr>
+          <a:endParaRPr lang="ru-RU" sz="1400" kern="1200"/>
+        </a:p>
+      </dsp:txBody>
+      <dsp:txXfrm>
+        <a:off x="3907829" y="692375"/>
+        <a:ext cx="231757" cy="232382"/>
+      </dsp:txXfrm>
+    </dsp:sp>
+    <dsp:sp modelId="{72B66847-E372-4C4D-B2D0-3A61F60C17CF}">
+      <dsp:nvSpPr>
+        <dsp:cNvPr id="0" name=""/>
+        <dsp:cNvSpPr/>
+      </dsp:nvSpPr>
+      <dsp:spPr>
+        <a:xfrm>
+          <a:off x="4376340" y="274171"/>
+          <a:ext cx="1561703" cy="1068790"/>
+        </a:xfrm>
+        <a:prstGeom prst="roundRect">
+          <a:avLst>
+            <a:gd name="adj" fmla="val 10000"/>
+          </a:avLst>
+        </a:prstGeom>
+        <a:solidFill>
+          <a:schemeClr val="dk2">
+            <a:hueOff val="0"/>
+            <a:satOff val="0"/>
+            <a:lumOff val="0"/>
+            <a:alphaOff val="0"/>
+          </a:schemeClr>
+        </a:solidFill>
+        <a:ln w="15875" cap="flat" cmpd="sng" algn="ctr">
+          <a:solidFill>
+            <a:schemeClr val="lt2">
+              <a:hueOff val="0"/>
+              <a:satOff val="0"/>
+              <a:lumOff val="0"/>
+              <a:alphaOff val="0"/>
+            </a:schemeClr>
+          </a:solidFill>
+          <a:prstDash val="solid"/>
+        </a:ln>
+        <a:effectLst/>
+      </dsp:spPr>
+      <dsp:style>
+        <a:lnRef idx="2">
+          <a:scrgbClr r="0" g="0" b="0"/>
+        </a:lnRef>
+        <a:fillRef idx="1">
+          <a:scrgbClr r="0" g="0" b="0"/>
+        </a:fillRef>
+        <a:effectRef idx="0">
+          <a:scrgbClr r="0" g="0" b="0"/>
+        </a:effectRef>
+        <a:fontRef idx="minor">
+          <a:schemeClr val="lt1"/>
+        </a:fontRef>
+      </dsp:style>
+      <dsp:txBody>
+        <a:bodyPr spcFirstLastPara="0" vert="horz" wrap="square" lIns="64770" tIns="64770" rIns="64770" bIns="64770" numCol="1" spcCol="1270" anchor="ctr" anchorCtr="0">
+          <a:noAutofit/>
+        </a:bodyPr>
+        <a:lstStyle/>
+        <a:p>
+          <a:pPr lvl="0" algn="ctr" defTabSz="755650">
+            <a:lnSpc>
+              <a:spcPct val="90000"/>
+            </a:lnSpc>
+            <a:spcBef>
+              <a:spcPct val="0"/>
+            </a:spcBef>
+            <a:spcAft>
+              <a:spcPct val="35000"/>
+            </a:spcAft>
+          </a:pPr>
+          <a:r>
+            <a:rPr lang="en-US" sz="1700" kern="1200" dirty="0" smtClean="0"/>
+            <a:t>Synthesis, implementation and bitstream generating</a:t>
+          </a:r>
+          <a:endParaRPr lang="ru-RU" sz="1700" kern="1200" dirty="0"/>
+        </a:p>
+      </dsp:txBody>
+      <dsp:txXfrm>
+        <a:off x="4407644" y="305475"/>
+        <a:ext cx="1499095" cy="1006182"/>
+      </dsp:txXfrm>
+    </dsp:sp>
+    <dsp:sp modelId="{432B6F84-A4B0-47A2-B368-DC9A19A5684C}">
+      <dsp:nvSpPr>
+        <dsp:cNvPr id="0" name=""/>
+        <dsp:cNvSpPr/>
+      </dsp:nvSpPr>
+      <dsp:spPr>
+        <a:xfrm>
+          <a:off x="6094214" y="614915"/>
+          <a:ext cx="331081" cy="387302"/>
+        </a:xfrm>
+        <a:prstGeom prst="rightArrow">
+          <a:avLst>
+            <a:gd name="adj1" fmla="val 60000"/>
+            <a:gd name="adj2" fmla="val 50000"/>
+          </a:avLst>
+        </a:prstGeom>
+        <a:solidFill>
+          <a:schemeClr val="dk2">
+            <a:tint val="60000"/>
+            <a:hueOff val="0"/>
+            <a:satOff val="0"/>
+            <a:lumOff val="0"/>
+            <a:alphaOff val="0"/>
+          </a:schemeClr>
+        </a:solidFill>
+        <a:ln>
+          <a:noFill/>
+        </a:ln>
+        <a:effectLst/>
+      </dsp:spPr>
+      <dsp:style>
+        <a:lnRef idx="0">
+          <a:scrgbClr r="0" g="0" b="0"/>
+        </a:lnRef>
+        <a:fillRef idx="1">
+          <a:scrgbClr r="0" g="0" b="0"/>
+        </a:fillRef>
+        <a:effectRef idx="0">
+          <a:scrgbClr r="0" g="0" b="0"/>
+        </a:effectRef>
+        <a:fontRef idx="minor">
+          <a:schemeClr val="lt1"/>
+        </a:fontRef>
+      </dsp:style>
+      <dsp:txBody>
+        <a:bodyPr spcFirstLastPara="0" vert="horz" wrap="square" lIns="0" tIns="0" rIns="0" bIns="0" numCol="1" spcCol="1270" anchor="ctr" anchorCtr="0">
+          <a:noAutofit/>
+        </a:bodyPr>
+        <a:lstStyle/>
+        <a:p>
+          <a:pPr lvl="0" algn="ctr" defTabSz="622300">
+            <a:lnSpc>
+              <a:spcPct val="90000"/>
+            </a:lnSpc>
+            <a:spcBef>
+              <a:spcPct val="0"/>
+            </a:spcBef>
+            <a:spcAft>
+              <a:spcPct val="35000"/>
+            </a:spcAft>
+          </a:pPr>
+          <a:endParaRPr lang="ru-RU" sz="1400" kern="1200"/>
+        </a:p>
+      </dsp:txBody>
+      <dsp:txXfrm>
+        <a:off x="6094214" y="692375"/>
+        <a:ext cx="231757" cy="232382"/>
+      </dsp:txXfrm>
+    </dsp:sp>
+    <dsp:sp modelId="{CB9E7DE5-84D8-4840-A074-CC6164214347}">
+      <dsp:nvSpPr>
+        <dsp:cNvPr id="0" name=""/>
+        <dsp:cNvSpPr/>
+      </dsp:nvSpPr>
+      <dsp:spPr>
+        <a:xfrm>
+          <a:off x="6562724" y="274171"/>
+          <a:ext cx="1561703" cy="1068790"/>
+        </a:xfrm>
+        <a:prstGeom prst="roundRect">
+          <a:avLst>
+            <a:gd name="adj" fmla="val 10000"/>
+          </a:avLst>
+        </a:prstGeom>
+        <a:solidFill>
+          <a:schemeClr val="dk2">
+            <a:hueOff val="0"/>
+            <a:satOff val="0"/>
+            <a:lumOff val="0"/>
+            <a:alphaOff val="0"/>
+          </a:schemeClr>
+        </a:solidFill>
+        <a:ln w="15875" cap="flat" cmpd="sng" algn="ctr">
+          <a:solidFill>
+            <a:schemeClr val="lt2">
+              <a:hueOff val="0"/>
+              <a:satOff val="0"/>
+              <a:lumOff val="0"/>
+              <a:alphaOff val="0"/>
+            </a:schemeClr>
+          </a:solidFill>
+          <a:prstDash val="solid"/>
+        </a:ln>
+        <a:effectLst/>
+      </dsp:spPr>
+      <dsp:style>
+        <a:lnRef idx="2">
+          <a:scrgbClr r="0" g="0" b="0"/>
+        </a:lnRef>
+        <a:fillRef idx="1">
+          <a:scrgbClr r="0" g="0" b="0"/>
+        </a:fillRef>
+        <a:effectRef idx="0">
+          <a:scrgbClr r="0" g="0" b="0"/>
+        </a:effectRef>
+        <a:fontRef idx="minor">
+          <a:schemeClr val="lt1"/>
+        </a:fontRef>
+      </dsp:style>
+      <dsp:txBody>
+        <a:bodyPr spcFirstLastPara="0" vert="horz" wrap="square" lIns="64770" tIns="64770" rIns="64770" bIns="64770" numCol="1" spcCol="1270" anchor="ctr" anchorCtr="0">
+          <a:noAutofit/>
+        </a:bodyPr>
+        <a:lstStyle/>
+        <a:p>
+          <a:pPr lvl="0" algn="ctr" defTabSz="755650">
+            <a:lnSpc>
+              <a:spcPct val="90000"/>
+            </a:lnSpc>
+            <a:spcBef>
+              <a:spcPct val="0"/>
+            </a:spcBef>
+            <a:spcAft>
+              <a:spcPct val="35000"/>
+            </a:spcAft>
+          </a:pPr>
+          <a:r>
+            <a:rPr lang="en-US" sz="1700" kern="1200" dirty="0" smtClean="0"/>
+            <a:t>Debugging using logic analyzer and VIO IP core </a:t>
+          </a:r>
+          <a:endParaRPr lang="ru-RU" sz="1700" kern="1200" dirty="0"/>
+        </a:p>
+      </dsp:txBody>
+      <dsp:txXfrm>
+        <a:off x="6594028" y="305475"/>
+        <a:ext cx="1499095" cy="1006182"/>
       </dsp:txXfrm>
     </dsp:sp>
   </dsp:spTree>
@@ -2893,7 +4529,1187 @@
 </dgm:layoutDef>
 </file>
 
+<file path=ppt/diagrams/layout2.xml><?xml version="1.0" encoding="utf-8"?>
+<dgm:layoutDef xmlns:dgm="http://schemas.openxmlformats.org/drawingml/2006/diagram" xmlns:a="http://schemas.openxmlformats.org/drawingml/2006/main" uniqueId="urn:microsoft.com/office/officeart/2005/8/layout/process1">
+  <dgm:title val=""/>
+  <dgm:desc val=""/>
+  <dgm:catLst>
+    <dgm:cat type="process" pri="1000"/>
+    <dgm:cat type="convert" pri="15000"/>
+  </dgm:catLst>
+  <dgm:sampData useDef="1">
+    <dgm:dataModel>
+      <dgm:ptLst/>
+      <dgm:bg/>
+      <dgm:whole/>
+    </dgm:dataModel>
+  </dgm:sampData>
+  <dgm:styleData>
+    <dgm:dataModel>
+      <dgm:ptLst>
+        <dgm:pt modelId="0" type="doc"/>
+        <dgm:pt modelId="1"/>
+        <dgm:pt modelId="2"/>
+      </dgm:ptLst>
+      <dgm:cxnLst>
+        <dgm:cxn modelId="3" srcId="0" destId="1" srcOrd="0" destOrd="0"/>
+        <dgm:cxn modelId="4" srcId="0" destId="2" srcOrd="1" destOrd="0"/>
+      </dgm:cxnLst>
+      <dgm:bg/>
+      <dgm:whole/>
+    </dgm:dataModel>
+  </dgm:styleData>
+  <dgm:clrData>
+    <dgm:dataModel>
+      <dgm:ptLst>
+        <dgm:pt modelId="0" type="doc"/>
+        <dgm:pt modelId="1"/>
+        <dgm:pt modelId="2"/>
+        <dgm:pt modelId="3"/>
+        <dgm:pt modelId="4"/>
+      </dgm:ptLst>
+      <dgm:cxnLst>
+        <dgm:cxn modelId="5" srcId="0" destId="1" srcOrd="0" destOrd="0"/>
+        <dgm:cxn modelId="6" srcId="0" destId="2" srcOrd="1" destOrd="0"/>
+        <dgm:cxn modelId="7" srcId="0" destId="3" srcOrd="2" destOrd="0"/>
+        <dgm:cxn modelId="8" srcId="0" destId="4" srcOrd="3" destOrd="0"/>
+      </dgm:cxnLst>
+      <dgm:bg/>
+      <dgm:whole/>
+    </dgm:dataModel>
+  </dgm:clrData>
+  <dgm:layoutNode name="Name0">
+    <dgm:varLst>
+      <dgm:dir/>
+      <dgm:resizeHandles val="exact"/>
+    </dgm:varLst>
+    <dgm:choose name="Name1">
+      <dgm:if name="Name2" func="var" arg="dir" op="equ" val="norm">
+        <dgm:alg type="lin"/>
+      </dgm:if>
+      <dgm:else name="Name3">
+        <dgm:alg type="lin">
+          <dgm:param type="linDir" val="fromR"/>
+        </dgm:alg>
+      </dgm:else>
+    </dgm:choose>
+    <dgm:shape xmlns:r="http://schemas.openxmlformats.org/officeDocument/2006/relationships" r:blip="">
+      <dgm:adjLst/>
+    </dgm:shape>
+    <dgm:presOf/>
+    <dgm:constrLst>
+      <dgm:constr type="w" for="ch" ptType="node" refType="w"/>
+      <dgm:constr type="h" for="ch" ptType="node" op="equ"/>
+      <dgm:constr type="primFontSz" for="ch" ptType="node" op="equ" val="65"/>
+      <dgm:constr type="w" for="ch" ptType="sibTrans" refType="w" refFor="ch" refPtType="node" op="equ" fact="0.4"/>
+      <dgm:constr type="h" for="ch" ptType="sibTrans" op="equ"/>
+      <dgm:constr type="primFontSz" for="des" forName="connectorText" op="equ" val="55"/>
+      <dgm:constr type="primFontSz" for="des" forName="connectorText" refType="primFontSz" refFor="ch" refPtType="node" op="lte" fact="0.8"/>
+    </dgm:constrLst>
+    <dgm:ruleLst/>
+    <dgm:forEach name="nodesForEach" axis="ch" ptType="node">
+      <dgm:layoutNode name="node">
+        <dgm:varLst>
+          <dgm:bulletEnabled val="1"/>
+        </dgm:varLst>
+        <dgm:alg type="tx"/>
+        <dgm:shape xmlns:r="http://schemas.openxmlformats.org/officeDocument/2006/relationships" type="roundRect" r:blip="">
+          <dgm:adjLst>
+            <dgm:adj idx="1" val="0.1"/>
+          </dgm:adjLst>
+        </dgm:shape>
+        <dgm:presOf axis="desOrSelf" ptType="node"/>
+        <dgm:constrLst>
+          <dgm:constr type="h" refType="w" fact="0.6"/>
+          <dgm:constr type="tMarg" refType="primFontSz" fact="0.3"/>
+          <dgm:constr type="bMarg" refType="primFontSz" fact="0.3"/>
+          <dgm:constr type="lMarg" refType="primFontSz" fact="0.3"/>
+          <dgm:constr type="rMarg" refType="primFontSz" fact="0.3"/>
+        </dgm:constrLst>
+        <dgm:ruleLst>
+          <dgm:rule type="primFontSz" val="18" fact="NaN" max="NaN"/>
+          <dgm:rule type="h" val="NaN" fact="1.5" max="NaN"/>
+          <dgm:rule type="primFontSz" val="5" fact="NaN" max="NaN"/>
+          <dgm:rule type="h" val="INF" fact="NaN" max="NaN"/>
+        </dgm:ruleLst>
+      </dgm:layoutNode>
+      <dgm:forEach name="sibTransForEach" axis="followSib" ptType="sibTrans" cnt="1">
+        <dgm:layoutNode name="sibTrans">
+          <dgm:alg type="conn">
+            <dgm:param type="begPts" val="auto"/>
+            <dgm:param type="endPts" val="auto"/>
+          </dgm:alg>
+          <dgm:shape xmlns:r="http://schemas.openxmlformats.org/officeDocument/2006/relationships" type="conn" r:blip="">
+            <dgm:adjLst/>
+          </dgm:shape>
+          <dgm:presOf axis="self"/>
+          <dgm:constrLst>
+            <dgm:constr type="h" refType="w" fact="0.62"/>
+            <dgm:constr type="connDist"/>
+            <dgm:constr type="begPad" refType="connDist" fact="0.25"/>
+            <dgm:constr type="endPad" refType="connDist" fact="0.22"/>
+          </dgm:constrLst>
+          <dgm:ruleLst/>
+          <dgm:layoutNode name="connectorText">
+            <dgm:alg type="tx">
+              <dgm:param type="autoTxRot" val="grav"/>
+            </dgm:alg>
+            <dgm:shape xmlns:r="http://schemas.openxmlformats.org/officeDocument/2006/relationships" type="conn" r:blip="" hideGeom="1">
+              <dgm:adjLst/>
+            </dgm:shape>
+            <dgm:presOf axis="self"/>
+            <dgm:constrLst>
+              <dgm:constr type="lMarg"/>
+              <dgm:constr type="rMarg"/>
+              <dgm:constr type="tMarg"/>
+              <dgm:constr type="bMarg"/>
+            </dgm:constrLst>
+            <dgm:ruleLst>
+              <dgm:rule type="primFontSz" val="5" fact="NaN" max="NaN"/>
+            </dgm:ruleLst>
+          </dgm:layoutNode>
+        </dgm:layoutNode>
+      </dgm:forEach>
+    </dgm:forEach>
+  </dgm:layoutNode>
+</dgm:layoutDef>
+</file>
+
 <file path=ppt/diagrams/quickStyle1.xml><?xml version="1.0" encoding="utf-8"?>
+<dgm:styleDef xmlns:dgm="http://schemas.openxmlformats.org/drawingml/2006/diagram" xmlns:a="http://schemas.openxmlformats.org/drawingml/2006/main" uniqueId="urn:microsoft.com/office/officeart/2005/8/quickstyle/simple1">
+  <dgm:title val=""/>
+  <dgm:desc val=""/>
+  <dgm:catLst>
+    <dgm:cat type="simple" pri="10100"/>
+  </dgm:catLst>
+  <dgm:scene3d>
+    <a:camera prst="orthographicFront"/>
+    <a:lightRig rig="threePt" dir="t"/>
+  </dgm:scene3d>
+  <dgm:styleLbl name="node0">
+    <dgm:scene3d>
+      <a:camera prst="orthographicFront"/>
+      <a:lightRig rig="threePt" dir="t"/>
+    </dgm:scene3d>
+    <dgm:sp3d/>
+    <dgm:txPr/>
+    <dgm:style>
+      <a:lnRef idx="2">
+        <a:scrgbClr r="0" g="0" b="0"/>
+      </a:lnRef>
+      <a:fillRef idx="1">
+        <a:scrgbClr r="0" g="0" b="0"/>
+      </a:fillRef>
+      <a:effectRef idx="0">
+        <a:scrgbClr r="0" g="0" b="0"/>
+      </a:effectRef>
+      <a:fontRef idx="minor">
+        <a:schemeClr val="lt1"/>
+      </a:fontRef>
+    </dgm:style>
+  </dgm:styleLbl>
+  <dgm:styleLbl name="lnNode1">
+    <dgm:scene3d>
+      <a:camera prst="orthographicFront"/>
+      <a:lightRig rig="threePt" dir="t"/>
+    </dgm:scene3d>
+    <dgm:sp3d/>
+    <dgm:txPr/>
+    <dgm:style>
+      <a:lnRef idx="2">
+        <a:scrgbClr r="0" g="0" b="0"/>
+      </a:lnRef>
+      <a:fillRef idx="1">
+        <a:scrgbClr r="0" g="0" b="0"/>
+      </a:fillRef>
+      <a:effectRef idx="0">
+        <a:scrgbClr r="0" g="0" b="0"/>
+      </a:effectRef>
+      <a:fontRef idx="minor">
+        <a:schemeClr val="lt1"/>
+      </a:fontRef>
+    </dgm:style>
+  </dgm:styleLbl>
+  <dgm:styleLbl name="vennNode1">
+    <dgm:scene3d>
+      <a:camera prst="orthographicFront"/>
+      <a:lightRig rig="threePt" dir="t"/>
+    </dgm:scene3d>
+    <dgm:sp3d/>
+    <dgm:txPr/>
+    <dgm:style>
+      <a:lnRef idx="2">
+        <a:scrgbClr r="0" g="0" b="0"/>
+      </a:lnRef>
+      <a:fillRef idx="1">
+        <a:scrgbClr r="0" g="0" b="0"/>
+      </a:fillRef>
+      <a:effectRef idx="0">
+        <a:scrgbClr r="0" g="0" b="0"/>
+      </a:effectRef>
+      <a:fontRef idx="minor">
+        <a:schemeClr val="tx1"/>
+      </a:fontRef>
+    </dgm:style>
+  </dgm:styleLbl>
+  <dgm:styleLbl name="alignNode1">
+    <dgm:scene3d>
+      <a:camera prst="orthographicFront"/>
+      <a:lightRig rig="threePt" dir="t"/>
+    </dgm:scene3d>
+    <dgm:sp3d/>
+    <dgm:txPr/>
+    <dgm:style>
+      <a:lnRef idx="2">
+        <a:scrgbClr r="0" g="0" b="0"/>
+      </a:lnRef>
+      <a:fillRef idx="1">
+        <a:scrgbClr r="0" g="0" b="0"/>
+      </a:fillRef>
+      <a:effectRef idx="0">
+        <a:scrgbClr r="0" g="0" b="0"/>
+      </a:effectRef>
+      <a:fontRef idx="minor">
+        <a:schemeClr val="lt1"/>
+      </a:fontRef>
+    </dgm:style>
+  </dgm:styleLbl>
+  <dgm:styleLbl name="node1">
+    <dgm:scene3d>
+      <a:camera prst="orthographicFront"/>
+      <a:lightRig rig="threePt" dir="t"/>
+    </dgm:scene3d>
+    <dgm:sp3d/>
+    <dgm:txPr/>
+    <dgm:style>
+      <a:lnRef idx="2">
+        <a:scrgbClr r="0" g="0" b="0"/>
+      </a:lnRef>
+      <a:fillRef idx="1">
+        <a:scrgbClr r="0" g="0" b="0"/>
+      </a:fillRef>
+      <a:effectRef idx="0">
+        <a:scrgbClr r="0" g="0" b="0"/>
+      </a:effectRef>
+      <a:fontRef idx="minor">
+        <a:schemeClr val="lt1"/>
+      </a:fontRef>
+    </dgm:style>
+  </dgm:styleLbl>
+  <dgm:styleLbl name="node2">
+    <dgm:scene3d>
+      <a:camera prst="orthographicFront"/>
+      <a:lightRig rig="threePt" dir="t"/>
+    </dgm:scene3d>
+    <dgm:sp3d/>
+    <dgm:txPr/>
+    <dgm:style>
+      <a:lnRef idx="2">
+        <a:scrgbClr r="0" g="0" b="0"/>
+      </a:lnRef>
+      <a:fillRef idx="1">
+        <a:scrgbClr r="0" g="0" b="0"/>
+      </a:fillRef>
+      <a:effectRef idx="0">
+        <a:scrgbClr r="0" g="0" b="0"/>
+      </a:effectRef>
+      <a:fontRef idx="minor">
+        <a:schemeClr val="lt1"/>
+      </a:fontRef>
+    </dgm:style>
+  </dgm:styleLbl>
+  <dgm:styleLbl name="node3">
+    <dgm:scene3d>
+      <a:camera prst="orthographicFront"/>
+      <a:lightRig rig="threePt" dir="t"/>
+    </dgm:scene3d>
+    <dgm:sp3d/>
+    <dgm:txPr/>
+    <dgm:style>
+      <a:lnRef idx="2">
+        <a:scrgbClr r="0" g="0" b="0"/>
+      </a:lnRef>
+      <a:fillRef idx="1">
+        <a:scrgbClr r="0" g="0" b="0"/>
+      </a:fillRef>
+      <a:effectRef idx="0">
+        <a:scrgbClr r="0" g="0" b="0"/>
+      </a:effectRef>
+      <a:fontRef idx="minor">
+        <a:schemeClr val="lt1"/>
+      </a:fontRef>
+    </dgm:style>
+  </dgm:styleLbl>
+  <dgm:styleLbl name="node4">
+    <dgm:scene3d>
+      <a:camera prst="orthographicFront"/>
+      <a:lightRig rig="threePt" dir="t"/>
+    </dgm:scene3d>
+    <dgm:sp3d/>
+    <dgm:txPr/>
+    <dgm:style>
+      <a:lnRef idx="2">
+        <a:scrgbClr r="0" g="0" b="0"/>
+      </a:lnRef>
+      <a:fillRef idx="1">
+        <a:scrgbClr r="0" g="0" b="0"/>
+      </a:fillRef>
+      <a:effectRef idx="0">
+        <a:scrgbClr r="0" g="0" b="0"/>
+      </a:effectRef>
+      <a:fontRef idx="minor">
+        <a:schemeClr val="lt1"/>
+      </a:fontRef>
+    </dgm:style>
+  </dgm:styleLbl>
+  <dgm:styleLbl name="fgImgPlace1">
+    <dgm:scene3d>
+      <a:camera prst="orthographicFront"/>
+      <a:lightRig rig="threePt" dir="t"/>
+    </dgm:scene3d>
+    <dgm:sp3d/>
+    <dgm:txPr/>
+    <dgm:style>
+      <a:lnRef idx="2">
+        <a:scrgbClr r="0" g="0" b="0"/>
+      </a:lnRef>
+      <a:fillRef idx="1">
+        <a:scrgbClr r="0" g="0" b="0"/>
+      </a:fillRef>
+      <a:effectRef idx="0">
+        <a:scrgbClr r="0" g="0" b="0"/>
+      </a:effectRef>
+      <a:fontRef idx="minor"/>
+    </dgm:style>
+  </dgm:styleLbl>
+  <dgm:styleLbl name="alignImgPlace1">
+    <dgm:scene3d>
+      <a:camera prst="orthographicFront"/>
+      <a:lightRig rig="threePt" dir="t"/>
+    </dgm:scene3d>
+    <dgm:sp3d/>
+    <dgm:txPr/>
+    <dgm:style>
+      <a:lnRef idx="2">
+        <a:scrgbClr r="0" g="0" b="0"/>
+      </a:lnRef>
+      <a:fillRef idx="1">
+        <a:scrgbClr r="0" g="0" b="0"/>
+      </a:fillRef>
+      <a:effectRef idx="0">
+        <a:scrgbClr r="0" g="0" b="0"/>
+      </a:effectRef>
+      <a:fontRef idx="minor"/>
+    </dgm:style>
+  </dgm:styleLbl>
+  <dgm:styleLbl name="bgImgPlace1">
+    <dgm:scene3d>
+      <a:camera prst="orthographicFront"/>
+      <a:lightRig rig="threePt" dir="t"/>
+    </dgm:scene3d>
+    <dgm:sp3d/>
+    <dgm:txPr/>
+    <dgm:style>
+      <a:lnRef idx="2">
+        <a:scrgbClr r="0" g="0" b="0"/>
+      </a:lnRef>
+      <a:fillRef idx="1">
+        <a:scrgbClr r="0" g="0" b="0"/>
+      </a:fillRef>
+      <a:effectRef idx="0">
+        <a:scrgbClr r="0" g="0" b="0"/>
+      </a:effectRef>
+      <a:fontRef idx="minor"/>
+    </dgm:style>
+  </dgm:styleLbl>
+  <dgm:styleLbl name="sibTrans2D1">
+    <dgm:scene3d>
+      <a:camera prst="orthographicFront"/>
+      <a:lightRig rig="threePt" dir="t"/>
+    </dgm:scene3d>
+    <dgm:sp3d/>
+    <dgm:txPr/>
+    <dgm:style>
+      <a:lnRef idx="0">
+        <a:scrgbClr r="0" g="0" b="0"/>
+      </a:lnRef>
+      <a:fillRef idx="1">
+        <a:scrgbClr r="0" g="0" b="0"/>
+      </a:fillRef>
+      <a:effectRef idx="0">
+        <a:scrgbClr r="0" g="0" b="0"/>
+      </a:effectRef>
+      <a:fontRef idx="minor">
+        <a:schemeClr val="lt1"/>
+      </a:fontRef>
+    </dgm:style>
+  </dgm:styleLbl>
+  <dgm:styleLbl name="fgSibTrans2D1">
+    <dgm:scene3d>
+      <a:camera prst="orthographicFront"/>
+      <a:lightRig rig="threePt" dir="t"/>
+    </dgm:scene3d>
+    <dgm:sp3d/>
+    <dgm:txPr/>
+    <dgm:style>
+      <a:lnRef idx="0">
+        <a:scrgbClr r="0" g="0" b="0"/>
+      </a:lnRef>
+      <a:fillRef idx="1">
+        <a:scrgbClr r="0" g="0" b="0"/>
+      </a:fillRef>
+      <a:effectRef idx="0">
+        <a:scrgbClr r="0" g="0" b="0"/>
+      </a:effectRef>
+      <a:fontRef idx="minor">
+        <a:schemeClr val="lt1"/>
+      </a:fontRef>
+    </dgm:style>
+  </dgm:styleLbl>
+  <dgm:styleLbl name="bgSibTrans2D1">
+    <dgm:scene3d>
+      <a:camera prst="orthographicFront"/>
+      <a:lightRig rig="threePt" dir="t"/>
+    </dgm:scene3d>
+    <dgm:sp3d/>
+    <dgm:txPr/>
+    <dgm:style>
+      <a:lnRef idx="0">
+        <a:scrgbClr r="0" g="0" b="0"/>
+      </a:lnRef>
+      <a:fillRef idx="1">
+        <a:scrgbClr r="0" g="0" b="0"/>
+      </a:fillRef>
+      <a:effectRef idx="0">
+        <a:scrgbClr r="0" g="0" b="0"/>
+      </a:effectRef>
+      <a:fontRef idx="minor">
+        <a:schemeClr val="lt1"/>
+      </a:fontRef>
+    </dgm:style>
+  </dgm:styleLbl>
+  <dgm:styleLbl name="sibTrans1D1">
+    <dgm:scene3d>
+      <a:camera prst="orthographicFront"/>
+      <a:lightRig rig="threePt" dir="t"/>
+    </dgm:scene3d>
+    <dgm:sp3d/>
+    <dgm:txPr/>
+    <dgm:style>
+      <a:lnRef idx="1">
+        <a:scrgbClr r="0" g="0" b="0"/>
+      </a:lnRef>
+      <a:fillRef idx="0">
+        <a:scrgbClr r="0" g="0" b="0"/>
+      </a:fillRef>
+      <a:effectRef idx="0">
+        <a:scrgbClr r="0" g="0" b="0"/>
+      </a:effectRef>
+      <a:fontRef idx="minor"/>
+    </dgm:style>
+  </dgm:styleLbl>
+  <dgm:styleLbl name="callout">
+    <dgm:scene3d>
+      <a:camera prst="orthographicFront"/>
+      <a:lightRig rig="threePt" dir="t"/>
+    </dgm:scene3d>
+    <dgm:sp3d/>
+    <dgm:txPr/>
+    <dgm:style>
+      <a:lnRef idx="2">
+        <a:scrgbClr r="0" g="0" b="0"/>
+      </a:lnRef>
+      <a:fillRef idx="1">
+        <a:scrgbClr r="0" g="0" b="0"/>
+      </a:fillRef>
+      <a:effectRef idx="0">
+        <a:scrgbClr r="0" g="0" b="0"/>
+      </a:effectRef>
+      <a:fontRef idx="minor"/>
+    </dgm:style>
+  </dgm:styleLbl>
+  <dgm:styleLbl name="asst0">
+    <dgm:scene3d>
+      <a:camera prst="orthographicFront"/>
+      <a:lightRig rig="threePt" dir="t"/>
+    </dgm:scene3d>
+    <dgm:sp3d/>
+    <dgm:txPr/>
+    <dgm:style>
+      <a:lnRef idx="2">
+        <a:scrgbClr r="0" g="0" b="0"/>
+      </a:lnRef>
+      <a:fillRef idx="1">
+        <a:scrgbClr r="0" g="0" b="0"/>
+      </a:fillRef>
+      <a:effectRef idx="0">
+        <a:scrgbClr r="0" g="0" b="0"/>
+      </a:effectRef>
+      <a:fontRef idx="minor">
+        <a:schemeClr val="lt1"/>
+      </a:fontRef>
+    </dgm:style>
+  </dgm:styleLbl>
+  <dgm:styleLbl name="asst1">
+    <dgm:scene3d>
+      <a:camera prst="orthographicFront"/>
+      <a:lightRig rig="threePt" dir="t"/>
+    </dgm:scene3d>
+    <dgm:sp3d/>
+    <dgm:txPr/>
+    <dgm:style>
+      <a:lnRef idx="2">
+        <a:scrgbClr r="0" g="0" b="0"/>
+      </a:lnRef>
+      <a:fillRef idx="1">
+        <a:scrgbClr r="0" g="0" b="0"/>
+      </a:fillRef>
+      <a:effectRef idx="0">
+        <a:scrgbClr r="0" g="0" b="0"/>
+      </a:effectRef>
+      <a:fontRef idx="minor">
+        <a:schemeClr val="lt1"/>
+      </a:fontRef>
+    </dgm:style>
+  </dgm:styleLbl>
+  <dgm:styleLbl name="asst2">
+    <dgm:scene3d>
+      <a:camera prst="orthographicFront"/>
+      <a:lightRig rig="threePt" dir="t"/>
+    </dgm:scene3d>
+    <dgm:sp3d/>
+    <dgm:txPr/>
+    <dgm:style>
+      <a:lnRef idx="2">
+        <a:scrgbClr r="0" g="0" b="0"/>
+      </a:lnRef>
+      <a:fillRef idx="1">
+        <a:scrgbClr r="0" g="0" b="0"/>
+      </a:fillRef>
+      <a:effectRef idx="0">
+        <a:scrgbClr r="0" g="0" b="0"/>
+      </a:effectRef>
+      <a:fontRef idx="minor">
+        <a:schemeClr val="lt1"/>
+      </a:fontRef>
+    </dgm:style>
+  </dgm:styleLbl>
+  <dgm:styleLbl name="asst3">
+    <dgm:scene3d>
+      <a:camera prst="orthographicFront"/>
+      <a:lightRig rig="threePt" dir="t"/>
+    </dgm:scene3d>
+    <dgm:sp3d/>
+    <dgm:txPr/>
+    <dgm:style>
+      <a:lnRef idx="2">
+        <a:scrgbClr r="0" g="0" b="0"/>
+      </a:lnRef>
+      <a:fillRef idx="1">
+        <a:scrgbClr r="0" g="0" b="0"/>
+      </a:fillRef>
+      <a:effectRef idx="0">
+        <a:scrgbClr r="0" g="0" b="0"/>
+      </a:effectRef>
+      <a:fontRef idx="minor">
+        <a:schemeClr val="lt1"/>
+      </a:fontRef>
+    </dgm:style>
+  </dgm:styleLbl>
+  <dgm:styleLbl name="asst4">
+    <dgm:scene3d>
+      <a:camera prst="orthographicFront"/>
+      <a:lightRig rig="threePt" dir="t"/>
+    </dgm:scene3d>
+    <dgm:sp3d/>
+    <dgm:txPr/>
+    <dgm:style>
+      <a:lnRef idx="2">
+        <a:scrgbClr r="0" g="0" b="0"/>
+      </a:lnRef>
+      <a:fillRef idx="1">
+        <a:scrgbClr r="0" g="0" b="0"/>
+      </a:fillRef>
+      <a:effectRef idx="0">
+        <a:scrgbClr r="0" g="0" b="0"/>
+      </a:effectRef>
+      <a:fontRef idx="minor">
+        <a:schemeClr val="lt1"/>
+      </a:fontRef>
+    </dgm:style>
+  </dgm:styleLbl>
+  <dgm:styleLbl name="parChTrans2D1">
+    <dgm:scene3d>
+      <a:camera prst="orthographicFront"/>
+      <a:lightRig rig="threePt" dir="t"/>
+    </dgm:scene3d>
+    <dgm:sp3d/>
+    <dgm:txPr/>
+    <dgm:style>
+      <a:lnRef idx="2">
+        <a:scrgbClr r="0" g="0" b="0"/>
+      </a:lnRef>
+      <a:fillRef idx="1">
+        <a:scrgbClr r="0" g="0" b="0"/>
+      </a:fillRef>
+      <a:effectRef idx="0">
+        <a:scrgbClr r="0" g="0" b="0"/>
+      </a:effectRef>
+      <a:fontRef idx="minor">
+        <a:schemeClr val="lt1"/>
+      </a:fontRef>
+    </dgm:style>
+  </dgm:styleLbl>
+  <dgm:styleLbl name="parChTrans2D2">
+    <dgm:scene3d>
+      <a:camera prst="orthographicFront"/>
+      <a:lightRig rig="threePt" dir="t"/>
+    </dgm:scene3d>
+    <dgm:sp3d/>
+    <dgm:txPr/>
+    <dgm:style>
+      <a:lnRef idx="2">
+        <a:scrgbClr r="0" g="0" b="0"/>
+      </a:lnRef>
+      <a:fillRef idx="1">
+        <a:scrgbClr r="0" g="0" b="0"/>
+      </a:fillRef>
+      <a:effectRef idx="0">
+        <a:scrgbClr r="0" g="0" b="0"/>
+      </a:effectRef>
+      <a:fontRef idx="minor">
+        <a:schemeClr val="lt1"/>
+      </a:fontRef>
+    </dgm:style>
+  </dgm:styleLbl>
+  <dgm:styleLbl name="parChTrans2D3">
+    <dgm:scene3d>
+      <a:camera prst="orthographicFront"/>
+      <a:lightRig rig="threePt" dir="t"/>
+    </dgm:scene3d>
+    <dgm:sp3d/>
+    <dgm:txPr/>
+    <dgm:style>
+      <a:lnRef idx="2">
+        <a:scrgbClr r="0" g="0" b="0"/>
+      </a:lnRef>
+      <a:fillRef idx="1">
+        <a:scrgbClr r="0" g="0" b="0"/>
+      </a:fillRef>
+      <a:effectRef idx="0">
+        <a:scrgbClr r="0" g="0" b="0"/>
+      </a:effectRef>
+      <a:fontRef idx="minor">
+        <a:schemeClr val="lt1"/>
+      </a:fontRef>
+    </dgm:style>
+  </dgm:styleLbl>
+  <dgm:styleLbl name="parChTrans2D4">
+    <dgm:scene3d>
+      <a:camera prst="orthographicFront"/>
+      <a:lightRig rig="threePt" dir="t"/>
+    </dgm:scene3d>
+    <dgm:sp3d/>
+    <dgm:txPr/>
+    <dgm:style>
+      <a:lnRef idx="2">
+        <a:scrgbClr r="0" g="0" b="0"/>
+      </a:lnRef>
+      <a:fillRef idx="1">
+        <a:scrgbClr r="0" g="0" b="0"/>
+      </a:fillRef>
+      <a:effectRef idx="0">
+        <a:scrgbClr r="0" g="0" b="0"/>
+      </a:effectRef>
+      <a:fontRef idx="minor">
+        <a:schemeClr val="lt1"/>
+      </a:fontRef>
+    </dgm:style>
+  </dgm:styleLbl>
+  <dgm:styleLbl name="parChTrans1D1">
+    <dgm:scene3d>
+      <a:camera prst="orthographicFront"/>
+      <a:lightRig rig="threePt" dir="t"/>
+    </dgm:scene3d>
+    <dgm:sp3d/>
+    <dgm:txPr/>
+    <dgm:style>
+      <a:lnRef idx="2">
+        <a:scrgbClr r="0" g="0" b="0"/>
+      </a:lnRef>
+      <a:fillRef idx="0">
+        <a:scrgbClr r="0" g="0" b="0"/>
+      </a:fillRef>
+      <a:effectRef idx="0">
+        <a:scrgbClr r="0" g="0" b="0"/>
+      </a:effectRef>
+      <a:fontRef idx="minor"/>
+    </dgm:style>
+  </dgm:styleLbl>
+  <dgm:styleLbl name="parChTrans1D2">
+    <dgm:scene3d>
+      <a:camera prst="orthographicFront"/>
+      <a:lightRig rig="threePt" dir="t"/>
+    </dgm:scene3d>
+    <dgm:sp3d/>
+    <dgm:txPr/>
+    <dgm:style>
+      <a:lnRef idx="2">
+        <a:scrgbClr r="0" g="0" b="0"/>
+      </a:lnRef>
+      <a:fillRef idx="0">
+        <a:scrgbClr r="0" g="0" b="0"/>
+      </a:fillRef>
+      <a:effectRef idx="0">
+        <a:scrgbClr r="0" g="0" b="0"/>
+      </a:effectRef>
+      <a:fontRef idx="minor"/>
+    </dgm:style>
+  </dgm:styleLbl>
+  <dgm:styleLbl name="parChTrans1D3">
+    <dgm:scene3d>
+      <a:camera prst="orthographicFront"/>
+      <a:lightRig rig="threePt" dir="t"/>
+    </dgm:scene3d>
+    <dgm:sp3d/>
+    <dgm:txPr/>
+    <dgm:style>
+      <a:lnRef idx="2">
+        <a:scrgbClr r="0" g="0" b="0"/>
+      </a:lnRef>
+      <a:fillRef idx="0">
+        <a:scrgbClr r="0" g="0" b="0"/>
+      </a:fillRef>
+      <a:effectRef idx="0">
+        <a:scrgbClr r="0" g="0" b="0"/>
+      </a:effectRef>
+      <a:fontRef idx="minor"/>
+    </dgm:style>
+  </dgm:styleLbl>
+  <dgm:styleLbl name="parChTrans1D4">
+    <dgm:scene3d>
+      <a:camera prst="orthographicFront"/>
+      <a:lightRig rig="threePt" dir="t"/>
+    </dgm:scene3d>
+    <dgm:sp3d/>
+    <dgm:txPr/>
+    <dgm:style>
+      <a:lnRef idx="2">
+        <a:scrgbClr r="0" g="0" b="0"/>
+      </a:lnRef>
+      <a:fillRef idx="0">
+        <a:scrgbClr r="0" g="0" b="0"/>
+      </a:fillRef>
+      <a:effectRef idx="0">
+        <a:scrgbClr r="0" g="0" b="0"/>
+      </a:effectRef>
+      <a:fontRef idx="minor"/>
+    </dgm:style>
+  </dgm:styleLbl>
+  <dgm:styleLbl name="fgAcc1">
+    <dgm:scene3d>
+      <a:camera prst="orthographicFront"/>
+      <a:lightRig rig="threePt" dir="t"/>
+    </dgm:scene3d>
+    <dgm:sp3d/>
+    <dgm:txPr/>
+    <dgm:style>
+      <a:lnRef idx="2">
+        <a:scrgbClr r="0" g="0" b="0"/>
+      </a:lnRef>
+      <a:fillRef idx="1">
+        <a:scrgbClr r="0" g="0" b="0"/>
+      </a:fillRef>
+      <a:effectRef idx="0">
+        <a:scrgbClr r="0" g="0" b="0"/>
+      </a:effectRef>
+      <a:fontRef idx="minor"/>
+    </dgm:style>
+  </dgm:styleLbl>
+  <dgm:styleLbl name="conFgAcc1">
+    <dgm:scene3d>
+      <a:camera prst="orthographicFront"/>
+      <a:lightRig rig="threePt" dir="t"/>
+    </dgm:scene3d>
+    <dgm:sp3d/>
+    <dgm:txPr/>
+    <dgm:style>
+      <a:lnRef idx="2">
+        <a:scrgbClr r="0" g="0" b="0"/>
+      </a:lnRef>
+      <a:fillRef idx="1">
+        <a:scrgbClr r="0" g="0" b="0"/>
+      </a:fillRef>
+      <a:effectRef idx="0">
+        <a:scrgbClr r="0" g="0" b="0"/>
+      </a:effectRef>
+      <a:fontRef idx="minor"/>
+    </dgm:style>
+  </dgm:styleLbl>
+  <dgm:styleLbl name="alignAcc1">
+    <dgm:scene3d>
+      <a:camera prst="orthographicFront"/>
+      <a:lightRig rig="threePt" dir="t"/>
+    </dgm:scene3d>
+    <dgm:sp3d/>
+    <dgm:txPr/>
+    <dgm:style>
+      <a:lnRef idx="2">
+        <a:scrgbClr r="0" g="0" b="0"/>
+      </a:lnRef>
+      <a:fillRef idx="1">
+        <a:scrgbClr r="0" g="0" b="0"/>
+      </a:fillRef>
+      <a:effectRef idx="0">
+        <a:scrgbClr r="0" g="0" b="0"/>
+      </a:effectRef>
+      <a:fontRef idx="minor"/>
+    </dgm:style>
+  </dgm:styleLbl>
+  <dgm:styleLbl name="trAlignAcc1">
+    <dgm:scene3d>
+      <a:camera prst="orthographicFront"/>
+      <a:lightRig rig="threePt" dir="t"/>
+    </dgm:scene3d>
+    <dgm:sp3d/>
+    <dgm:txPr/>
+    <dgm:style>
+      <a:lnRef idx="1">
+        <a:scrgbClr r="0" g="0" b="0"/>
+      </a:lnRef>
+      <a:fillRef idx="1">
+        <a:scrgbClr r="0" g="0" b="0"/>
+      </a:fillRef>
+      <a:effectRef idx="0">
+        <a:scrgbClr r="0" g="0" b="0"/>
+      </a:effectRef>
+      <a:fontRef idx="minor"/>
+    </dgm:style>
+  </dgm:styleLbl>
+  <dgm:styleLbl name="bgAcc1">
+    <dgm:scene3d>
+      <a:camera prst="orthographicFront"/>
+      <a:lightRig rig="threePt" dir="t"/>
+    </dgm:scene3d>
+    <dgm:sp3d/>
+    <dgm:txPr/>
+    <dgm:style>
+      <a:lnRef idx="2">
+        <a:scrgbClr r="0" g="0" b="0"/>
+      </a:lnRef>
+      <a:fillRef idx="1">
+        <a:scrgbClr r="0" g="0" b="0"/>
+      </a:fillRef>
+      <a:effectRef idx="0">
+        <a:scrgbClr r="0" g="0" b="0"/>
+      </a:effectRef>
+      <a:fontRef idx="minor"/>
+    </dgm:style>
+  </dgm:styleLbl>
+  <dgm:styleLbl name="solidFgAcc1">
+    <dgm:scene3d>
+      <a:camera prst="orthographicFront"/>
+      <a:lightRig rig="threePt" dir="t"/>
+    </dgm:scene3d>
+    <dgm:sp3d/>
+    <dgm:txPr/>
+    <dgm:style>
+      <a:lnRef idx="2">
+        <a:scrgbClr r="0" g="0" b="0"/>
+      </a:lnRef>
+      <a:fillRef idx="1">
+        <a:scrgbClr r="0" g="0" b="0"/>
+      </a:fillRef>
+      <a:effectRef idx="0">
+        <a:scrgbClr r="0" g="0" b="0"/>
+      </a:effectRef>
+      <a:fontRef idx="minor"/>
+    </dgm:style>
+  </dgm:styleLbl>
+  <dgm:styleLbl name="solidAlignAcc1">
+    <dgm:scene3d>
+      <a:camera prst="orthographicFront"/>
+      <a:lightRig rig="threePt" dir="t"/>
+    </dgm:scene3d>
+    <dgm:sp3d/>
+    <dgm:txPr/>
+    <dgm:style>
+      <a:lnRef idx="2">
+        <a:scrgbClr r="0" g="0" b="0"/>
+      </a:lnRef>
+      <a:fillRef idx="1">
+        <a:scrgbClr r="0" g="0" b="0"/>
+      </a:fillRef>
+      <a:effectRef idx="0">
+        <a:scrgbClr r="0" g="0" b="0"/>
+      </a:effectRef>
+      <a:fontRef idx="minor"/>
+    </dgm:style>
+  </dgm:styleLbl>
+  <dgm:styleLbl name="solidBgAcc1">
+    <dgm:scene3d>
+      <a:camera prst="orthographicFront"/>
+      <a:lightRig rig="threePt" dir="t"/>
+    </dgm:scene3d>
+    <dgm:sp3d/>
+    <dgm:txPr/>
+    <dgm:style>
+      <a:lnRef idx="2">
+        <a:scrgbClr r="0" g="0" b="0"/>
+      </a:lnRef>
+      <a:fillRef idx="1">
+        <a:scrgbClr r="0" g="0" b="0"/>
+      </a:fillRef>
+      <a:effectRef idx="0">
+        <a:scrgbClr r="0" g="0" b="0"/>
+      </a:effectRef>
+      <a:fontRef idx="minor"/>
+    </dgm:style>
+  </dgm:styleLbl>
+  <dgm:styleLbl name="fgAccFollowNode1">
+    <dgm:scene3d>
+      <a:camera prst="orthographicFront"/>
+      <a:lightRig rig="threePt" dir="t"/>
+    </dgm:scene3d>
+    <dgm:sp3d/>
+    <dgm:txPr/>
+    <dgm:style>
+      <a:lnRef idx="2">
+        <a:scrgbClr r="0" g="0" b="0"/>
+      </a:lnRef>
+      <a:fillRef idx="1">
+        <a:scrgbClr r="0" g="0" b="0"/>
+      </a:fillRef>
+      <a:effectRef idx="0">
+        <a:scrgbClr r="0" g="0" b="0"/>
+      </a:effectRef>
+      <a:fontRef idx="minor"/>
+    </dgm:style>
+  </dgm:styleLbl>
+  <dgm:styleLbl name="alignAccFollowNode1">
+    <dgm:scene3d>
+      <a:camera prst="orthographicFront"/>
+      <a:lightRig rig="threePt" dir="t"/>
+    </dgm:scene3d>
+    <dgm:sp3d/>
+    <dgm:txPr/>
+    <dgm:style>
+      <a:lnRef idx="2">
+        <a:scrgbClr r="0" g="0" b="0"/>
+      </a:lnRef>
+      <a:fillRef idx="1">
+        <a:scrgbClr r="0" g="0" b="0"/>
+      </a:fillRef>
+      <a:effectRef idx="0">
+        <a:scrgbClr r="0" g="0" b="0"/>
+      </a:effectRef>
+      <a:fontRef idx="minor"/>
+    </dgm:style>
+  </dgm:styleLbl>
+  <dgm:styleLbl name="bgAccFollowNode1">
+    <dgm:scene3d>
+      <a:camera prst="orthographicFront"/>
+      <a:lightRig rig="threePt" dir="t"/>
+    </dgm:scene3d>
+    <dgm:sp3d/>
+    <dgm:txPr/>
+    <dgm:style>
+      <a:lnRef idx="2">
+        <a:scrgbClr r="0" g="0" b="0"/>
+      </a:lnRef>
+      <a:fillRef idx="1">
+        <a:scrgbClr r="0" g="0" b="0"/>
+      </a:fillRef>
+      <a:effectRef idx="0">
+        <a:scrgbClr r="0" g="0" b="0"/>
+      </a:effectRef>
+      <a:fontRef idx="minor"/>
+    </dgm:style>
+  </dgm:styleLbl>
+  <dgm:styleLbl name="fgAcc0">
+    <dgm:scene3d>
+      <a:camera prst="orthographicFront"/>
+      <a:lightRig rig="threePt" dir="t"/>
+    </dgm:scene3d>
+    <dgm:sp3d/>
+    <dgm:txPr/>
+    <dgm:style>
+      <a:lnRef idx="2">
+        <a:scrgbClr r="0" g="0" b="0"/>
+      </a:lnRef>
+      <a:fillRef idx="1">
+        <a:scrgbClr r="0" g="0" b="0"/>
+      </a:fillRef>
+      <a:effectRef idx="0">
+        <a:scrgbClr r="0" g="0" b="0"/>
+      </a:effectRef>
+      <a:fontRef idx="minor"/>
+    </dgm:style>
+  </dgm:styleLbl>
+  <dgm:styleLbl name="fgAcc2">
+    <dgm:scene3d>
+      <a:camera prst="orthographicFront"/>
+      <a:lightRig rig="threePt" dir="t"/>
+    </dgm:scene3d>
+    <dgm:sp3d/>
+    <dgm:txPr/>
+    <dgm:style>
+      <a:lnRef idx="2">
+        <a:scrgbClr r="0" g="0" b="0"/>
+      </a:lnRef>
+      <a:fillRef idx="1">
+        <a:scrgbClr r="0" g="0" b="0"/>
+      </a:fillRef>
+      <a:effectRef idx="0">
+        <a:scrgbClr r="0" g="0" b="0"/>
+      </a:effectRef>
+      <a:fontRef idx="minor"/>
+    </dgm:style>
+  </dgm:styleLbl>
+  <dgm:styleLbl name="fgAcc3">
+    <dgm:scene3d>
+      <a:camera prst="orthographicFront"/>
+      <a:lightRig rig="threePt" dir="t"/>
+    </dgm:scene3d>
+    <dgm:sp3d/>
+    <dgm:txPr/>
+    <dgm:style>
+      <a:lnRef idx="2">
+        <a:scrgbClr r="0" g="0" b="0"/>
+      </a:lnRef>
+      <a:fillRef idx="1">
+        <a:scrgbClr r="0" g="0" b="0"/>
+      </a:fillRef>
+      <a:effectRef idx="0">
+        <a:scrgbClr r="0" g="0" b="0"/>
+      </a:effectRef>
+      <a:fontRef idx="minor"/>
+    </dgm:style>
+  </dgm:styleLbl>
+  <dgm:styleLbl name="fgAcc4">
+    <dgm:scene3d>
+      <a:camera prst="orthographicFront"/>
+      <a:lightRig rig="threePt" dir="t"/>
+    </dgm:scene3d>
+    <dgm:sp3d/>
+    <dgm:txPr/>
+    <dgm:style>
+      <a:lnRef idx="2">
+        <a:scrgbClr r="0" g="0" b="0"/>
+      </a:lnRef>
+      <a:fillRef idx="1">
+        <a:scrgbClr r="0" g="0" b="0"/>
+      </a:fillRef>
+      <a:effectRef idx="0">
+        <a:scrgbClr r="0" g="0" b="0"/>
+      </a:effectRef>
+      <a:fontRef idx="minor"/>
+    </dgm:style>
+  </dgm:styleLbl>
+  <dgm:styleLbl name="bgShp">
+    <dgm:scene3d>
+      <a:camera prst="orthographicFront"/>
+      <a:lightRig rig="threePt" dir="t"/>
+    </dgm:scene3d>
+    <dgm:sp3d/>
+    <dgm:txPr/>
+    <dgm:style>
+      <a:lnRef idx="0">
+        <a:scrgbClr r="0" g="0" b="0"/>
+      </a:lnRef>
+      <a:fillRef idx="1">
+        <a:scrgbClr r="0" g="0" b="0"/>
+      </a:fillRef>
+      <a:effectRef idx="0">
+        <a:scrgbClr r="0" g="0" b="0"/>
+      </a:effectRef>
+      <a:fontRef idx="minor"/>
+    </dgm:style>
+  </dgm:styleLbl>
+  <dgm:styleLbl name="dkBgShp">
+    <dgm:scene3d>
+      <a:camera prst="orthographicFront"/>
+      <a:lightRig rig="threePt" dir="t"/>
+    </dgm:scene3d>
+    <dgm:sp3d/>
+    <dgm:txPr/>
+    <dgm:style>
+      <a:lnRef idx="0">
+        <a:scrgbClr r="0" g="0" b="0"/>
+      </a:lnRef>
+      <a:fillRef idx="1">
+        <a:scrgbClr r="0" g="0" b="0"/>
+      </a:fillRef>
+      <a:effectRef idx="0">
+        <a:scrgbClr r="0" g="0" b="0"/>
+      </a:effectRef>
+      <a:fontRef idx="minor"/>
+    </dgm:style>
+  </dgm:styleLbl>
+  <dgm:styleLbl name="trBgShp">
+    <dgm:scene3d>
+      <a:camera prst="orthographicFront"/>
+      <a:lightRig rig="threePt" dir="t"/>
+    </dgm:scene3d>
+    <dgm:sp3d/>
+    <dgm:txPr/>
+    <dgm:style>
+      <a:lnRef idx="0">
+        <a:scrgbClr r="0" g="0" b="0"/>
+      </a:lnRef>
+      <a:fillRef idx="1">
+        <a:scrgbClr r="0" g="0" b="0"/>
+      </a:fillRef>
+      <a:effectRef idx="0">
+        <a:scrgbClr r="0" g="0" b="0"/>
+      </a:effectRef>
+      <a:fontRef idx="minor"/>
+    </dgm:style>
+  </dgm:styleLbl>
+  <dgm:styleLbl name="fgShp">
+    <dgm:scene3d>
+      <a:camera prst="orthographicFront"/>
+      <a:lightRig rig="threePt" dir="t"/>
+    </dgm:scene3d>
+    <dgm:sp3d/>
+    <dgm:txPr/>
+    <dgm:style>
+      <a:lnRef idx="2">
+        <a:scrgbClr r="0" g="0" b="0"/>
+      </a:lnRef>
+      <a:fillRef idx="1">
+        <a:scrgbClr r="0" g="0" b="0"/>
+      </a:fillRef>
+      <a:effectRef idx="0">
+        <a:scrgbClr r="0" g="0" b="0"/>
+      </a:effectRef>
+      <a:fontRef idx="minor"/>
+    </dgm:style>
+  </dgm:styleLbl>
+  <dgm:styleLbl name="revTx">
+    <dgm:scene3d>
+      <a:camera prst="orthographicFront"/>
+      <a:lightRig rig="threePt" dir="t"/>
+    </dgm:scene3d>
+    <dgm:sp3d/>
+    <dgm:txPr/>
+    <dgm:style>
+      <a:lnRef idx="0">
+        <a:scrgbClr r="0" g="0" b="0"/>
+      </a:lnRef>
+      <a:fillRef idx="0">
+        <a:scrgbClr r="0" g="0" b="0"/>
+      </a:fillRef>
+      <a:effectRef idx="0">
+        <a:scrgbClr r="0" g="0" b="0"/>
+      </a:effectRef>
+      <a:fontRef idx="minor"/>
+    </dgm:style>
+  </dgm:styleLbl>
+</dgm:styleDef>
+</file>
+
+<file path=ppt/diagrams/quickStyle2.xml><?xml version="1.0" encoding="utf-8"?>
 <dgm:styleDef xmlns:dgm="http://schemas.openxmlformats.org/drawingml/2006/diagram" xmlns:a="http://schemas.openxmlformats.org/drawingml/2006/main" uniqueId="urn:microsoft.com/office/officeart/2005/8/quickstyle/simple1">
   <dgm:title val=""/>
   <dgm:desc val=""/>
@@ -8203,7 +11019,7 @@
           <a:p>
             <a:fld id="{B9E40912-773D-4C01-815F-02B5A41D867C}" type="datetimeFigureOut">
               <a:rPr lang="x-none" smtClean="0"/>
-              <a:t>15.11.2020</a:t>
+              <a:t>24.11.2020</a:t>
             </a:fld>
             <a:endParaRPr lang="x-none"/>
           </a:p>
@@ -8470,7 +11286,7 @@
           <a:p>
             <a:fld id="{B9E40912-773D-4C01-815F-02B5A41D867C}" type="datetimeFigureOut">
               <a:rPr lang="x-none" smtClean="0"/>
-              <a:t>15.11.2020</a:t>
+              <a:t>24.11.2020</a:t>
             </a:fld>
             <a:endParaRPr lang="x-none"/>
           </a:p>
@@ -8666,7 +11482,7 @@
           <a:p>
             <a:fld id="{B9E40912-773D-4C01-815F-02B5A41D867C}" type="datetimeFigureOut">
               <a:rPr lang="x-none" smtClean="0"/>
-              <a:t>15.11.2020</a:t>
+              <a:t>24.11.2020</a:t>
             </a:fld>
             <a:endParaRPr lang="x-none"/>
           </a:p>
@@ -8929,7 +11745,7 @@
           <a:p>
             <a:fld id="{B9E40912-773D-4C01-815F-02B5A41D867C}" type="datetimeFigureOut">
               <a:rPr lang="x-none" smtClean="0"/>
-              <a:t>15.11.2020</a:t>
+              <a:t>24.11.2020</a:t>
             </a:fld>
             <a:endParaRPr lang="x-none"/>
           </a:p>
@@ -9363,7 +12179,7 @@
           <a:p>
             <a:fld id="{B9E40912-773D-4C01-815F-02B5A41D867C}" type="datetimeFigureOut">
               <a:rPr lang="x-none" smtClean="0"/>
-              <a:t>15.11.2020</a:t>
+              <a:t>24.11.2020</a:t>
             </a:fld>
             <a:endParaRPr lang="x-none"/>
           </a:p>
@@ -9909,7 +12725,7 @@
           <a:p>
             <a:fld id="{B9E40912-773D-4C01-815F-02B5A41D867C}" type="datetimeFigureOut">
               <a:rPr lang="x-none" smtClean="0"/>
-              <a:t>15.11.2020</a:t>
+              <a:t>24.11.2020</a:t>
             </a:fld>
             <a:endParaRPr lang="x-none"/>
           </a:p>
@@ -10629,7 +13445,7 @@
           <a:p>
             <a:fld id="{B9E40912-773D-4C01-815F-02B5A41D867C}" type="datetimeFigureOut">
               <a:rPr lang="x-none" smtClean="0"/>
-              <a:t>15.11.2020</a:t>
+              <a:t>24.11.2020</a:t>
             </a:fld>
             <a:endParaRPr lang="x-none"/>
           </a:p>
@@ -10799,7 +13615,7 @@
           <a:p>
             <a:fld id="{B9E40912-773D-4C01-815F-02B5A41D867C}" type="datetimeFigureOut">
               <a:rPr lang="x-none" smtClean="0"/>
-              <a:t>15.11.2020</a:t>
+              <a:t>24.11.2020</a:t>
             </a:fld>
             <a:endParaRPr lang="x-none"/>
           </a:p>
@@ -10979,7 +13795,7 @@
           <a:p>
             <a:fld id="{B9E40912-773D-4C01-815F-02B5A41D867C}" type="datetimeFigureOut">
               <a:rPr lang="x-none" smtClean="0"/>
-              <a:t>15.11.2020</a:t>
+              <a:t>24.11.2020</a:t>
             </a:fld>
             <a:endParaRPr lang="x-none"/>
           </a:p>
@@ -11149,7 +13965,7 @@
           <a:p>
             <a:fld id="{B9E40912-773D-4C01-815F-02B5A41D867C}" type="datetimeFigureOut">
               <a:rPr lang="x-none" smtClean="0"/>
-              <a:t>15.11.2020</a:t>
+              <a:t>24.11.2020</a:t>
             </a:fld>
             <a:endParaRPr lang="x-none"/>
           </a:p>
@@ -11399,7 +14215,7 @@
           <a:p>
             <a:fld id="{B9E40912-773D-4C01-815F-02B5A41D867C}" type="datetimeFigureOut">
               <a:rPr lang="x-none" smtClean="0"/>
-              <a:t>15.11.2020</a:t>
+              <a:t>24.11.2020</a:t>
             </a:fld>
             <a:endParaRPr lang="x-none"/>
           </a:p>
@@ -11631,7 +14447,7 @@
           <a:p>
             <a:fld id="{B9E40912-773D-4C01-815F-02B5A41D867C}" type="datetimeFigureOut">
               <a:rPr lang="x-none" smtClean="0"/>
-              <a:t>15.11.2020</a:t>
+              <a:t>24.11.2020</a:t>
             </a:fld>
             <a:endParaRPr lang="x-none"/>
           </a:p>
@@ -12012,7 +14828,7 @@
           <a:p>
             <a:fld id="{B9E40912-773D-4C01-815F-02B5A41D867C}" type="datetimeFigureOut">
               <a:rPr lang="x-none" smtClean="0"/>
-              <a:t>15.11.2020</a:t>
+              <a:t>24.11.2020</a:t>
             </a:fld>
             <a:endParaRPr lang="x-none"/>
           </a:p>
@@ -12130,7 +14946,7 @@
           <a:p>
             <a:fld id="{B9E40912-773D-4C01-815F-02B5A41D867C}" type="datetimeFigureOut">
               <a:rPr lang="x-none" smtClean="0"/>
-              <a:t>15.11.2020</a:t>
+              <a:t>24.11.2020</a:t>
             </a:fld>
             <a:endParaRPr lang="x-none"/>
           </a:p>
@@ -12225,7 +15041,7 @@
           <a:p>
             <a:fld id="{B9E40912-773D-4C01-815F-02B5A41D867C}" type="datetimeFigureOut">
               <a:rPr lang="x-none" smtClean="0"/>
-              <a:t>15.11.2020</a:t>
+              <a:t>24.11.2020</a:t>
             </a:fld>
             <a:endParaRPr lang="x-none"/>
           </a:p>
@@ -12474,7 +15290,7 @@
           <a:p>
             <a:fld id="{B9E40912-773D-4C01-815F-02B5A41D867C}" type="datetimeFigureOut">
               <a:rPr lang="x-none" smtClean="0"/>
-              <a:t>15.11.2020</a:t>
+              <a:t>24.11.2020</a:t>
             </a:fld>
             <a:endParaRPr lang="x-none"/>
           </a:p>
@@ -12754,7 +15570,7 @@
           <a:p>
             <a:fld id="{B9E40912-773D-4C01-815F-02B5A41D867C}" type="datetimeFigureOut">
               <a:rPr lang="x-none" smtClean="0"/>
-              <a:t>15.11.2020</a:t>
+              <a:t>24.11.2020</a:t>
             </a:fld>
             <a:endParaRPr lang="x-none"/>
           </a:p>
@@ -15831,7 +18647,7 @@
           <a:p>
             <a:fld id="{B9E40912-773D-4C01-815F-02B5A41D867C}" type="datetimeFigureOut">
               <a:rPr lang="x-none" smtClean="0"/>
-              <a:t>15.11.2020</a:t>
+              <a:t>24.11.2020</a:t>
             </a:fld>
             <a:endParaRPr lang="x-none"/>
           </a:p>
@@ -16256,7 +19072,7 @@
           <p:cNvPr id="2" name="Заголовок 1">
             <a:extLst>
               <a:ext uri="{FF2B5EF4-FFF2-40B4-BE49-F238E27FC236}">
-                <a16:creationId xmlns="" xmlns:a16="http://schemas.microsoft.com/office/drawing/2014/main" id="{5D34D5AB-D328-45F9-8CED-A85C8EA793E1}"/>
+                <a16:creationId xmlns:a16="http://schemas.microsoft.com/office/drawing/2014/main" xmlns="" id="{5D34D5AB-D328-45F9-8CED-A85C8EA793E1}"/>
               </a:ext>
             </a:extLst>
           </p:cNvPr>
@@ -16340,6 +19156,88 @@
           </a:p>
         </p:txBody>
       </p:sp>
+      <p:pic>
+        <p:nvPicPr>
+          <p:cNvPr id="1028" name="Picture 4" descr="Xilinx Zynq-7000 SoC ZC702 Evaluation Kit"/>
+          <p:cNvPicPr>
+            <a:picLocks noChangeAspect="1" noChangeArrowheads="1"/>
+          </p:cNvPicPr>
+          <p:nvPr/>
+        </p:nvPicPr>
+        <p:blipFill>
+          <a:blip r:embed="rId2">
+            <a:extLst>
+              <a:ext uri="{28A0092B-C50C-407E-A947-70E740481C1C}">
+                <a14:useLocalDpi xmlns:a14="http://schemas.microsoft.com/office/drawing/2010/main" val="0"/>
+              </a:ext>
+            </a:extLst>
+          </a:blip>
+          <a:srcRect/>
+          <a:stretch>
+            <a:fillRect/>
+          </a:stretch>
+        </p:blipFill>
+        <p:spPr bwMode="auto">
+          <a:xfrm>
+            <a:off x="6944292" y="4549460"/>
+            <a:ext cx="2923540" cy="2192655"/>
+          </a:xfrm>
+          <a:prstGeom prst="rect">
+            <a:avLst/>
+          </a:prstGeom>
+          <a:noFill/>
+          <a:extLst>
+            <a:ext uri="{909E8E84-426E-40DD-AFC4-6F175D3DCCD1}">
+              <a14:hiddenFill xmlns:a14="http://schemas.microsoft.com/office/drawing/2010/main">
+                <a:solidFill>
+                  <a:srgbClr val="FFFFFF"/>
+                </a:solidFill>
+              </a14:hiddenFill>
+            </a:ext>
+          </a:extLst>
+        </p:spPr>
+      </p:pic>
+      <p:pic>
+        <p:nvPicPr>
+          <p:cNvPr id="1026" name="Picture 2" descr="https://cdn10.bigcommerce.com/s-7gavg/products/539/images/4262/ARTY-Z7_-_Obl_-_600__70201.1533157613.500.659.png?c=2"/>
+          <p:cNvPicPr>
+            <a:picLocks noChangeAspect="1" noChangeArrowheads="1"/>
+          </p:cNvPicPr>
+          <p:nvPr/>
+        </p:nvPicPr>
+        <p:blipFill>
+          <a:blip r:embed="rId3">
+            <a:extLst>
+              <a:ext uri="{28A0092B-C50C-407E-A947-70E740481C1C}">
+                <a14:useLocalDpi xmlns:a14="http://schemas.microsoft.com/office/drawing/2010/main" val="0"/>
+              </a:ext>
+            </a:extLst>
+          </a:blip>
+          <a:srcRect/>
+          <a:stretch>
+            <a:fillRect/>
+          </a:stretch>
+        </p:blipFill>
+        <p:spPr bwMode="auto">
+          <a:xfrm>
+            <a:off x="9390277" y="3522881"/>
+            <a:ext cx="2924278" cy="2210755"/>
+          </a:xfrm>
+          <a:prstGeom prst="rect">
+            <a:avLst/>
+          </a:prstGeom>
+          <a:noFill/>
+          <a:extLst>
+            <a:ext uri="{909E8E84-426E-40DD-AFC4-6F175D3DCCD1}">
+              <a14:hiddenFill xmlns:a14="http://schemas.microsoft.com/office/drawing/2010/main">
+                <a:solidFill>
+                  <a:srgbClr val="FFFFFF"/>
+                </a:solidFill>
+              </a14:hiddenFill>
+            </a:ext>
+          </a:extLst>
+        </p:spPr>
+      </p:pic>
     </p:spTree>
     <p:extLst>
       <p:ext uri="{BB962C8B-B14F-4D97-AF65-F5344CB8AC3E}">
@@ -16755,7 +19653,7 @@
             <a:pPr algn="ctr"/>
             <a:r>
               <a:rPr lang="en-US" sz="2000" dirty="0" smtClean="0"/>
-              <a:t>Xiilinx implementation</a:t>
+              <a:t>DESIGN FLOW</a:t>
             </a:r>
             <a:endParaRPr lang="ru-RU" sz="2000" dirty="0"/>
           </a:p>
@@ -16813,8 +19711,8 @@
         </p:blipFill>
         <p:spPr bwMode="auto">
           <a:xfrm>
-            <a:off x="708689" y="645402"/>
-            <a:ext cx="5111822" cy="2611144"/>
+            <a:off x="6904184" y="2742655"/>
+            <a:ext cx="4965624" cy="2536465"/>
           </a:xfrm>
           <a:prstGeom prst="rect">
             <a:avLst/>
@@ -16839,7 +19737,7 @@
         </p:nvSpPr>
         <p:spPr>
           <a:xfrm>
-            <a:off x="1018705" y="3347466"/>
+            <a:off x="7245094" y="5389094"/>
             <a:ext cx="4491789" cy="369332"/>
           </a:xfrm>
           <a:prstGeom prst="rect">
@@ -16855,71 +19753,806 @@
           <a:p>
             <a:pPr algn="ctr"/>
             <a:r>
-              <a:rPr lang="en-US" dirty="0" err="1"/>
-              <a:t>d</a:t>
-            </a:r>
-            <a:r>
-              <a:rPr lang="en-US" dirty="0" err="1" smtClean="0"/>
-              <a:t>ds</a:t>
+              <a:rPr lang="en-US" dirty="0" smtClean="0"/>
+              <a:t>DDS compiler </a:t>
             </a:r>
             <a:r>
               <a:rPr lang="en-US" dirty="0" smtClean="0"/>
-              <a:t> compiler IP core</a:t>
+              <a:t>IP core</a:t>
             </a:r>
             <a:endParaRPr lang="ru-RU" dirty="0"/>
           </a:p>
         </p:txBody>
       </p:sp>
-      <p:pic>
-        <p:nvPicPr>
-          <p:cNvPr id="2053" name="Picture 5" descr="C:\Users\arost\OneDrive\Desktop\radar\dds_ip_implementation.png"/>
-          <p:cNvPicPr>
-            <a:picLocks noChangeAspect="1" noChangeArrowheads="1"/>
-          </p:cNvPicPr>
+      <p:graphicFrame>
+        <p:nvGraphicFramePr>
+          <p:cNvPr id="3" name="Схема 2"/>
+          <p:cNvGraphicFramePr/>
+          <p:nvPr>
+            <p:extLst>
+              <p:ext uri="{D42A27DB-BD31-4B8C-83A1-F6EECF244321}">
+                <p14:modId xmlns:p14="http://schemas.microsoft.com/office/powerpoint/2010/main" val="109680199"/>
+              </p:ext>
+            </p:extLst>
+          </p:nvPr>
+        </p:nvGraphicFramePr>
+        <p:xfrm>
+          <a:off x="1069505" y="2783840"/>
+          <a:ext cx="5605616" cy="2495280"/>
+        </p:xfrm>
+        <a:graphic>
+          <a:graphicData uri="http://schemas.openxmlformats.org/drawingml/2006/diagram">
+            <dgm:relIds xmlns:dgm="http://schemas.openxmlformats.org/drawingml/2006/diagram" xmlns:r="http://schemas.openxmlformats.org/officeDocument/2006/relationships" r:dm="rId3" r:lo="rId4" r:qs="rId5" r:cs="rId6"/>
+          </a:graphicData>
+        </a:graphic>
+      </p:graphicFrame>
+      <p:graphicFrame>
+        <p:nvGraphicFramePr>
+          <p:cNvPr id="9" name="Схема 8"/>
+          <p:cNvGraphicFramePr/>
+          <p:nvPr>
+            <p:extLst>
+              <p:ext uri="{D42A27DB-BD31-4B8C-83A1-F6EECF244321}">
+                <p14:modId xmlns:p14="http://schemas.microsoft.com/office/powerpoint/2010/main" val="1653556383"/>
+              </p:ext>
+            </p:extLst>
+          </p:nvPr>
+        </p:nvGraphicFramePr>
+        <p:xfrm>
+          <a:off x="2208494" y="589280"/>
+          <a:ext cx="8128000" cy="1617133"/>
+        </p:xfrm>
+        <a:graphic>
+          <a:graphicData uri="http://schemas.openxmlformats.org/drawingml/2006/diagram">
+            <dgm:relIds xmlns:dgm="http://schemas.openxmlformats.org/drawingml/2006/diagram" xmlns:r="http://schemas.openxmlformats.org/officeDocument/2006/relationships" r:dm="rId8" r:lo="rId9" r:qs="rId10" r:cs="rId11"/>
+          </a:graphicData>
+        </a:graphic>
+      </p:graphicFrame>
+      <p:sp>
+        <p:nvSpPr>
+          <p:cNvPr id="5" name="Прямоугольник 4"/>
+          <p:cNvSpPr/>
           <p:nvPr/>
-        </p:nvPicPr>
-        <p:blipFill>
-          <a:blip r:embed="rId3">
-            <a:extLst>
-              <a:ext uri="{28A0092B-C50C-407E-A947-70E740481C1C}">
-                <a14:useLocalDpi xmlns:a14="http://schemas.microsoft.com/office/drawing/2010/main" val="0"/>
-              </a:ext>
-            </a:extLst>
-          </a:blip>
-          <a:srcRect/>
-          <a:stretch>
-            <a:fillRect/>
-          </a:stretch>
-        </p:blipFill>
-        <p:spPr bwMode="auto">
+        </p:nvSpPr>
+        <p:spPr>
           <a:xfrm>
-            <a:off x="5954219" y="645402"/>
-            <a:ext cx="5735273" cy="1672098"/>
+            <a:off x="1662050" y="5957054"/>
+            <a:ext cx="2446439" cy="369332"/>
           </a:xfrm>
           <a:prstGeom prst="rect">
             <a:avLst/>
           </a:prstGeom>
-          <a:noFill/>
-          <a:extLst>
-            <a:ext uri="{909E8E84-426E-40DD-AFC4-6F175D3DCCD1}">
-              <a14:hiddenFill xmlns:a14="http://schemas.microsoft.com/office/drawing/2010/main">
+        </p:spPr>
+        <p:txBody>
+          <a:bodyPr wrap="none">
+            <a:spAutoFit/>
+          </a:bodyPr>
+          <a:lstStyle/>
+          <a:p>
+            <a:r>
+              <a:rPr lang="en-US" dirty="0" smtClean="0"/>
+              <a:t>pg141-dds-compiler.pdf</a:t>
+            </a:r>
+            <a:endParaRPr lang="ru-RU" dirty="0"/>
+          </a:p>
+        </p:txBody>
+      </p:sp>
+    </p:spTree>
+    <p:extLst>
+      <p:ext uri="{BB962C8B-B14F-4D97-AF65-F5344CB8AC3E}">
+        <p14:creationId xmlns:p14="http://schemas.microsoft.com/office/powerpoint/2010/main" val="552805938"/>
+      </p:ext>
+    </p:extLst>
+  </p:cSld>
+  <p:clrMapOvr>
+    <a:masterClrMapping/>
+  </p:clrMapOvr>
+</p:sld>
+</file>
+
+<file path=ppt/slides/slide4.xml><?xml version="1.0" encoding="utf-8"?>
+<p:sld xmlns:a="http://schemas.openxmlformats.org/drawingml/2006/main" xmlns:r="http://schemas.openxmlformats.org/officeDocument/2006/relationships" xmlns:p="http://schemas.openxmlformats.org/presentationml/2006/main">
+  <p:cSld>
+    <p:spTree>
+      <p:nvGrpSpPr>
+        <p:cNvPr id="1" name=""/>
+        <p:cNvGrpSpPr/>
+        <p:nvPr/>
+      </p:nvGrpSpPr>
+      <p:grpSpPr>
+        <a:xfrm>
+          <a:off x="0" y="0"/>
+          <a:ext cx="0" cy="0"/>
+          <a:chOff x="0" y="0"/>
+          <a:chExt cx="0" cy="0"/>
+        </a:xfrm>
+      </p:grpSpPr>
+      <p:grpSp>
+        <p:nvGrpSpPr>
+          <p:cNvPr id="31" name="Группа 30"/>
+          <p:cNvGrpSpPr/>
+          <p:nvPr/>
+        </p:nvGrpSpPr>
+        <p:grpSpPr>
+          <a:xfrm>
+            <a:off x="1116967" y="696723"/>
+            <a:ext cx="4601808" cy="2584061"/>
+            <a:chOff x="1871980" y="1388178"/>
+            <a:chExt cx="3995420" cy="1602671"/>
+          </a:xfrm>
+        </p:grpSpPr>
+        <p:sp>
+          <p:nvSpPr>
+            <p:cNvPr id="4" name="Прямоугольник 3"/>
+            <p:cNvSpPr/>
+            <p:nvPr/>
+          </p:nvSpPr>
+          <p:spPr>
+            <a:xfrm>
+              <a:off x="1871980" y="1388178"/>
+              <a:ext cx="3995420" cy="1602671"/>
+            </a:xfrm>
+            <a:prstGeom prst="rect">
+              <a:avLst/>
+            </a:prstGeom>
+          </p:spPr>
+          <p:style>
+            <a:lnRef idx="2">
+              <a:schemeClr val="accent5">
+                <a:shade val="50000"/>
+              </a:schemeClr>
+            </a:lnRef>
+            <a:fillRef idx="1">
+              <a:schemeClr val="accent5"/>
+            </a:fillRef>
+            <a:effectRef idx="0">
+              <a:schemeClr val="accent5"/>
+            </a:effectRef>
+            <a:fontRef idx="minor">
+              <a:schemeClr val="lt1"/>
+            </a:fontRef>
+          </p:style>
+          <p:txBody>
+            <a:bodyPr rtlCol="0" anchor="ctr"/>
+            <a:lstStyle/>
+            <a:p>
+              <a:pPr algn="ctr"/>
+              <a:endParaRPr lang="ru-RU"/>
+            </a:p>
+          </p:txBody>
+        </p:sp>
+        <p:grpSp>
+          <p:nvGrpSpPr>
+            <p:cNvPr id="28" name="Группа 27"/>
+            <p:cNvGrpSpPr/>
+            <p:nvPr/>
+          </p:nvGrpSpPr>
+          <p:grpSpPr>
+            <a:xfrm>
+              <a:off x="2011680" y="1466215"/>
+              <a:ext cx="3734434" cy="1376962"/>
+              <a:chOff x="5143500" y="1024608"/>
+              <a:chExt cx="3734434" cy="1376962"/>
+            </a:xfrm>
+          </p:grpSpPr>
+          <p:sp>
+            <p:nvSpPr>
+              <p:cNvPr id="5" name="Прямоугольник 4"/>
+              <p:cNvSpPr/>
+              <p:nvPr/>
+            </p:nvSpPr>
+            <p:spPr>
+              <a:xfrm>
+                <a:off x="6116320" y="1492250"/>
+                <a:ext cx="1656080" cy="909320"/>
+              </a:xfrm>
+              <a:prstGeom prst="rect">
+                <a:avLst/>
+              </a:prstGeom>
+            </p:spPr>
+            <p:style>
+              <a:lnRef idx="2">
+                <a:schemeClr val="accent2">
+                  <a:shade val="50000"/>
+                </a:schemeClr>
+              </a:lnRef>
+              <a:fillRef idx="1">
+                <a:schemeClr val="accent2"/>
+              </a:fillRef>
+              <a:effectRef idx="0">
+                <a:schemeClr val="accent2"/>
+              </a:effectRef>
+              <a:fontRef idx="minor">
+                <a:schemeClr val="lt1"/>
+              </a:fontRef>
+            </p:style>
+            <p:txBody>
+              <a:bodyPr rtlCol="0" anchor="ctr"/>
+              <a:lstStyle/>
+              <a:p>
+                <a:pPr algn="ctr"/>
+                <a:r>
+                  <a:rPr lang="en-US" dirty="0" smtClean="0"/>
+                  <a:t>DDS compiler</a:t>
+                </a:r>
+                <a:endParaRPr lang="ru-RU" dirty="0"/>
+              </a:p>
+            </p:txBody>
+          </p:sp>
+          <p:cxnSp>
+            <p:nvCxnSpPr>
+              <p:cNvPr id="7" name="Прямая соединительная линия 6"/>
+              <p:cNvCxnSpPr/>
+              <p:nvPr/>
+            </p:nvCxnSpPr>
+            <p:spPr>
+              <a:xfrm>
+                <a:off x="5851525" y="1841500"/>
+                <a:ext cx="353695" cy="0"/>
+              </a:xfrm>
+              <a:prstGeom prst="line">
+                <a:avLst/>
+              </a:prstGeom>
+              <a:ln w="25400">
                 <a:solidFill>
-                  <a:srgbClr val="FFFFFF"/>
+                  <a:schemeClr val="tx1"/>
                 </a:solidFill>
-              </a14:hiddenFill>
-            </a:ext>
-          </a:extLst>
-        </p:spPr>
-      </p:pic>
+              </a:ln>
+            </p:spPr>
+            <p:style>
+              <a:lnRef idx="1">
+                <a:schemeClr val="accent1"/>
+              </a:lnRef>
+              <a:fillRef idx="0">
+                <a:schemeClr val="accent1"/>
+              </a:fillRef>
+              <a:effectRef idx="0">
+                <a:schemeClr val="accent1"/>
+              </a:effectRef>
+              <a:fontRef idx="minor">
+                <a:schemeClr val="tx1"/>
+              </a:fontRef>
+            </p:style>
+          </p:cxnSp>
+          <p:cxnSp>
+            <p:nvCxnSpPr>
+              <p:cNvPr id="9" name="Прямая соединительная линия 8"/>
+              <p:cNvCxnSpPr/>
+              <p:nvPr/>
+            </p:nvCxnSpPr>
+            <p:spPr>
+              <a:xfrm>
+                <a:off x="5851525" y="2043430"/>
+                <a:ext cx="353695" cy="0"/>
+              </a:xfrm>
+              <a:prstGeom prst="line">
+                <a:avLst/>
+              </a:prstGeom>
+              <a:ln w="25400">
+                <a:solidFill>
+                  <a:schemeClr val="tx1"/>
+                </a:solidFill>
+              </a:ln>
+            </p:spPr>
+            <p:style>
+              <a:lnRef idx="1">
+                <a:schemeClr val="accent1"/>
+              </a:lnRef>
+              <a:fillRef idx="0">
+                <a:schemeClr val="accent1"/>
+              </a:fillRef>
+              <a:effectRef idx="0">
+                <a:schemeClr val="accent1"/>
+              </a:effectRef>
+              <a:fontRef idx="minor">
+                <a:schemeClr val="tx1"/>
+              </a:fontRef>
+            </p:style>
+          </p:cxnSp>
+          <p:cxnSp>
+            <p:nvCxnSpPr>
+              <p:cNvPr id="10" name="Прямая соединительная линия 9"/>
+              <p:cNvCxnSpPr/>
+              <p:nvPr/>
+            </p:nvCxnSpPr>
+            <p:spPr>
+              <a:xfrm>
+                <a:off x="6845300" y="1319530"/>
+                <a:ext cx="0" cy="240030"/>
+              </a:xfrm>
+              <a:prstGeom prst="line">
+                <a:avLst/>
+              </a:prstGeom>
+              <a:ln w="25400">
+                <a:solidFill>
+                  <a:schemeClr val="tx1"/>
+                </a:solidFill>
+                <a:tailEnd type="triangle" w="lg" len="med"/>
+              </a:ln>
+            </p:spPr>
+            <p:style>
+              <a:lnRef idx="1">
+                <a:schemeClr val="accent1"/>
+              </a:lnRef>
+              <a:fillRef idx="0">
+                <a:schemeClr val="accent1"/>
+              </a:fillRef>
+              <a:effectRef idx="0">
+                <a:schemeClr val="accent1"/>
+              </a:effectRef>
+              <a:fontRef idx="minor">
+                <a:schemeClr val="tx1"/>
+              </a:fontRef>
+            </p:style>
+          </p:cxnSp>
+          <p:cxnSp>
+            <p:nvCxnSpPr>
+              <p:cNvPr id="12" name="Прямая соединительная линия 11"/>
+              <p:cNvCxnSpPr/>
+              <p:nvPr/>
+            </p:nvCxnSpPr>
+            <p:spPr>
+              <a:xfrm>
+                <a:off x="7122160" y="1319530"/>
+                <a:ext cx="0" cy="190500"/>
+              </a:xfrm>
+              <a:prstGeom prst="line">
+                <a:avLst/>
+              </a:prstGeom>
+              <a:ln w="25400">
+                <a:solidFill>
+                  <a:schemeClr val="tx1"/>
+                </a:solidFill>
+                <a:tailEnd type="oval"/>
+              </a:ln>
+            </p:spPr>
+            <p:style>
+              <a:lnRef idx="1">
+                <a:schemeClr val="accent1"/>
+              </a:lnRef>
+              <a:fillRef idx="0">
+                <a:schemeClr val="accent1"/>
+              </a:fillRef>
+              <a:effectRef idx="0">
+                <a:schemeClr val="accent1"/>
+              </a:effectRef>
+              <a:fontRef idx="minor">
+                <a:schemeClr val="tx1"/>
+              </a:fontRef>
+            </p:style>
+          </p:cxnSp>
+          <p:sp>
+            <p:nvSpPr>
+              <p:cNvPr id="14" name="TextBox 13"/>
+              <p:cNvSpPr txBox="1"/>
+              <p:nvPr/>
+            </p:nvSpPr>
+            <p:spPr>
+              <a:xfrm>
+                <a:off x="5143500" y="1544320"/>
+                <a:ext cx="989013" cy="276999"/>
+              </a:xfrm>
+              <a:prstGeom prst="rect">
+                <a:avLst/>
+              </a:prstGeom>
+              <a:noFill/>
+            </p:spPr>
+            <p:txBody>
+              <a:bodyPr wrap="square" rtlCol="0">
+                <a:spAutoFit/>
+              </a:bodyPr>
+              <a:lstStyle/>
+              <a:p>
+                <a:r>
+                  <a:rPr lang="en-US" sz="1200" dirty="0"/>
+                  <a:t>p</a:t>
+                </a:r>
+                <a:r>
+                  <a:rPr lang="en-US" sz="1200" dirty="0" smtClean="0"/>
+                  <a:t>hase_data</a:t>
+                </a:r>
+                <a:endParaRPr lang="ru-RU" sz="1200" dirty="0"/>
+              </a:p>
+            </p:txBody>
+          </p:sp>
+          <p:sp>
+            <p:nvSpPr>
+              <p:cNvPr id="15" name="TextBox 14"/>
+              <p:cNvSpPr txBox="1"/>
+              <p:nvPr/>
+            </p:nvSpPr>
+            <p:spPr>
+              <a:xfrm>
+                <a:off x="5153977" y="1813838"/>
+                <a:ext cx="874395" cy="276999"/>
+              </a:xfrm>
+              <a:prstGeom prst="rect">
+                <a:avLst/>
+              </a:prstGeom>
+              <a:noFill/>
+            </p:spPr>
+            <p:txBody>
+              <a:bodyPr wrap="square" rtlCol="0">
+                <a:spAutoFit/>
+              </a:bodyPr>
+              <a:lstStyle/>
+              <a:p>
+                <a:r>
+                  <a:rPr lang="en-US" sz="1200" dirty="0"/>
+                  <a:t>p</a:t>
+                </a:r>
+                <a:r>
+                  <a:rPr lang="en-US" sz="1200" dirty="0" smtClean="0"/>
+                  <a:t>hase_vld</a:t>
+                </a:r>
+                <a:endParaRPr lang="ru-RU" sz="1200" dirty="0"/>
+              </a:p>
+            </p:txBody>
+          </p:sp>
+          <p:sp>
+            <p:nvSpPr>
+              <p:cNvPr id="19" name="TextBox 18"/>
+              <p:cNvSpPr txBox="1"/>
+              <p:nvPr/>
+            </p:nvSpPr>
+            <p:spPr>
+              <a:xfrm>
+                <a:off x="6622256" y="1042530"/>
+                <a:ext cx="446087" cy="276999"/>
+              </a:xfrm>
+              <a:prstGeom prst="rect">
+                <a:avLst/>
+              </a:prstGeom>
+              <a:noFill/>
+            </p:spPr>
+            <p:txBody>
+              <a:bodyPr wrap="square" rtlCol="0">
+                <a:spAutoFit/>
+              </a:bodyPr>
+              <a:lstStyle/>
+              <a:p>
+                <a:r>
+                  <a:rPr lang="en-US" sz="1200" dirty="0" smtClean="0"/>
+                  <a:t>clk</a:t>
+                </a:r>
+                <a:endParaRPr lang="ru-RU" sz="1200" dirty="0"/>
+              </a:p>
+            </p:txBody>
+          </p:sp>
+          <p:sp>
+            <p:nvSpPr>
+              <p:cNvPr id="20" name="TextBox 19"/>
+              <p:cNvSpPr txBox="1"/>
+              <p:nvPr/>
+            </p:nvSpPr>
+            <p:spPr>
+              <a:xfrm>
+                <a:off x="6944360" y="1024608"/>
+                <a:ext cx="446087" cy="276999"/>
+              </a:xfrm>
+              <a:prstGeom prst="rect">
+                <a:avLst/>
+              </a:prstGeom>
+              <a:noFill/>
+            </p:spPr>
+            <p:txBody>
+              <a:bodyPr wrap="square" rtlCol="0">
+                <a:spAutoFit/>
+              </a:bodyPr>
+              <a:lstStyle/>
+              <a:p>
+                <a:r>
+                  <a:rPr lang="en-US" sz="1200" dirty="0" smtClean="0"/>
+                  <a:t>rstn</a:t>
+                </a:r>
+                <a:endParaRPr lang="ru-RU" sz="1200" dirty="0"/>
+              </a:p>
+            </p:txBody>
+          </p:sp>
+          <p:cxnSp>
+            <p:nvCxnSpPr>
+              <p:cNvPr id="21" name="Прямая соединительная линия 20"/>
+              <p:cNvCxnSpPr/>
+              <p:nvPr/>
+            </p:nvCxnSpPr>
+            <p:spPr>
+              <a:xfrm>
+                <a:off x="7705725" y="1820188"/>
+                <a:ext cx="353695" cy="0"/>
+              </a:xfrm>
+              <a:prstGeom prst="line">
+                <a:avLst/>
+              </a:prstGeom>
+              <a:ln w="25400">
+                <a:solidFill>
+                  <a:schemeClr val="tx1"/>
+                </a:solidFill>
+              </a:ln>
+            </p:spPr>
+            <p:style>
+              <a:lnRef idx="1">
+                <a:schemeClr val="accent1"/>
+              </a:lnRef>
+              <a:fillRef idx="0">
+                <a:schemeClr val="accent1"/>
+              </a:fillRef>
+              <a:effectRef idx="0">
+                <a:schemeClr val="accent1"/>
+              </a:effectRef>
+              <a:fontRef idx="minor">
+                <a:schemeClr val="tx1"/>
+              </a:fontRef>
+            </p:style>
+          </p:cxnSp>
+          <p:cxnSp>
+            <p:nvCxnSpPr>
+              <p:cNvPr id="22" name="Прямая соединительная линия 21"/>
+              <p:cNvCxnSpPr/>
+              <p:nvPr/>
+            </p:nvCxnSpPr>
+            <p:spPr>
+              <a:xfrm>
+                <a:off x="7712074" y="2053242"/>
+                <a:ext cx="353695" cy="0"/>
+              </a:xfrm>
+              <a:prstGeom prst="line">
+                <a:avLst/>
+              </a:prstGeom>
+              <a:ln w="25400">
+                <a:solidFill>
+                  <a:schemeClr val="tx1"/>
+                </a:solidFill>
+              </a:ln>
+            </p:spPr>
+            <p:style>
+              <a:lnRef idx="1">
+                <a:schemeClr val="accent1"/>
+              </a:lnRef>
+              <a:fillRef idx="0">
+                <a:schemeClr val="accent1"/>
+              </a:fillRef>
+              <a:effectRef idx="0">
+                <a:schemeClr val="accent1"/>
+              </a:effectRef>
+              <a:fontRef idx="minor">
+                <a:schemeClr val="tx1"/>
+              </a:fontRef>
+            </p:style>
+          </p:cxnSp>
+          <p:sp>
+            <p:nvSpPr>
+              <p:cNvPr id="23" name="TextBox 22"/>
+              <p:cNvSpPr txBox="1"/>
+              <p:nvPr/>
+            </p:nvSpPr>
+            <p:spPr>
+              <a:xfrm>
+                <a:off x="7888921" y="1561961"/>
+                <a:ext cx="989013" cy="276999"/>
+              </a:xfrm>
+              <a:prstGeom prst="rect">
+                <a:avLst/>
+              </a:prstGeom>
+              <a:noFill/>
+            </p:spPr>
+            <p:txBody>
+              <a:bodyPr wrap="square" rtlCol="0">
+                <a:spAutoFit/>
+              </a:bodyPr>
+              <a:lstStyle/>
+              <a:p>
+                <a:r>
+                  <a:rPr lang="en-US" sz="1200" dirty="0"/>
+                  <a:t>d</a:t>
+                </a:r>
+                <a:r>
+                  <a:rPr lang="en-US" sz="1200" dirty="0" smtClean="0"/>
+                  <a:t>ds_data</a:t>
+                </a:r>
+                <a:endParaRPr lang="ru-RU" sz="1200" dirty="0"/>
+              </a:p>
+            </p:txBody>
+          </p:sp>
+          <p:sp>
+            <p:nvSpPr>
+              <p:cNvPr id="24" name="TextBox 23"/>
+              <p:cNvSpPr txBox="1"/>
+              <p:nvPr/>
+            </p:nvSpPr>
+            <p:spPr>
+              <a:xfrm>
+                <a:off x="7890349" y="1816516"/>
+                <a:ext cx="874395" cy="276999"/>
+              </a:xfrm>
+              <a:prstGeom prst="rect">
+                <a:avLst/>
+              </a:prstGeom>
+              <a:noFill/>
+            </p:spPr>
+            <p:txBody>
+              <a:bodyPr wrap="square" rtlCol="0">
+                <a:spAutoFit/>
+              </a:bodyPr>
+              <a:lstStyle/>
+              <a:p>
+                <a:r>
+                  <a:rPr lang="en-US" sz="1200" dirty="0" smtClean="0"/>
+                  <a:t>dds_vld</a:t>
+                </a:r>
+                <a:endParaRPr lang="ru-RU" sz="1200" dirty="0"/>
+              </a:p>
+            </p:txBody>
+          </p:sp>
+          <p:cxnSp>
+            <p:nvCxnSpPr>
+              <p:cNvPr id="25" name="Прямая соединительная линия 24"/>
+              <p:cNvCxnSpPr/>
+              <p:nvPr/>
+            </p:nvCxnSpPr>
+            <p:spPr>
+              <a:xfrm flipV="1">
+                <a:off x="5955346" y="1804531"/>
+                <a:ext cx="73026" cy="73938"/>
+              </a:xfrm>
+              <a:prstGeom prst="line">
+                <a:avLst/>
+              </a:prstGeom>
+              <a:ln w="25400">
+                <a:solidFill>
+                  <a:schemeClr val="tx1"/>
+                </a:solidFill>
+              </a:ln>
+            </p:spPr>
+            <p:style>
+              <a:lnRef idx="1">
+                <a:schemeClr val="accent1"/>
+              </a:lnRef>
+              <a:fillRef idx="0">
+                <a:schemeClr val="accent1"/>
+              </a:fillRef>
+              <a:effectRef idx="0">
+                <a:schemeClr val="accent1"/>
+              </a:effectRef>
+              <a:fontRef idx="minor">
+                <a:schemeClr val="tx1"/>
+              </a:fontRef>
+            </p:style>
+          </p:cxnSp>
+          <p:cxnSp>
+            <p:nvCxnSpPr>
+              <p:cNvPr id="27" name="Прямая соединительная линия 26"/>
+              <p:cNvCxnSpPr/>
+              <p:nvPr/>
+            </p:nvCxnSpPr>
+            <p:spPr>
+              <a:xfrm flipV="1">
+                <a:off x="7853836" y="1779547"/>
+                <a:ext cx="73026" cy="73938"/>
+              </a:xfrm>
+              <a:prstGeom prst="line">
+                <a:avLst/>
+              </a:prstGeom>
+              <a:ln w="25400">
+                <a:solidFill>
+                  <a:schemeClr val="tx1"/>
+                </a:solidFill>
+              </a:ln>
+            </p:spPr>
+            <p:style>
+              <a:lnRef idx="1">
+                <a:schemeClr val="accent1"/>
+              </a:lnRef>
+              <a:fillRef idx="0">
+                <a:schemeClr val="accent1"/>
+              </a:fillRef>
+              <a:effectRef idx="0">
+                <a:schemeClr val="accent1"/>
+              </a:effectRef>
+              <a:fontRef idx="minor">
+                <a:schemeClr val="tx1"/>
+              </a:fontRef>
+            </p:style>
+          </p:cxnSp>
+        </p:grpSp>
+        <p:sp>
+          <p:nvSpPr>
+            <p:cNvPr id="29" name="TextBox 28"/>
+            <p:cNvSpPr txBox="1"/>
+            <p:nvPr/>
+          </p:nvSpPr>
+          <p:spPr>
+            <a:xfrm>
+              <a:off x="3000693" y="1966458"/>
+              <a:ext cx="1135699" cy="276999"/>
+            </a:xfrm>
+            <a:prstGeom prst="rect">
+              <a:avLst/>
+            </a:prstGeom>
+            <a:noFill/>
+          </p:spPr>
+          <p:txBody>
+            <a:bodyPr wrap="square" rtlCol="0">
+              <a:spAutoFit/>
+            </a:bodyPr>
+            <a:lstStyle/>
+            <a:p>
+              <a:r>
+                <a:rPr lang="en-US" sz="1200" dirty="0" smtClean="0"/>
+                <a:t>dds_wrapper.v</a:t>
+              </a:r>
+              <a:endParaRPr lang="ru-RU" sz="1200" dirty="0"/>
+            </a:p>
+          </p:txBody>
+        </p:sp>
+        <p:sp>
+          <p:nvSpPr>
+            <p:cNvPr id="30" name="TextBox 29"/>
+            <p:cNvSpPr txBox="1"/>
+            <p:nvPr/>
+          </p:nvSpPr>
+          <p:spPr>
+            <a:xfrm>
+              <a:off x="1871980" y="1388178"/>
+              <a:ext cx="1135699" cy="276999"/>
+            </a:xfrm>
+            <a:prstGeom prst="rect">
+              <a:avLst/>
+            </a:prstGeom>
+            <a:noFill/>
+          </p:spPr>
+          <p:txBody>
+            <a:bodyPr wrap="square" rtlCol="0">
+              <a:spAutoFit/>
+            </a:bodyPr>
+            <a:lstStyle/>
+            <a:p>
+              <a:r>
+                <a:rPr lang="en-US" sz="1200" dirty="0" smtClean="0"/>
+                <a:t>dds_tb.v</a:t>
+              </a:r>
+              <a:endParaRPr lang="ru-RU" sz="1200" dirty="0"/>
+            </a:p>
+          </p:txBody>
+        </p:sp>
+      </p:grpSp>
       <p:sp>
         <p:nvSpPr>
-          <p:cNvPr id="12" name="TextBox 11"/>
+          <p:cNvPr id="32" name="Прямоугольник 31"/>
+          <p:cNvSpPr/>
+          <p:nvPr/>
+        </p:nvSpPr>
+        <p:spPr>
+          <a:xfrm>
+            <a:off x="9155207" y="6487294"/>
+            <a:ext cx="3036793" cy="369332"/>
+          </a:xfrm>
+          <a:prstGeom prst="rect">
+            <a:avLst/>
+          </a:prstGeom>
+        </p:spPr>
+        <p:txBody>
+          <a:bodyPr wrap="none">
+            <a:spAutoFit/>
+          </a:bodyPr>
+          <a:lstStyle/>
+          <a:p>
+            <a:r>
+              <a:rPr lang="en-US" dirty="0"/>
+              <a:t>aleksei.rostov@protonmail.com</a:t>
+            </a:r>
+            <a:endParaRPr lang="ru-RU" dirty="0"/>
+          </a:p>
+        </p:txBody>
+      </p:sp>
+      <p:sp>
+        <p:nvSpPr>
+          <p:cNvPr id="33" name="TextBox 32"/>
           <p:cNvSpPr txBox="1"/>
           <p:nvPr/>
         </p:nvSpPr>
         <p:spPr>
           <a:xfrm>
-            <a:off x="6332720" y="2887214"/>
+            <a:off x="1518410" y="3433906"/>
             <a:ext cx="4491789" cy="369332"/>
           </a:xfrm>
           <a:prstGeom prst="rect">
@@ -16935,47 +20568,1602 @@
           <a:p>
             <a:pPr algn="ctr"/>
             <a:r>
-              <a:rPr lang="en-US" dirty="0" err="1"/>
-              <a:t>d</a:t>
-            </a:r>
-            <a:r>
-              <a:rPr lang="en-US" dirty="0" err="1" smtClean="0"/>
-              <a:t>ds</a:t>
-            </a:r>
-            <a:r>
               <a:rPr lang="en-US" dirty="0" smtClean="0"/>
-              <a:t> compiler IP core implementation</a:t>
+              <a:t>Modules for functional simulation</a:t>
             </a:r>
             <a:endParaRPr lang="ru-RU" dirty="0"/>
           </a:p>
         </p:txBody>
       </p:sp>
-      <p:graphicFrame>
-        <p:nvGraphicFramePr>
-          <p:cNvPr id="3" name="Схема 2"/>
-          <p:cNvGraphicFramePr/>
+      <p:grpSp>
+        <p:nvGrpSpPr>
+          <p:cNvPr id="69" name="Группа 68"/>
+          <p:cNvGrpSpPr/>
+          <p:nvPr/>
+        </p:nvGrpSpPr>
+        <p:grpSpPr>
+          <a:xfrm>
+            <a:off x="6660403" y="580422"/>
+            <a:ext cx="3718560" cy="2816661"/>
+            <a:chOff x="6741683" y="326067"/>
+            <a:chExt cx="3718560" cy="2816661"/>
+          </a:xfrm>
+        </p:grpSpPr>
+        <p:sp>
+          <p:nvSpPr>
+            <p:cNvPr id="34" name="Прямоугольник 33"/>
+            <p:cNvSpPr/>
+            <p:nvPr/>
+          </p:nvSpPr>
+          <p:spPr>
+            <a:xfrm>
+              <a:off x="7051038" y="326067"/>
+              <a:ext cx="1250727" cy="711262"/>
+            </a:xfrm>
+            <a:prstGeom prst="rect">
+              <a:avLst/>
+            </a:prstGeom>
+          </p:spPr>
+          <p:style>
+            <a:lnRef idx="2">
+              <a:schemeClr val="accent2">
+                <a:shade val="50000"/>
+              </a:schemeClr>
+            </a:lnRef>
+            <a:fillRef idx="1">
+              <a:schemeClr val="accent2"/>
+            </a:fillRef>
+            <a:effectRef idx="0">
+              <a:schemeClr val="accent2"/>
+            </a:effectRef>
+            <a:fontRef idx="minor">
+              <a:schemeClr val="lt1"/>
+            </a:fontRef>
+          </p:style>
+          <p:txBody>
+            <a:bodyPr rtlCol="0" anchor="ctr"/>
+            <a:lstStyle/>
+            <a:p>
+              <a:pPr algn="ctr"/>
+              <a:r>
+                <a:rPr lang="en-US" dirty="0" smtClean="0"/>
+                <a:t>Virtual IO</a:t>
+              </a:r>
+              <a:endParaRPr lang="ru-RU" dirty="0"/>
+            </a:p>
+          </p:txBody>
+        </p:sp>
+        <p:sp>
+          <p:nvSpPr>
+            <p:cNvPr id="35" name="Прямоугольник 34"/>
+            <p:cNvSpPr/>
+            <p:nvPr/>
+          </p:nvSpPr>
+          <p:spPr>
+            <a:xfrm>
+              <a:off x="8889998" y="327003"/>
+              <a:ext cx="1250727" cy="711262"/>
+            </a:xfrm>
+            <a:prstGeom prst="rect">
+              <a:avLst/>
+            </a:prstGeom>
+          </p:spPr>
+          <p:style>
+            <a:lnRef idx="2">
+              <a:schemeClr val="accent2">
+                <a:shade val="50000"/>
+              </a:schemeClr>
+            </a:lnRef>
+            <a:fillRef idx="1">
+              <a:schemeClr val="accent2"/>
+            </a:fillRef>
+            <a:effectRef idx="0">
+              <a:schemeClr val="accent2"/>
+            </a:effectRef>
+            <a:fontRef idx="minor">
+              <a:schemeClr val="lt1"/>
+            </a:fontRef>
+          </p:style>
+          <p:txBody>
+            <a:bodyPr rtlCol="0" anchor="ctr"/>
+            <a:lstStyle/>
+            <a:p>
+              <a:pPr algn="ctr"/>
+              <a:r>
+                <a:rPr lang="en-US" dirty="0" smtClean="0"/>
+                <a:t>System ILA</a:t>
+              </a:r>
+              <a:endParaRPr lang="ru-RU" dirty="0"/>
+            </a:p>
+          </p:txBody>
+        </p:sp>
+        <p:sp>
+          <p:nvSpPr>
+            <p:cNvPr id="36" name="Прямоугольник 35"/>
+            <p:cNvSpPr/>
+            <p:nvPr/>
+          </p:nvSpPr>
+          <p:spPr>
+            <a:xfrm>
+              <a:off x="7051039" y="1328984"/>
+              <a:ext cx="1250727" cy="711262"/>
+            </a:xfrm>
+            <a:prstGeom prst="rect">
+              <a:avLst/>
+            </a:prstGeom>
+          </p:spPr>
+          <p:style>
+            <a:lnRef idx="2">
+              <a:schemeClr val="accent2">
+                <a:shade val="50000"/>
+              </a:schemeClr>
+            </a:lnRef>
+            <a:fillRef idx="1">
+              <a:schemeClr val="accent2"/>
+            </a:fillRef>
+            <a:effectRef idx="0">
+              <a:schemeClr val="accent2"/>
+            </a:effectRef>
+            <a:fontRef idx="minor">
+              <a:schemeClr val="lt1"/>
+            </a:fontRef>
+          </p:style>
+          <p:txBody>
+            <a:bodyPr rtlCol="0" anchor="ctr"/>
+            <a:lstStyle/>
+            <a:p>
+              <a:pPr algn="ctr"/>
+              <a:r>
+                <a:rPr lang="en-US" dirty="0" smtClean="0"/>
+                <a:t>Controller DDS</a:t>
+              </a:r>
+              <a:endParaRPr lang="ru-RU" dirty="0"/>
+            </a:p>
+          </p:txBody>
+        </p:sp>
+        <p:sp>
+          <p:nvSpPr>
+            <p:cNvPr id="37" name="Прямоугольник 36"/>
+            <p:cNvSpPr/>
+            <p:nvPr/>
+          </p:nvSpPr>
+          <p:spPr>
+            <a:xfrm>
+              <a:off x="8889999" y="1328984"/>
+              <a:ext cx="1250727" cy="711262"/>
+            </a:xfrm>
+            <a:prstGeom prst="rect">
+              <a:avLst/>
+            </a:prstGeom>
+          </p:spPr>
+          <p:style>
+            <a:lnRef idx="2">
+              <a:schemeClr val="accent2">
+                <a:shade val="50000"/>
+              </a:schemeClr>
+            </a:lnRef>
+            <a:fillRef idx="1">
+              <a:schemeClr val="accent2"/>
+            </a:fillRef>
+            <a:effectRef idx="0">
+              <a:schemeClr val="accent2"/>
+            </a:effectRef>
+            <a:fontRef idx="minor">
+              <a:schemeClr val="lt1"/>
+            </a:fontRef>
+          </p:style>
+          <p:txBody>
+            <a:bodyPr rtlCol="0" anchor="ctr"/>
+            <a:lstStyle/>
+            <a:p>
+              <a:pPr algn="ctr"/>
+              <a:r>
+                <a:rPr lang="en-US" dirty="0" smtClean="0"/>
+                <a:t>DDS compiler</a:t>
+              </a:r>
+              <a:endParaRPr lang="ru-RU" dirty="0"/>
+            </a:p>
+          </p:txBody>
+        </p:sp>
+        <p:sp>
+          <p:nvSpPr>
+            <p:cNvPr id="38" name="Прямоугольник 37"/>
+            <p:cNvSpPr/>
+            <p:nvPr/>
+          </p:nvSpPr>
+          <p:spPr>
+            <a:xfrm>
+              <a:off x="8088405" y="2431466"/>
+              <a:ext cx="1250727" cy="711262"/>
+            </a:xfrm>
+            <a:prstGeom prst="rect">
+              <a:avLst/>
+            </a:prstGeom>
+          </p:spPr>
+          <p:style>
+            <a:lnRef idx="2">
+              <a:schemeClr val="accent1">
+                <a:shade val="50000"/>
+              </a:schemeClr>
+            </a:lnRef>
+            <a:fillRef idx="1">
+              <a:schemeClr val="accent1"/>
+            </a:fillRef>
+            <a:effectRef idx="0">
+              <a:schemeClr val="accent1"/>
+            </a:effectRef>
+            <a:fontRef idx="minor">
+              <a:schemeClr val="lt1"/>
+            </a:fontRef>
+          </p:style>
+          <p:txBody>
+            <a:bodyPr rtlCol="0" anchor="ctr"/>
+            <a:lstStyle/>
+            <a:p>
+              <a:pPr algn="ctr"/>
+              <a:r>
+                <a:rPr lang="en-US" dirty="0" smtClean="0"/>
+                <a:t>Clock generator</a:t>
+              </a:r>
+              <a:endParaRPr lang="ru-RU" dirty="0"/>
+            </a:p>
+          </p:txBody>
+        </p:sp>
+        <p:cxnSp>
+          <p:nvCxnSpPr>
+            <p:cNvPr id="40" name="Прямая соединительная линия 39"/>
+            <p:cNvCxnSpPr>
+              <a:stCxn id="38" idx="1"/>
+            </p:cNvCxnSpPr>
+            <p:nvPr/>
+          </p:nvCxnSpPr>
+          <p:spPr>
+            <a:xfrm flipH="1">
+              <a:off x="6741683" y="2787097"/>
+              <a:ext cx="1346722" cy="0"/>
+            </a:xfrm>
+            <a:prstGeom prst="line">
+              <a:avLst/>
+            </a:prstGeom>
+            <a:ln w="25400">
+              <a:solidFill>
+                <a:schemeClr val="tx1"/>
+              </a:solidFill>
+            </a:ln>
+          </p:spPr>
+          <p:style>
+            <a:lnRef idx="1">
+              <a:schemeClr val="accent1"/>
+            </a:lnRef>
+            <a:fillRef idx="0">
+              <a:schemeClr val="accent1"/>
+            </a:fillRef>
+            <a:effectRef idx="0">
+              <a:schemeClr val="accent1"/>
+            </a:effectRef>
+            <a:fontRef idx="minor">
+              <a:schemeClr val="tx1"/>
+            </a:fontRef>
+          </p:style>
+        </p:cxnSp>
+        <p:cxnSp>
+          <p:nvCxnSpPr>
+            <p:cNvPr id="42" name="Прямая соединительная линия 41"/>
+            <p:cNvCxnSpPr/>
+            <p:nvPr/>
+          </p:nvCxnSpPr>
+          <p:spPr>
+            <a:xfrm flipV="1">
+              <a:off x="6741683" y="682634"/>
+              <a:ext cx="0" cy="2104463"/>
+            </a:xfrm>
+            <a:prstGeom prst="line">
+              <a:avLst/>
+            </a:prstGeom>
+            <a:ln w="25400">
+              <a:solidFill>
+                <a:schemeClr val="tx1"/>
+              </a:solidFill>
+            </a:ln>
+          </p:spPr>
+          <p:style>
+            <a:lnRef idx="1">
+              <a:schemeClr val="accent1"/>
+            </a:lnRef>
+            <a:fillRef idx="0">
+              <a:schemeClr val="accent1"/>
+            </a:fillRef>
+            <a:effectRef idx="0">
+              <a:schemeClr val="accent1"/>
+            </a:effectRef>
+            <a:fontRef idx="minor">
+              <a:schemeClr val="tx1"/>
+            </a:fontRef>
+          </p:style>
+        </p:cxnSp>
+        <p:cxnSp>
+          <p:nvCxnSpPr>
+            <p:cNvPr id="44" name="Прямая соединительная линия 43"/>
+            <p:cNvCxnSpPr>
+              <a:endCxn id="34" idx="1"/>
+            </p:cNvCxnSpPr>
+            <p:nvPr/>
+          </p:nvCxnSpPr>
+          <p:spPr>
+            <a:xfrm>
+              <a:off x="6741683" y="681698"/>
+              <a:ext cx="309355" cy="0"/>
+            </a:xfrm>
+            <a:prstGeom prst="line">
+              <a:avLst/>
+            </a:prstGeom>
+            <a:ln w="25400">
+              <a:solidFill>
+                <a:schemeClr val="tx1"/>
+              </a:solidFill>
+            </a:ln>
+          </p:spPr>
+          <p:style>
+            <a:lnRef idx="1">
+              <a:schemeClr val="accent1"/>
+            </a:lnRef>
+            <a:fillRef idx="0">
+              <a:schemeClr val="accent1"/>
+            </a:fillRef>
+            <a:effectRef idx="0">
+              <a:schemeClr val="accent1"/>
+            </a:effectRef>
+            <a:fontRef idx="minor">
+              <a:schemeClr val="tx1"/>
+            </a:fontRef>
+          </p:style>
+        </p:cxnSp>
+        <p:cxnSp>
+          <p:nvCxnSpPr>
+            <p:cNvPr id="46" name="Прямая соединительная линия 45"/>
+            <p:cNvCxnSpPr>
+              <a:endCxn id="36" idx="1"/>
+            </p:cNvCxnSpPr>
+            <p:nvPr/>
+          </p:nvCxnSpPr>
+          <p:spPr>
+            <a:xfrm>
+              <a:off x="6741683" y="1684615"/>
+              <a:ext cx="309356" cy="0"/>
+            </a:xfrm>
+            <a:prstGeom prst="line">
+              <a:avLst/>
+            </a:prstGeom>
+            <a:ln w="25400">
+              <a:solidFill>
+                <a:schemeClr val="tx1"/>
+              </a:solidFill>
+            </a:ln>
+          </p:spPr>
+          <p:style>
+            <a:lnRef idx="1">
+              <a:schemeClr val="accent1"/>
+            </a:lnRef>
+            <a:fillRef idx="0">
+              <a:schemeClr val="accent1"/>
+            </a:fillRef>
+            <a:effectRef idx="0">
+              <a:schemeClr val="accent1"/>
+            </a:effectRef>
+            <a:fontRef idx="minor">
+              <a:schemeClr val="tx1"/>
+            </a:fontRef>
+          </p:style>
+        </p:cxnSp>
+        <p:cxnSp>
+          <p:nvCxnSpPr>
+            <p:cNvPr id="48" name="Прямая соединительная линия 47"/>
+            <p:cNvCxnSpPr>
+              <a:stCxn id="38" idx="3"/>
+            </p:cNvCxnSpPr>
+            <p:nvPr/>
+          </p:nvCxnSpPr>
+          <p:spPr>
+            <a:xfrm>
+              <a:off x="9339132" y="2787097"/>
+              <a:ext cx="1121111" cy="0"/>
+            </a:xfrm>
+            <a:prstGeom prst="line">
+              <a:avLst/>
+            </a:prstGeom>
+            <a:ln w="25400">
+              <a:solidFill>
+                <a:schemeClr val="tx1"/>
+              </a:solidFill>
+            </a:ln>
+          </p:spPr>
+          <p:style>
+            <a:lnRef idx="1">
+              <a:schemeClr val="accent1"/>
+            </a:lnRef>
+            <a:fillRef idx="0">
+              <a:schemeClr val="accent1"/>
+            </a:fillRef>
+            <a:effectRef idx="0">
+              <a:schemeClr val="accent1"/>
+            </a:effectRef>
+            <a:fontRef idx="minor">
+              <a:schemeClr val="tx1"/>
+            </a:fontRef>
+          </p:style>
+        </p:cxnSp>
+        <p:cxnSp>
+          <p:nvCxnSpPr>
+            <p:cNvPr id="50" name="Прямая соединительная линия 49"/>
+            <p:cNvCxnSpPr/>
+            <p:nvPr/>
+          </p:nvCxnSpPr>
+          <p:spPr>
+            <a:xfrm flipV="1">
+              <a:off x="10460243" y="686505"/>
+              <a:ext cx="0" cy="2100592"/>
+            </a:xfrm>
+            <a:prstGeom prst="line">
+              <a:avLst/>
+            </a:prstGeom>
+            <a:ln w="25400">
+              <a:solidFill>
+                <a:schemeClr val="tx1"/>
+              </a:solidFill>
+            </a:ln>
+          </p:spPr>
+          <p:style>
+            <a:lnRef idx="1">
+              <a:schemeClr val="accent1"/>
+            </a:lnRef>
+            <a:fillRef idx="0">
+              <a:schemeClr val="accent1"/>
+            </a:fillRef>
+            <a:effectRef idx="0">
+              <a:schemeClr val="accent1"/>
+            </a:effectRef>
+            <a:fontRef idx="minor">
+              <a:schemeClr val="tx1"/>
+            </a:fontRef>
+          </p:style>
+        </p:cxnSp>
+        <p:cxnSp>
+          <p:nvCxnSpPr>
+            <p:cNvPr id="52" name="Прямая соединительная линия 51"/>
+            <p:cNvCxnSpPr>
+              <a:endCxn id="35" idx="3"/>
+            </p:cNvCxnSpPr>
+            <p:nvPr/>
+          </p:nvCxnSpPr>
+          <p:spPr>
+            <a:xfrm flipH="1" flipV="1">
+              <a:off x="10140725" y="682634"/>
+              <a:ext cx="319518" cy="3871"/>
+            </a:xfrm>
+            <a:prstGeom prst="line">
+              <a:avLst/>
+            </a:prstGeom>
+            <a:ln w="25400">
+              <a:solidFill>
+                <a:schemeClr val="tx1"/>
+              </a:solidFill>
+            </a:ln>
+          </p:spPr>
+          <p:style>
+            <a:lnRef idx="1">
+              <a:schemeClr val="accent1"/>
+            </a:lnRef>
+            <a:fillRef idx="0">
+              <a:schemeClr val="accent1"/>
+            </a:fillRef>
+            <a:effectRef idx="0">
+              <a:schemeClr val="accent1"/>
+            </a:effectRef>
+            <a:fontRef idx="minor">
+              <a:schemeClr val="tx1"/>
+            </a:fontRef>
+          </p:style>
+        </p:cxnSp>
+        <p:cxnSp>
+          <p:nvCxnSpPr>
+            <p:cNvPr id="54" name="Прямая соединительная линия 53"/>
+            <p:cNvCxnSpPr>
+              <a:stCxn id="37" idx="3"/>
+            </p:cNvCxnSpPr>
+            <p:nvPr/>
+          </p:nvCxnSpPr>
+          <p:spPr>
+            <a:xfrm>
+              <a:off x="10140726" y="1684615"/>
+              <a:ext cx="319517" cy="0"/>
+            </a:xfrm>
+            <a:prstGeom prst="line">
+              <a:avLst/>
+            </a:prstGeom>
+            <a:ln w="25400">
+              <a:solidFill>
+                <a:schemeClr val="tx1"/>
+              </a:solidFill>
+            </a:ln>
+          </p:spPr>
+          <p:style>
+            <a:lnRef idx="1">
+              <a:schemeClr val="accent1"/>
+            </a:lnRef>
+            <a:fillRef idx="0">
+              <a:schemeClr val="accent1"/>
+            </a:fillRef>
+            <a:effectRef idx="0">
+              <a:schemeClr val="accent1"/>
+            </a:effectRef>
+            <a:fontRef idx="minor">
+              <a:schemeClr val="tx1"/>
+            </a:fontRef>
+          </p:style>
+        </p:cxnSp>
+        <p:sp>
+          <p:nvSpPr>
+            <p:cNvPr id="63" name="Стрелка вниз 62"/>
+            <p:cNvSpPr/>
+            <p:nvPr/>
+          </p:nvSpPr>
+          <p:spPr>
+            <a:xfrm>
+              <a:off x="7513842" y="1047489"/>
+              <a:ext cx="325121" cy="269847"/>
+            </a:xfrm>
+            <a:prstGeom prst="downArrow">
+              <a:avLst/>
+            </a:prstGeom>
+          </p:spPr>
+          <p:style>
+            <a:lnRef idx="2">
+              <a:schemeClr val="accent1">
+                <a:shade val="50000"/>
+              </a:schemeClr>
+            </a:lnRef>
+            <a:fillRef idx="1">
+              <a:schemeClr val="accent1"/>
+            </a:fillRef>
+            <a:effectRef idx="0">
+              <a:schemeClr val="accent1"/>
+            </a:effectRef>
+            <a:fontRef idx="minor">
+              <a:schemeClr val="lt1"/>
+            </a:fontRef>
+          </p:style>
+          <p:txBody>
+            <a:bodyPr rtlCol="0" anchor="ctr"/>
+            <a:lstStyle/>
+            <a:p>
+              <a:pPr algn="ctr"/>
+              <a:endParaRPr lang="ru-RU"/>
+            </a:p>
+          </p:txBody>
+        </p:sp>
+        <p:sp>
+          <p:nvSpPr>
+            <p:cNvPr id="64" name="Стрелка вниз 63"/>
+            <p:cNvSpPr/>
+            <p:nvPr/>
+          </p:nvSpPr>
+          <p:spPr>
+            <a:xfrm rot="10800000">
+              <a:off x="9352801" y="1047941"/>
+              <a:ext cx="325121" cy="269847"/>
+            </a:xfrm>
+            <a:prstGeom prst="downArrow">
+              <a:avLst/>
+            </a:prstGeom>
+          </p:spPr>
+          <p:style>
+            <a:lnRef idx="2">
+              <a:schemeClr val="accent1">
+                <a:shade val="50000"/>
+              </a:schemeClr>
+            </a:lnRef>
+            <a:fillRef idx="1">
+              <a:schemeClr val="accent1"/>
+            </a:fillRef>
+            <a:effectRef idx="0">
+              <a:schemeClr val="accent1"/>
+            </a:effectRef>
+            <a:fontRef idx="minor">
+              <a:schemeClr val="lt1"/>
+            </a:fontRef>
+          </p:style>
+          <p:txBody>
+            <a:bodyPr rtlCol="0" anchor="ctr"/>
+            <a:lstStyle/>
+            <a:p>
+              <a:pPr algn="ctr"/>
+              <a:endParaRPr lang="ru-RU"/>
+            </a:p>
+          </p:txBody>
+        </p:sp>
+        <p:sp>
+          <p:nvSpPr>
+            <p:cNvPr id="65" name="Стрелка вниз 64"/>
+            <p:cNvSpPr/>
+            <p:nvPr/>
+          </p:nvSpPr>
+          <p:spPr>
+            <a:xfrm rot="16200000">
+              <a:off x="8459770" y="1422340"/>
+              <a:ext cx="325121" cy="453394"/>
+            </a:xfrm>
+            <a:prstGeom prst="downArrow">
+              <a:avLst/>
+            </a:prstGeom>
+          </p:spPr>
+          <p:style>
+            <a:lnRef idx="2">
+              <a:schemeClr val="accent1">
+                <a:shade val="50000"/>
+              </a:schemeClr>
+            </a:lnRef>
+            <a:fillRef idx="1">
+              <a:schemeClr val="accent1"/>
+            </a:fillRef>
+            <a:effectRef idx="0">
+              <a:schemeClr val="accent1"/>
+            </a:effectRef>
+            <a:fontRef idx="minor">
+              <a:schemeClr val="lt1"/>
+            </a:fontRef>
+          </p:style>
+          <p:txBody>
+            <a:bodyPr rtlCol="0" anchor="ctr"/>
+            <a:lstStyle/>
+            <a:p>
+              <a:pPr algn="ctr"/>
+              <a:endParaRPr lang="ru-RU"/>
+            </a:p>
+          </p:txBody>
+        </p:sp>
+      </p:grpSp>
+      <p:sp>
+        <p:nvSpPr>
+          <p:cNvPr id="67" name="TextBox 66"/>
+          <p:cNvSpPr txBox="1"/>
+          <p:nvPr/>
+        </p:nvSpPr>
+        <p:spPr>
+          <a:xfrm>
+            <a:off x="6467873" y="3433906"/>
+            <a:ext cx="4491789" cy="369332"/>
+          </a:xfrm>
+          <a:prstGeom prst="rect">
+            <a:avLst/>
+          </a:prstGeom>
+          <a:noFill/>
+        </p:spPr>
+        <p:txBody>
+          <a:bodyPr wrap="square" rtlCol="0">
+            <a:spAutoFit/>
+          </a:bodyPr>
+          <a:lstStyle/>
+          <a:p>
+            <a:pPr algn="ctr"/>
+            <a:r>
+              <a:rPr lang="en-US" dirty="0" smtClean="0"/>
+              <a:t>Hardware design for FPGA</a:t>
+            </a:r>
+            <a:endParaRPr lang="ru-RU" dirty="0"/>
+          </a:p>
+        </p:txBody>
+      </p:sp>
+      <p:sp>
+        <p:nvSpPr>
+          <p:cNvPr id="68" name="Заголовок 1"/>
+          <p:cNvSpPr>
+            <a:spLocks noGrp="1"/>
+          </p:cNvSpPr>
           <p:nvPr>
-            <p:extLst>
-              <p:ext uri="{D42A27DB-BD31-4B8C-83A1-F6EECF244321}">
-                <p14:modId xmlns:p14="http://schemas.microsoft.com/office/powerpoint/2010/main" val="3424649583"/>
-              </p:ext>
-            </p:extLst>
+            <p:ph type="title"/>
           </p:nvPr>
-        </p:nvGraphicFramePr>
-        <p:xfrm>
-          <a:off x="648284" y="4265281"/>
-          <a:ext cx="4649506" cy="2480733"/>
-        </p:xfrm>
-        <a:graphic>
-          <a:graphicData uri="http://schemas.openxmlformats.org/drawingml/2006/diagram">
-            <dgm:relIds xmlns:dgm="http://schemas.openxmlformats.org/drawingml/2006/diagram" xmlns:r="http://schemas.openxmlformats.org/officeDocument/2006/relationships" r:dm="rId4" r:lo="rId5" r:qs="rId6" r:cs="rId7"/>
-          </a:graphicData>
-        </a:graphic>
-      </p:graphicFrame>
+        </p:nvSpPr>
+        <p:spPr>
+          <a:xfrm>
+            <a:off x="2117557" y="0"/>
+            <a:ext cx="6898105" cy="749643"/>
+          </a:xfrm>
+        </p:spPr>
+        <p:txBody>
+          <a:bodyPr>
+            <a:normAutofit/>
+          </a:bodyPr>
+          <a:lstStyle/>
+          <a:p>
+            <a:pPr algn="ctr"/>
+            <a:r>
+              <a:rPr lang="en-US" sz="2000" dirty="0" smtClean="0"/>
+              <a:t>PROJECT MODULES</a:t>
+            </a:r>
+            <a:endParaRPr lang="ru-RU" sz="2000" dirty="0"/>
+          </a:p>
+        </p:txBody>
+      </p:sp>
+      <p:grpSp>
+        <p:nvGrpSpPr>
+          <p:cNvPr id="97" name="Группа 96"/>
+          <p:cNvGrpSpPr/>
+          <p:nvPr/>
+        </p:nvGrpSpPr>
+        <p:grpSpPr>
+          <a:xfrm>
+            <a:off x="3637281" y="4087899"/>
+            <a:ext cx="5378381" cy="2624671"/>
+            <a:chOff x="873761" y="4087899"/>
+            <a:chExt cx="5378381" cy="2624671"/>
+          </a:xfrm>
+        </p:grpSpPr>
+        <p:sp>
+          <p:nvSpPr>
+            <p:cNvPr id="70" name="Прямоугольник 69"/>
+            <p:cNvSpPr/>
+            <p:nvPr/>
+          </p:nvSpPr>
+          <p:spPr>
+            <a:xfrm>
+              <a:off x="1935374" y="4087899"/>
+              <a:ext cx="2931266" cy="2231621"/>
+            </a:xfrm>
+            <a:prstGeom prst="rect">
+              <a:avLst/>
+            </a:prstGeom>
+          </p:spPr>
+          <p:style>
+            <a:lnRef idx="2">
+              <a:schemeClr val="accent5">
+                <a:shade val="50000"/>
+              </a:schemeClr>
+            </a:lnRef>
+            <a:fillRef idx="1">
+              <a:schemeClr val="accent5"/>
+            </a:fillRef>
+            <a:effectRef idx="0">
+              <a:schemeClr val="accent5"/>
+            </a:effectRef>
+            <a:fontRef idx="minor">
+              <a:schemeClr val="lt1"/>
+            </a:fontRef>
+          </p:style>
+          <p:txBody>
+            <a:bodyPr rtlCol="0" anchor="ctr"/>
+            <a:lstStyle/>
+            <a:p>
+              <a:pPr algn="ctr"/>
+              <a:endParaRPr lang="ru-RU"/>
+            </a:p>
+          </p:txBody>
+        </p:sp>
+        <p:sp>
+          <p:nvSpPr>
+            <p:cNvPr id="71" name="TextBox 70"/>
+            <p:cNvSpPr txBox="1"/>
+            <p:nvPr/>
+          </p:nvSpPr>
+          <p:spPr>
+            <a:xfrm>
+              <a:off x="1935374" y="4087899"/>
+              <a:ext cx="1308065" cy="276999"/>
+            </a:xfrm>
+            <a:prstGeom prst="rect">
+              <a:avLst/>
+            </a:prstGeom>
+            <a:noFill/>
+          </p:spPr>
+          <p:txBody>
+            <a:bodyPr wrap="square" rtlCol="0">
+              <a:spAutoFit/>
+            </a:bodyPr>
+            <a:lstStyle/>
+            <a:p>
+              <a:r>
+                <a:rPr lang="en-US" sz="1200" dirty="0"/>
+                <a:t>c</a:t>
+              </a:r>
+              <a:r>
+                <a:rPr lang="en-US" sz="1200" dirty="0" smtClean="0"/>
+                <a:t>ontrol_dds.v</a:t>
+              </a:r>
+              <a:endParaRPr lang="ru-RU" sz="1200" dirty="0"/>
+            </a:p>
+          </p:txBody>
+        </p:sp>
+        <p:sp>
+          <p:nvSpPr>
+            <p:cNvPr id="72" name="Прямоугольник 71"/>
+            <p:cNvSpPr/>
+            <p:nvPr/>
+          </p:nvSpPr>
+          <p:spPr>
+            <a:xfrm>
+              <a:off x="2688229" y="4386936"/>
+              <a:ext cx="1110420" cy="733070"/>
+            </a:xfrm>
+            <a:prstGeom prst="rect">
+              <a:avLst/>
+            </a:prstGeom>
+          </p:spPr>
+          <p:style>
+            <a:lnRef idx="2">
+              <a:schemeClr val="accent2">
+                <a:shade val="50000"/>
+              </a:schemeClr>
+            </a:lnRef>
+            <a:fillRef idx="1">
+              <a:schemeClr val="accent2"/>
+            </a:fillRef>
+            <a:effectRef idx="0">
+              <a:schemeClr val="accent2"/>
+            </a:effectRef>
+            <a:fontRef idx="minor">
+              <a:schemeClr val="lt1"/>
+            </a:fontRef>
+          </p:style>
+          <p:txBody>
+            <a:bodyPr rtlCol="0" anchor="ctr"/>
+            <a:lstStyle/>
+            <a:p>
+              <a:pPr algn="ctr"/>
+              <a:r>
+                <a:rPr lang="en-US" dirty="0" smtClean="0"/>
+                <a:t>Timer process</a:t>
+              </a:r>
+              <a:endParaRPr lang="ru-RU" dirty="0"/>
+            </a:p>
+          </p:txBody>
+        </p:sp>
+        <p:sp>
+          <p:nvSpPr>
+            <p:cNvPr id="73" name="Прямоугольник 72"/>
+            <p:cNvSpPr/>
+            <p:nvPr/>
+          </p:nvSpPr>
+          <p:spPr>
+            <a:xfrm>
+              <a:off x="2689061" y="5293220"/>
+              <a:ext cx="1110420" cy="733070"/>
+            </a:xfrm>
+            <a:prstGeom prst="rect">
+              <a:avLst/>
+            </a:prstGeom>
+          </p:spPr>
+          <p:style>
+            <a:lnRef idx="2">
+              <a:schemeClr val="accent2">
+                <a:shade val="50000"/>
+              </a:schemeClr>
+            </a:lnRef>
+            <a:fillRef idx="1">
+              <a:schemeClr val="accent2"/>
+            </a:fillRef>
+            <a:effectRef idx="0">
+              <a:schemeClr val="accent2"/>
+            </a:effectRef>
+            <a:fontRef idx="minor">
+              <a:schemeClr val="lt1"/>
+            </a:fontRef>
+          </p:style>
+          <p:txBody>
+            <a:bodyPr rtlCol="0" anchor="ctr"/>
+            <a:lstStyle/>
+            <a:p>
+              <a:pPr algn="ctr"/>
+              <a:r>
+                <a:rPr lang="en-US" dirty="0" smtClean="0"/>
+                <a:t>Phase computing process</a:t>
+              </a:r>
+              <a:endParaRPr lang="ru-RU" dirty="0"/>
+            </a:p>
+          </p:txBody>
+        </p:sp>
+        <p:cxnSp>
+          <p:nvCxnSpPr>
+            <p:cNvPr id="74" name="Прямая соединительная линия 73"/>
+            <p:cNvCxnSpPr/>
+            <p:nvPr/>
+          </p:nvCxnSpPr>
+          <p:spPr>
+            <a:xfrm>
+              <a:off x="1601150" y="4477721"/>
+              <a:ext cx="407376" cy="0"/>
+            </a:xfrm>
+            <a:prstGeom prst="line">
+              <a:avLst/>
+            </a:prstGeom>
+            <a:ln w="25400">
+              <a:solidFill>
+                <a:schemeClr val="tx1"/>
+              </a:solidFill>
+            </a:ln>
+          </p:spPr>
+          <p:style>
+            <a:lnRef idx="1">
+              <a:schemeClr val="accent1"/>
+            </a:lnRef>
+            <a:fillRef idx="0">
+              <a:schemeClr val="accent1"/>
+            </a:fillRef>
+            <a:effectRef idx="0">
+              <a:schemeClr val="accent1"/>
+            </a:effectRef>
+            <a:fontRef idx="minor">
+              <a:schemeClr val="tx1"/>
+            </a:fontRef>
+          </p:style>
+        </p:cxnSp>
+        <p:cxnSp>
+          <p:nvCxnSpPr>
+            <p:cNvPr id="76" name="Прямая соединительная линия 75"/>
+            <p:cNvCxnSpPr/>
+            <p:nvPr/>
+          </p:nvCxnSpPr>
+          <p:spPr>
+            <a:xfrm flipV="1">
+              <a:off x="1720728" y="4418114"/>
+              <a:ext cx="84109" cy="119214"/>
+            </a:xfrm>
+            <a:prstGeom prst="line">
+              <a:avLst/>
+            </a:prstGeom>
+            <a:ln w="25400">
+              <a:solidFill>
+                <a:schemeClr val="tx1"/>
+              </a:solidFill>
+            </a:ln>
+          </p:spPr>
+          <p:style>
+            <a:lnRef idx="1">
+              <a:schemeClr val="accent1"/>
+            </a:lnRef>
+            <a:fillRef idx="0">
+              <a:schemeClr val="accent1"/>
+            </a:fillRef>
+            <a:effectRef idx="0">
+              <a:schemeClr val="accent1"/>
+            </a:effectRef>
+            <a:fontRef idx="minor">
+              <a:schemeClr val="tx1"/>
+            </a:fontRef>
+          </p:style>
+        </p:cxnSp>
+        <p:cxnSp>
+          <p:nvCxnSpPr>
+            <p:cNvPr id="77" name="Прямая соединительная линия 76"/>
+            <p:cNvCxnSpPr/>
+            <p:nvPr/>
+          </p:nvCxnSpPr>
+          <p:spPr>
+            <a:xfrm>
+              <a:off x="1601150" y="4795943"/>
+              <a:ext cx="407376" cy="0"/>
+            </a:xfrm>
+            <a:prstGeom prst="line">
+              <a:avLst/>
+            </a:prstGeom>
+            <a:ln w="25400">
+              <a:solidFill>
+                <a:schemeClr val="tx1"/>
+              </a:solidFill>
+            </a:ln>
+          </p:spPr>
+          <p:style>
+            <a:lnRef idx="1">
+              <a:schemeClr val="accent1"/>
+            </a:lnRef>
+            <a:fillRef idx="0">
+              <a:schemeClr val="accent1"/>
+            </a:fillRef>
+            <a:effectRef idx="0">
+              <a:schemeClr val="accent1"/>
+            </a:effectRef>
+            <a:fontRef idx="minor">
+              <a:schemeClr val="tx1"/>
+            </a:fontRef>
+          </p:style>
+        </p:cxnSp>
+        <p:cxnSp>
+          <p:nvCxnSpPr>
+            <p:cNvPr id="78" name="Прямая соединительная линия 77"/>
+            <p:cNvCxnSpPr/>
+            <p:nvPr/>
+          </p:nvCxnSpPr>
+          <p:spPr>
+            <a:xfrm flipV="1">
+              <a:off x="1720728" y="4736336"/>
+              <a:ext cx="84109" cy="119214"/>
+            </a:xfrm>
+            <a:prstGeom prst="line">
+              <a:avLst/>
+            </a:prstGeom>
+            <a:ln w="25400">
+              <a:solidFill>
+                <a:schemeClr val="tx1"/>
+              </a:solidFill>
+            </a:ln>
+          </p:spPr>
+          <p:style>
+            <a:lnRef idx="1">
+              <a:schemeClr val="accent1"/>
+            </a:lnRef>
+            <a:fillRef idx="0">
+              <a:schemeClr val="accent1"/>
+            </a:fillRef>
+            <a:effectRef idx="0">
+              <a:schemeClr val="accent1"/>
+            </a:effectRef>
+            <a:fontRef idx="minor">
+              <a:schemeClr val="tx1"/>
+            </a:fontRef>
+          </p:style>
+        </p:cxnSp>
+        <p:cxnSp>
+          <p:nvCxnSpPr>
+            <p:cNvPr id="79" name="Прямая соединительная линия 78"/>
+            <p:cNvCxnSpPr/>
+            <p:nvPr/>
+          </p:nvCxnSpPr>
+          <p:spPr>
+            <a:xfrm>
+              <a:off x="1601542" y="5107391"/>
+              <a:ext cx="407376" cy="0"/>
+            </a:xfrm>
+            <a:prstGeom prst="line">
+              <a:avLst/>
+            </a:prstGeom>
+            <a:ln w="25400">
+              <a:solidFill>
+                <a:schemeClr val="tx1"/>
+              </a:solidFill>
+            </a:ln>
+          </p:spPr>
+          <p:style>
+            <a:lnRef idx="1">
+              <a:schemeClr val="accent1"/>
+            </a:lnRef>
+            <a:fillRef idx="0">
+              <a:schemeClr val="accent1"/>
+            </a:fillRef>
+            <a:effectRef idx="0">
+              <a:schemeClr val="accent1"/>
+            </a:effectRef>
+            <a:fontRef idx="minor">
+              <a:schemeClr val="tx1"/>
+            </a:fontRef>
+          </p:style>
+        </p:cxnSp>
+        <p:cxnSp>
+          <p:nvCxnSpPr>
+            <p:cNvPr id="80" name="Прямая соединительная линия 79"/>
+            <p:cNvCxnSpPr/>
+            <p:nvPr/>
+          </p:nvCxnSpPr>
+          <p:spPr>
+            <a:xfrm flipV="1">
+              <a:off x="1721120" y="5047784"/>
+              <a:ext cx="84109" cy="119214"/>
+            </a:xfrm>
+            <a:prstGeom prst="line">
+              <a:avLst/>
+            </a:prstGeom>
+            <a:ln w="25400">
+              <a:solidFill>
+                <a:schemeClr val="tx1"/>
+              </a:solidFill>
+            </a:ln>
+          </p:spPr>
+          <p:style>
+            <a:lnRef idx="1">
+              <a:schemeClr val="accent1"/>
+            </a:lnRef>
+            <a:fillRef idx="0">
+              <a:schemeClr val="accent1"/>
+            </a:fillRef>
+            <a:effectRef idx="0">
+              <a:schemeClr val="accent1"/>
+            </a:effectRef>
+            <a:fontRef idx="minor">
+              <a:schemeClr val="tx1"/>
+            </a:fontRef>
+          </p:style>
+        </p:cxnSp>
+        <p:cxnSp>
+          <p:nvCxnSpPr>
+            <p:cNvPr id="81" name="Прямая соединительная линия 80"/>
+            <p:cNvCxnSpPr/>
+            <p:nvPr/>
+          </p:nvCxnSpPr>
+          <p:spPr>
+            <a:xfrm>
+              <a:off x="1611310" y="5423126"/>
+              <a:ext cx="407376" cy="0"/>
+            </a:xfrm>
+            <a:prstGeom prst="line">
+              <a:avLst/>
+            </a:prstGeom>
+            <a:ln w="25400">
+              <a:solidFill>
+                <a:schemeClr val="tx1"/>
+              </a:solidFill>
+            </a:ln>
+          </p:spPr>
+          <p:style>
+            <a:lnRef idx="1">
+              <a:schemeClr val="accent1"/>
+            </a:lnRef>
+            <a:fillRef idx="0">
+              <a:schemeClr val="accent1"/>
+            </a:fillRef>
+            <a:effectRef idx="0">
+              <a:schemeClr val="accent1"/>
+            </a:effectRef>
+            <a:fontRef idx="minor">
+              <a:schemeClr val="tx1"/>
+            </a:fontRef>
+          </p:style>
+        </p:cxnSp>
+        <p:cxnSp>
+          <p:nvCxnSpPr>
+            <p:cNvPr id="83" name="Прямая соединительная линия 82"/>
+            <p:cNvCxnSpPr/>
+            <p:nvPr/>
+          </p:nvCxnSpPr>
+          <p:spPr>
+            <a:xfrm>
+              <a:off x="1615390" y="5677126"/>
+              <a:ext cx="407376" cy="0"/>
+            </a:xfrm>
+            <a:prstGeom prst="line">
+              <a:avLst/>
+            </a:prstGeom>
+            <a:ln w="25400">
+              <a:solidFill>
+                <a:schemeClr val="tx1"/>
+              </a:solidFill>
+            </a:ln>
+          </p:spPr>
+          <p:style>
+            <a:lnRef idx="1">
+              <a:schemeClr val="accent1"/>
+            </a:lnRef>
+            <a:fillRef idx="0">
+              <a:schemeClr val="accent1"/>
+            </a:fillRef>
+            <a:effectRef idx="0">
+              <a:schemeClr val="accent1"/>
+            </a:effectRef>
+            <a:fontRef idx="minor">
+              <a:schemeClr val="tx1"/>
+            </a:fontRef>
+          </p:style>
+        </p:cxnSp>
+        <p:cxnSp>
+          <p:nvCxnSpPr>
+            <p:cNvPr id="84" name="Прямая соединительная линия 83"/>
+            <p:cNvCxnSpPr/>
+            <p:nvPr/>
+          </p:nvCxnSpPr>
+          <p:spPr>
+            <a:xfrm>
+              <a:off x="4770013" y="4891759"/>
+              <a:ext cx="407376" cy="0"/>
+            </a:xfrm>
+            <a:prstGeom prst="line">
+              <a:avLst/>
+            </a:prstGeom>
+            <a:ln w="25400">
+              <a:solidFill>
+                <a:schemeClr val="tx1"/>
+              </a:solidFill>
+            </a:ln>
+          </p:spPr>
+          <p:style>
+            <a:lnRef idx="1">
+              <a:schemeClr val="accent1"/>
+            </a:lnRef>
+            <a:fillRef idx="0">
+              <a:schemeClr val="accent1"/>
+            </a:fillRef>
+            <a:effectRef idx="0">
+              <a:schemeClr val="accent1"/>
+            </a:effectRef>
+            <a:fontRef idx="minor">
+              <a:schemeClr val="tx1"/>
+            </a:fontRef>
+          </p:style>
+        </p:cxnSp>
+        <p:cxnSp>
+          <p:nvCxnSpPr>
+            <p:cNvPr id="85" name="Прямая соединительная линия 84"/>
+            <p:cNvCxnSpPr/>
+            <p:nvPr/>
+          </p:nvCxnSpPr>
+          <p:spPr>
+            <a:xfrm>
+              <a:off x="4777326" y="5267523"/>
+              <a:ext cx="407376" cy="0"/>
+            </a:xfrm>
+            <a:prstGeom prst="line">
+              <a:avLst/>
+            </a:prstGeom>
+            <a:ln w="25400">
+              <a:solidFill>
+                <a:schemeClr val="tx1"/>
+              </a:solidFill>
+            </a:ln>
+          </p:spPr>
+          <p:style>
+            <a:lnRef idx="1">
+              <a:schemeClr val="accent1"/>
+            </a:lnRef>
+            <a:fillRef idx="0">
+              <a:schemeClr val="accent1"/>
+            </a:fillRef>
+            <a:effectRef idx="0">
+              <a:schemeClr val="accent1"/>
+            </a:effectRef>
+            <a:fontRef idx="minor">
+              <a:schemeClr val="tx1"/>
+            </a:fontRef>
+          </p:style>
+        </p:cxnSp>
+        <p:sp>
+          <p:nvSpPr>
+            <p:cNvPr id="86" name="TextBox 85"/>
+            <p:cNvSpPr txBox="1"/>
+            <p:nvPr/>
+          </p:nvSpPr>
+          <p:spPr>
+            <a:xfrm>
+              <a:off x="5113026" y="4597836"/>
+              <a:ext cx="1139116" cy="276999"/>
+            </a:xfrm>
+            <a:prstGeom prst="rect">
+              <a:avLst/>
+            </a:prstGeom>
+            <a:noFill/>
+          </p:spPr>
+          <p:txBody>
+            <a:bodyPr wrap="square" rtlCol="0">
+              <a:spAutoFit/>
+            </a:bodyPr>
+            <a:lstStyle/>
+            <a:p>
+              <a:r>
+                <a:rPr lang="en-US" sz="1200" dirty="0" smtClean="0"/>
+                <a:t>phase_data</a:t>
+              </a:r>
+              <a:endParaRPr lang="ru-RU" sz="1200" dirty="0"/>
+            </a:p>
+          </p:txBody>
+        </p:sp>
+        <p:sp>
+          <p:nvSpPr>
+            <p:cNvPr id="87" name="TextBox 86"/>
+            <p:cNvSpPr txBox="1"/>
+            <p:nvPr/>
+          </p:nvSpPr>
+          <p:spPr>
+            <a:xfrm>
+              <a:off x="5131951" y="4990524"/>
+              <a:ext cx="1007103" cy="276999"/>
+            </a:xfrm>
+            <a:prstGeom prst="rect">
+              <a:avLst/>
+            </a:prstGeom>
+            <a:noFill/>
+          </p:spPr>
+          <p:txBody>
+            <a:bodyPr wrap="square" rtlCol="0">
+              <a:spAutoFit/>
+            </a:bodyPr>
+            <a:lstStyle/>
+            <a:p>
+              <a:r>
+                <a:rPr lang="en-US" sz="1200" dirty="0" smtClean="0"/>
+                <a:t>phase_vld</a:t>
+              </a:r>
+              <a:endParaRPr lang="ru-RU" sz="1200" dirty="0"/>
+            </a:p>
+          </p:txBody>
+        </p:sp>
+        <p:cxnSp>
+          <p:nvCxnSpPr>
+            <p:cNvPr id="88" name="Прямая соединительная линия 87"/>
+            <p:cNvCxnSpPr/>
+            <p:nvPr/>
+          </p:nvCxnSpPr>
+          <p:spPr>
+            <a:xfrm flipV="1">
+              <a:off x="4940603" y="4826231"/>
+              <a:ext cx="84109" cy="119214"/>
+            </a:xfrm>
+            <a:prstGeom prst="line">
+              <a:avLst/>
+            </a:prstGeom>
+            <a:ln w="25400">
+              <a:solidFill>
+                <a:schemeClr val="tx1"/>
+              </a:solidFill>
+            </a:ln>
+          </p:spPr>
+          <p:style>
+            <a:lnRef idx="1">
+              <a:schemeClr val="accent1"/>
+            </a:lnRef>
+            <a:fillRef idx="0">
+              <a:schemeClr val="accent1"/>
+            </a:fillRef>
+            <a:effectRef idx="0">
+              <a:schemeClr val="accent1"/>
+            </a:effectRef>
+            <a:fontRef idx="minor">
+              <a:schemeClr val="tx1"/>
+            </a:fontRef>
+          </p:style>
+        </p:cxnSp>
+        <p:cxnSp>
+          <p:nvCxnSpPr>
+            <p:cNvPr id="89" name="Прямая соединительная линия 88"/>
+            <p:cNvCxnSpPr/>
+            <p:nvPr/>
+          </p:nvCxnSpPr>
+          <p:spPr>
+            <a:xfrm>
+              <a:off x="4786329" y="5580462"/>
+              <a:ext cx="407376" cy="0"/>
+            </a:xfrm>
+            <a:prstGeom prst="line">
+              <a:avLst/>
+            </a:prstGeom>
+            <a:ln w="25400">
+              <a:solidFill>
+                <a:schemeClr val="tx1"/>
+              </a:solidFill>
+            </a:ln>
+          </p:spPr>
+          <p:style>
+            <a:lnRef idx="1">
+              <a:schemeClr val="accent1"/>
+            </a:lnRef>
+            <a:fillRef idx="0">
+              <a:schemeClr val="accent1"/>
+            </a:fillRef>
+            <a:effectRef idx="0">
+              <a:schemeClr val="accent1"/>
+            </a:effectRef>
+            <a:fontRef idx="minor">
+              <a:schemeClr val="tx1"/>
+            </a:fontRef>
+          </p:style>
+        </p:cxnSp>
+        <p:sp>
+          <p:nvSpPr>
+            <p:cNvPr id="90" name="TextBox 89"/>
+            <p:cNvSpPr txBox="1"/>
+            <p:nvPr/>
+          </p:nvSpPr>
+          <p:spPr>
+            <a:xfrm>
+              <a:off x="5113026" y="5303463"/>
+              <a:ext cx="1007103" cy="276999"/>
+            </a:xfrm>
+            <a:prstGeom prst="rect">
+              <a:avLst/>
+            </a:prstGeom>
+            <a:noFill/>
+          </p:spPr>
+          <p:txBody>
+            <a:bodyPr wrap="square" rtlCol="0">
+              <a:spAutoFit/>
+            </a:bodyPr>
+            <a:lstStyle/>
+            <a:p>
+              <a:r>
+                <a:rPr lang="en-US" sz="1200" dirty="0" smtClean="0"/>
+                <a:t>sync</a:t>
+              </a:r>
+              <a:endParaRPr lang="ru-RU" sz="1200" dirty="0"/>
+            </a:p>
+          </p:txBody>
+        </p:sp>
+        <p:sp>
+          <p:nvSpPr>
+            <p:cNvPr id="91" name="TextBox 90"/>
+            <p:cNvSpPr txBox="1"/>
+            <p:nvPr/>
+          </p:nvSpPr>
+          <p:spPr>
+            <a:xfrm>
+              <a:off x="918672" y="4191217"/>
+              <a:ext cx="682477" cy="276999"/>
+            </a:xfrm>
+            <a:prstGeom prst="rect">
+              <a:avLst/>
+            </a:prstGeom>
+            <a:noFill/>
+          </p:spPr>
+          <p:txBody>
+            <a:bodyPr wrap="square" rtlCol="0">
+              <a:spAutoFit/>
+            </a:bodyPr>
+            <a:lstStyle/>
+            <a:p>
+              <a:r>
+                <a:rPr lang="en-US" sz="1200" dirty="0"/>
+                <a:t>f</a:t>
+              </a:r>
+              <a:r>
+                <a:rPr lang="en-US" sz="1200" dirty="0" smtClean="0"/>
+                <a:t>req_0</a:t>
+              </a:r>
+              <a:endParaRPr lang="ru-RU" sz="1200" dirty="0"/>
+            </a:p>
+          </p:txBody>
+        </p:sp>
+        <p:sp>
+          <p:nvSpPr>
+            <p:cNvPr id="92" name="TextBox 91"/>
+            <p:cNvSpPr txBox="1"/>
+            <p:nvPr/>
+          </p:nvSpPr>
+          <p:spPr>
+            <a:xfrm>
+              <a:off x="919583" y="4539264"/>
+              <a:ext cx="629307" cy="276999"/>
+            </a:xfrm>
+            <a:prstGeom prst="rect">
+              <a:avLst/>
+            </a:prstGeom>
+            <a:noFill/>
+          </p:spPr>
+          <p:txBody>
+            <a:bodyPr wrap="square" rtlCol="0">
+              <a:spAutoFit/>
+            </a:bodyPr>
+            <a:lstStyle/>
+            <a:p>
+              <a:r>
+                <a:rPr lang="en-US" sz="1200" dirty="0" smtClean="0"/>
+                <a:t>dfreq</a:t>
+              </a:r>
+              <a:endParaRPr lang="ru-RU" sz="1200" dirty="0"/>
+            </a:p>
+          </p:txBody>
+        </p:sp>
+        <p:sp>
+          <p:nvSpPr>
+            <p:cNvPr id="93" name="TextBox 92"/>
+            <p:cNvSpPr txBox="1"/>
+            <p:nvPr/>
+          </p:nvSpPr>
+          <p:spPr>
+            <a:xfrm>
+              <a:off x="918672" y="4843007"/>
+              <a:ext cx="742527" cy="276999"/>
+            </a:xfrm>
+            <a:prstGeom prst="rect">
+              <a:avLst/>
+            </a:prstGeom>
+            <a:noFill/>
+          </p:spPr>
+          <p:txBody>
+            <a:bodyPr wrap="square" rtlCol="0">
+              <a:spAutoFit/>
+            </a:bodyPr>
+            <a:lstStyle/>
+            <a:p>
+              <a:r>
+                <a:rPr lang="en-US" sz="1200" dirty="0" smtClean="0"/>
+                <a:t>t_mod</a:t>
+              </a:r>
+              <a:endParaRPr lang="ru-RU" sz="1200" dirty="0"/>
+            </a:p>
+          </p:txBody>
+        </p:sp>
+        <p:sp>
+          <p:nvSpPr>
+            <p:cNvPr id="94" name="TextBox 93"/>
+            <p:cNvSpPr txBox="1"/>
+            <p:nvPr/>
+          </p:nvSpPr>
+          <p:spPr>
+            <a:xfrm>
+              <a:off x="873761" y="5217512"/>
+              <a:ext cx="734710" cy="276999"/>
+            </a:xfrm>
+            <a:prstGeom prst="rect">
+              <a:avLst/>
+            </a:prstGeom>
+            <a:noFill/>
+          </p:spPr>
+          <p:txBody>
+            <a:bodyPr wrap="square" rtlCol="0">
+              <a:spAutoFit/>
+            </a:bodyPr>
+            <a:lstStyle/>
+            <a:p>
+              <a:r>
+                <a:rPr lang="en-US" sz="1200" dirty="0"/>
+                <a:t>t</a:t>
+              </a:r>
+              <a:r>
+                <a:rPr lang="en-US" sz="1200" dirty="0" smtClean="0"/>
+                <a:t>urn_on</a:t>
+              </a:r>
+              <a:endParaRPr lang="ru-RU" sz="1200" dirty="0"/>
+            </a:p>
+          </p:txBody>
+        </p:sp>
+        <p:sp>
+          <p:nvSpPr>
+            <p:cNvPr id="95" name="TextBox 94"/>
+            <p:cNvSpPr txBox="1"/>
+            <p:nvPr/>
+          </p:nvSpPr>
+          <p:spPr>
+            <a:xfrm>
+              <a:off x="876652" y="5521255"/>
+              <a:ext cx="742527" cy="276999"/>
+            </a:xfrm>
+            <a:prstGeom prst="rect">
+              <a:avLst/>
+            </a:prstGeom>
+            <a:noFill/>
+          </p:spPr>
+          <p:txBody>
+            <a:bodyPr wrap="square" rtlCol="0">
+              <a:spAutoFit/>
+            </a:bodyPr>
+            <a:lstStyle/>
+            <a:p>
+              <a:r>
+                <a:rPr lang="en-US" sz="1200" dirty="0" smtClean="0"/>
+                <a:t>sin2lfm</a:t>
+              </a:r>
+              <a:endParaRPr lang="ru-RU" sz="1200" dirty="0"/>
+            </a:p>
+          </p:txBody>
+        </p:sp>
+        <p:sp>
+          <p:nvSpPr>
+            <p:cNvPr id="96" name="TextBox 95"/>
+            <p:cNvSpPr txBox="1"/>
+            <p:nvPr/>
+          </p:nvSpPr>
+          <p:spPr>
+            <a:xfrm>
+              <a:off x="1252476" y="6343238"/>
+              <a:ext cx="4491789" cy="369332"/>
+            </a:xfrm>
+            <a:prstGeom prst="rect">
+              <a:avLst/>
+            </a:prstGeom>
+            <a:noFill/>
+          </p:spPr>
+          <p:txBody>
+            <a:bodyPr wrap="square" rtlCol="0">
+              <a:spAutoFit/>
+            </a:bodyPr>
+            <a:lstStyle/>
+            <a:p>
+              <a:pPr algn="ctr"/>
+              <a:r>
+                <a:rPr lang="en-US" dirty="0" smtClean="0"/>
+                <a:t>Controller for DDS</a:t>
+              </a:r>
+              <a:endParaRPr lang="ru-RU" dirty="0"/>
+            </a:p>
+          </p:txBody>
+        </p:sp>
+      </p:grpSp>
     </p:spTree>
     <p:extLst>
       <p:ext uri="{BB962C8B-B14F-4D97-AF65-F5344CB8AC3E}">
-        <p14:creationId xmlns:p14="http://schemas.microsoft.com/office/powerpoint/2010/main" val="552805938"/>
+        <p14:creationId xmlns:p14="http://schemas.microsoft.com/office/powerpoint/2010/main" val="661678672"/>
       </p:ext>
     </p:extLst>
   </p:cSld>
@@ -17230,7 +22418,7 @@
   <a:extraClrSchemeLst/>
   <a:extLst>
     <a:ext uri="{05A4C25C-085E-4340-85A3-A5531E510DB2}">
-      <thm15:themeFamily xmlns="" xmlns:thm15="http://schemas.microsoft.com/office/thememl/2012/main" name="Circuit" id="{0AC2F7E7-15F5-431C-B2A2-456FE929F56C}" vid="{0911B802-464C-4241-8DD9-B60FF88E379F}"/>
+      <thm15:themeFamily xmlns:thm15="http://schemas.microsoft.com/office/thememl/2012/main" xmlns="" name="Circuit" id="{0AC2F7E7-15F5-431C-B2A2-456FE929F56C}" vid="{0911B802-464C-4241-8DD9-B60FF88E379F}"/>
     </a:ext>
   </a:extLst>
 </a:theme>

--- a/lesson_2/presentation/rlt_nco.pptx
+++ b/lesson_2/presentation/rlt_nco.pptx
@@ -6,8 +6,8 @@
   </p:sldMasterIdLst>
   <p:sldIdLst>
     <p:sldId id="256" r:id="rId2"/>
-    <p:sldId id="261" r:id="rId3"/>
-    <p:sldId id="257" r:id="rId4"/>
+    <p:sldId id="257" r:id="rId3"/>
+    <p:sldId id="261" r:id="rId4"/>
     <p:sldId id="262" r:id="rId5"/>
   </p:sldIdLst>
   <p:sldSz cx="12192000" cy="6858000"/>
@@ -109,7 +109,7 @@
   </p:defaultTextStyle>
   <p:extLst>
     <p:ext uri="{EFAFB233-063F-42B5-8137-9DF3F51BA10A}">
-      <p15:sldGuideLst xmlns:p15="http://schemas.microsoft.com/office/powerpoint/2012/main" xmlns=""/>
+      <p15:sldGuideLst xmlns="" xmlns:p15="http://schemas.microsoft.com/office/powerpoint/2012/main"/>
     </p:ext>
   </p:extLst>
 </p:presentation>
@@ -2243,14 +2243,35 @@
         </dgm:presLayoutVars>
       </dgm:prSet>
       <dgm:spPr/>
+      <dgm:t>
+        <a:bodyPr/>
+        <a:lstStyle/>
+        <a:p>
+          <a:endParaRPr lang="ru-RU"/>
+        </a:p>
+      </dgm:t>
     </dgm:pt>
     <dgm:pt modelId="{324C330C-05E8-4CAE-919A-5E081417118C}" type="pres">
       <dgm:prSet presAssocID="{7B583ACC-898A-4BE2-BC90-8D288E169420}" presName="sibTrans" presStyleLbl="sibTrans2D1" presStyleIdx="0" presStyleCnt="3"/>
       <dgm:spPr/>
+      <dgm:t>
+        <a:bodyPr/>
+        <a:lstStyle/>
+        <a:p>
+          <a:endParaRPr lang="ru-RU"/>
+        </a:p>
+      </dgm:t>
     </dgm:pt>
     <dgm:pt modelId="{7E111529-E9D2-441D-8B7A-8E9600557F9E}" type="pres">
       <dgm:prSet presAssocID="{7B583ACC-898A-4BE2-BC90-8D288E169420}" presName="connectorText" presStyleLbl="sibTrans2D1" presStyleIdx="0" presStyleCnt="3"/>
       <dgm:spPr/>
+      <dgm:t>
+        <a:bodyPr/>
+        <a:lstStyle/>
+        <a:p>
+          <a:endParaRPr lang="ru-RU"/>
+        </a:p>
+      </dgm:t>
     </dgm:pt>
     <dgm:pt modelId="{35F44B84-1BAC-48BD-B3C1-03278AFD5C0C}" type="pres">
       <dgm:prSet presAssocID="{723AC151-E644-4DB9-AA41-965075472F34}" presName="node" presStyleLbl="node1" presStyleIdx="1" presStyleCnt="4">
@@ -2270,10 +2291,24 @@
     <dgm:pt modelId="{276F2C8B-2904-4865-ADC3-F9E1EAD8ABA6}" type="pres">
       <dgm:prSet presAssocID="{FEF9FD73-176B-44AF-9CB9-D569AA679F16}" presName="sibTrans" presStyleLbl="sibTrans2D1" presStyleIdx="1" presStyleCnt="3"/>
       <dgm:spPr/>
+      <dgm:t>
+        <a:bodyPr/>
+        <a:lstStyle/>
+        <a:p>
+          <a:endParaRPr lang="ru-RU"/>
+        </a:p>
+      </dgm:t>
     </dgm:pt>
     <dgm:pt modelId="{F2FAAED2-4C33-4214-A12B-27463DAA1E94}" type="pres">
       <dgm:prSet presAssocID="{FEF9FD73-176B-44AF-9CB9-D569AA679F16}" presName="connectorText" presStyleLbl="sibTrans2D1" presStyleIdx="1" presStyleCnt="3"/>
       <dgm:spPr/>
+      <dgm:t>
+        <a:bodyPr/>
+        <a:lstStyle/>
+        <a:p>
+          <a:endParaRPr lang="ru-RU"/>
+        </a:p>
+      </dgm:t>
     </dgm:pt>
     <dgm:pt modelId="{72B66847-E372-4C4D-B2D0-3A61F60C17CF}" type="pres">
       <dgm:prSet presAssocID="{2BD1046A-61DE-4667-B5DA-2095964A9ACA}" presName="node" presStyleLbl="node1" presStyleIdx="2" presStyleCnt="4">
@@ -2293,10 +2328,24 @@
     <dgm:pt modelId="{432B6F84-A4B0-47A2-B368-DC9A19A5684C}" type="pres">
       <dgm:prSet presAssocID="{4E3C4B0D-9481-419E-91F1-1CAE183D27FD}" presName="sibTrans" presStyleLbl="sibTrans2D1" presStyleIdx="2" presStyleCnt="3"/>
       <dgm:spPr/>
+      <dgm:t>
+        <a:bodyPr/>
+        <a:lstStyle/>
+        <a:p>
+          <a:endParaRPr lang="ru-RU"/>
+        </a:p>
+      </dgm:t>
     </dgm:pt>
     <dgm:pt modelId="{46AB28D2-7ADD-41CE-B0F4-7F5F7BA4D861}" type="pres">
       <dgm:prSet presAssocID="{4E3C4B0D-9481-419E-91F1-1CAE183D27FD}" presName="connectorText" presStyleLbl="sibTrans2D1" presStyleIdx="2" presStyleCnt="3"/>
       <dgm:spPr/>
+      <dgm:t>
+        <a:bodyPr/>
+        <a:lstStyle/>
+        <a:p>
+          <a:endParaRPr lang="ru-RU"/>
+        </a:p>
+      </dgm:t>
     </dgm:pt>
     <dgm:pt modelId="{CB9E7DE5-84D8-4840-A074-CC6164214347}" type="pres">
       <dgm:prSet presAssocID="{C71CF4AF-738C-4E39-9A60-74E5A6BF4958}" presName="node" presStyleLbl="node1" presStyleIdx="3" presStyleCnt="4">
@@ -19072,7 +19121,7 @@
           <p:cNvPr id="2" name="Заголовок 1">
             <a:extLst>
               <a:ext uri="{FF2B5EF4-FFF2-40B4-BE49-F238E27FC236}">
-                <a16:creationId xmlns:a16="http://schemas.microsoft.com/office/drawing/2014/main" xmlns="" id="{5D34D5AB-D328-45F9-8CED-A85C8EA793E1}"/>
+                <a16:creationId xmlns="" xmlns:a16="http://schemas.microsoft.com/office/drawing/2014/main" id="{5D34D5AB-D328-45F9-8CED-A85C8EA793E1}"/>
               </a:ext>
             </a:extLst>
           </p:cNvPr>
@@ -19252,6 +19301,241 @@
 </file>
 
 <file path=ppt/slides/slide2.xml><?xml version="1.0" encoding="utf-8"?>
+<p:sld xmlns:a="http://schemas.openxmlformats.org/drawingml/2006/main" xmlns:r="http://schemas.openxmlformats.org/officeDocument/2006/relationships" xmlns:p="http://schemas.openxmlformats.org/presentationml/2006/main">
+  <p:cSld>
+    <p:spTree>
+      <p:nvGrpSpPr>
+        <p:cNvPr id="1" name=""/>
+        <p:cNvGrpSpPr/>
+        <p:nvPr/>
+      </p:nvGrpSpPr>
+      <p:grpSpPr>
+        <a:xfrm>
+          <a:off x="0" y="0"/>
+          <a:ext cx="0" cy="0"/>
+          <a:chOff x="0" y="0"/>
+          <a:chExt cx="0" cy="0"/>
+        </a:xfrm>
+      </p:grpSpPr>
+      <p:sp>
+        <p:nvSpPr>
+          <p:cNvPr id="4" name="Заголовок 1"/>
+          <p:cNvSpPr>
+            <a:spLocks noGrp="1"/>
+          </p:cNvSpPr>
+          <p:nvPr>
+            <p:ph type="title"/>
+          </p:nvPr>
+        </p:nvSpPr>
+        <p:spPr>
+          <a:xfrm>
+            <a:off x="2117557" y="0"/>
+            <a:ext cx="6898105" cy="749643"/>
+          </a:xfrm>
+        </p:spPr>
+        <p:txBody>
+          <a:bodyPr>
+            <a:normAutofit/>
+          </a:bodyPr>
+          <a:lstStyle/>
+          <a:p>
+            <a:pPr algn="ctr"/>
+            <a:r>
+              <a:rPr lang="en-US" sz="2000" dirty="0" smtClean="0"/>
+              <a:t>DESIGN FLOW</a:t>
+            </a:r>
+            <a:endParaRPr lang="ru-RU" sz="2000" dirty="0"/>
+          </a:p>
+        </p:txBody>
+      </p:sp>
+      <p:sp>
+        <p:nvSpPr>
+          <p:cNvPr id="2" name="Прямоугольник 1"/>
+          <p:cNvSpPr/>
+          <p:nvPr/>
+        </p:nvSpPr>
+        <p:spPr>
+          <a:xfrm>
+            <a:off x="9155207" y="6487294"/>
+            <a:ext cx="3036793" cy="369332"/>
+          </a:xfrm>
+          <a:prstGeom prst="rect">
+            <a:avLst/>
+          </a:prstGeom>
+        </p:spPr>
+        <p:txBody>
+          <a:bodyPr wrap="none">
+            <a:spAutoFit/>
+          </a:bodyPr>
+          <a:lstStyle/>
+          <a:p>
+            <a:r>
+              <a:rPr lang="en-US" dirty="0"/>
+              <a:t>aleksei.rostov@protonmail.com</a:t>
+            </a:r>
+            <a:endParaRPr lang="ru-RU" dirty="0"/>
+          </a:p>
+        </p:txBody>
+      </p:sp>
+      <p:pic>
+        <p:nvPicPr>
+          <p:cNvPr id="2052" name="Picture 4" descr="C:\Users\arost\OneDrive\Desktop\radar\dds_ip.png"/>
+          <p:cNvPicPr>
+            <a:picLocks noChangeAspect="1" noChangeArrowheads="1"/>
+          </p:cNvPicPr>
+          <p:nvPr/>
+        </p:nvPicPr>
+        <p:blipFill>
+          <a:blip r:embed="rId2">
+            <a:extLst>
+              <a:ext uri="{28A0092B-C50C-407E-A947-70E740481C1C}">
+                <a14:useLocalDpi xmlns:a14="http://schemas.microsoft.com/office/drawing/2010/main" val="0"/>
+              </a:ext>
+            </a:extLst>
+          </a:blip>
+          <a:srcRect/>
+          <a:stretch>
+            <a:fillRect/>
+          </a:stretch>
+        </p:blipFill>
+        <p:spPr bwMode="auto">
+          <a:xfrm>
+            <a:off x="6904184" y="2742655"/>
+            <a:ext cx="4965624" cy="2536465"/>
+          </a:xfrm>
+          <a:prstGeom prst="rect">
+            <a:avLst/>
+          </a:prstGeom>
+          <a:noFill/>
+          <a:extLst>
+            <a:ext uri="{909E8E84-426E-40DD-AFC4-6F175D3DCCD1}">
+              <a14:hiddenFill xmlns:a14="http://schemas.microsoft.com/office/drawing/2010/main">
+                <a:solidFill>
+                  <a:srgbClr val="FFFFFF"/>
+                </a:solidFill>
+              </a14:hiddenFill>
+            </a:ext>
+          </a:extLst>
+        </p:spPr>
+      </p:pic>
+      <p:sp>
+        <p:nvSpPr>
+          <p:cNvPr id="10" name="TextBox 9"/>
+          <p:cNvSpPr txBox="1"/>
+          <p:nvPr/>
+        </p:nvSpPr>
+        <p:spPr>
+          <a:xfrm>
+            <a:off x="7245094" y="5389094"/>
+            <a:ext cx="4491789" cy="369332"/>
+          </a:xfrm>
+          <a:prstGeom prst="rect">
+            <a:avLst/>
+          </a:prstGeom>
+          <a:noFill/>
+        </p:spPr>
+        <p:txBody>
+          <a:bodyPr wrap="square" rtlCol="0">
+            <a:spAutoFit/>
+          </a:bodyPr>
+          <a:lstStyle/>
+          <a:p>
+            <a:pPr algn="ctr"/>
+            <a:r>
+              <a:rPr lang="en-US" dirty="0" smtClean="0"/>
+              <a:t>DDS compiler IP core</a:t>
+            </a:r>
+            <a:endParaRPr lang="ru-RU" dirty="0"/>
+          </a:p>
+        </p:txBody>
+      </p:sp>
+      <p:graphicFrame>
+        <p:nvGraphicFramePr>
+          <p:cNvPr id="3" name="Схема 2"/>
+          <p:cNvGraphicFramePr/>
+          <p:nvPr>
+            <p:extLst>
+              <p:ext uri="{D42A27DB-BD31-4B8C-83A1-F6EECF244321}">
+                <p14:modId xmlns:p14="http://schemas.microsoft.com/office/powerpoint/2010/main" val="109680199"/>
+              </p:ext>
+            </p:extLst>
+          </p:nvPr>
+        </p:nvGraphicFramePr>
+        <p:xfrm>
+          <a:off x="1069505" y="2783840"/>
+          <a:ext cx="5605616" cy="2495280"/>
+        </p:xfrm>
+        <a:graphic>
+          <a:graphicData uri="http://schemas.openxmlformats.org/drawingml/2006/diagram">
+            <dgm:relIds xmlns:dgm="http://schemas.openxmlformats.org/drawingml/2006/diagram" xmlns:r="http://schemas.openxmlformats.org/officeDocument/2006/relationships" r:dm="rId3" r:lo="rId4" r:qs="rId5" r:cs="rId6"/>
+          </a:graphicData>
+        </a:graphic>
+      </p:graphicFrame>
+      <p:graphicFrame>
+        <p:nvGraphicFramePr>
+          <p:cNvPr id="9" name="Схема 8"/>
+          <p:cNvGraphicFramePr/>
+          <p:nvPr>
+            <p:extLst>
+              <p:ext uri="{D42A27DB-BD31-4B8C-83A1-F6EECF244321}">
+                <p14:modId xmlns:p14="http://schemas.microsoft.com/office/powerpoint/2010/main" val="1653556383"/>
+              </p:ext>
+            </p:extLst>
+          </p:nvPr>
+        </p:nvGraphicFramePr>
+        <p:xfrm>
+          <a:off x="2208494" y="589280"/>
+          <a:ext cx="8128000" cy="1617133"/>
+        </p:xfrm>
+        <a:graphic>
+          <a:graphicData uri="http://schemas.openxmlformats.org/drawingml/2006/diagram">
+            <dgm:relIds xmlns:dgm="http://schemas.openxmlformats.org/drawingml/2006/diagram" xmlns:r="http://schemas.openxmlformats.org/officeDocument/2006/relationships" r:dm="rId8" r:lo="rId9" r:qs="rId10" r:cs="rId11"/>
+          </a:graphicData>
+        </a:graphic>
+      </p:graphicFrame>
+      <p:sp>
+        <p:nvSpPr>
+          <p:cNvPr id="5" name="Прямоугольник 4"/>
+          <p:cNvSpPr/>
+          <p:nvPr/>
+        </p:nvSpPr>
+        <p:spPr>
+          <a:xfrm>
+            <a:off x="1662050" y="5957054"/>
+            <a:ext cx="2446439" cy="369332"/>
+          </a:xfrm>
+          <a:prstGeom prst="rect">
+            <a:avLst/>
+          </a:prstGeom>
+        </p:spPr>
+        <p:txBody>
+          <a:bodyPr wrap="none">
+            <a:spAutoFit/>
+          </a:bodyPr>
+          <a:lstStyle/>
+          <a:p>
+            <a:r>
+              <a:rPr lang="en-US" dirty="0" smtClean="0"/>
+              <a:t>pg141-dds-compiler.pdf</a:t>
+            </a:r>
+            <a:endParaRPr lang="ru-RU" dirty="0"/>
+          </a:p>
+        </p:txBody>
+      </p:sp>
+    </p:spTree>
+    <p:extLst>
+      <p:ext uri="{BB962C8B-B14F-4D97-AF65-F5344CB8AC3E}">
+        <p14:creationId xmlns:p14="http://schemas.microsoft.com/office/powerpoint/2010/main" val="552805938"/>
+      </p:ext>
+    </p:extLst>
+  </p:cSld>
+  <p:clrMapOvr>
+    <a:masterClrMapping/>
+  </p:clrMapOvr>
+</p:sld>
+</file>
+
+<file path=ppt/slides/slide3.xml><?xml version="1.0" encoding="utf-8"?>
 <p:sld xmlns:a="http://schemas.openxmlformats.org/drawingml/2006/main" xmlns:r="http://schemas.openxmlformats.org/officeDocument/2006/relationships" xmlns:p="http://schemas.openxmlformats.org/presentationml/2006/main">
   <p:cSld>
     <p:spTree>
@@ -19602,245 +19886,6 @@
     <p:extLst>
       <p:ext uri="{BB962C8B-B14F-4D97-AF65-F5344CB8AC3E}">
         <p14:creationId xmlns:p14="http://schemas.microsoft.com/office/powerpoint/2010/main" val="1489835521"/>
-      </p:ext>
-    </p:extLst>
-  </p:cSld>
-  <p:clrMapOvr>
-    <a:masterClrMapping/>
-  </p:clrMapOvr>
-</p:sld>
-</file>
-
-<file path=ppt/slides/slide3.xml><?xml version="1.0" encoding="utf-8"?>
-<p:sld xmlns:a="http://schemas.openxmlformats.org/drawingml/2006/main" xmlns:r="http://schemas.openxmlformats.org/officeDocument/2006/relationships" xmlns:p="http://schemas.openxmlformats.org/presentationml/2006/main">
-  <p:cSld>
-    <p:spTree>
-      <p:nvGrpSpPr>
-        <p:cNvPr id="1" name=""/>
-        <p:cNvGrpSpPr/>
-        <p:nvPr/>
-      </p:nvGrpSpPr>
-      <p:grpSpPr>
-        <a:xfrm>
-          <a:off x="0" y="0"/>
-          <a:ext cx="0" cy="0"/>
-          <a:chOff x="0" y="0"/>
-          <a:chExt cx="0" cy="0"/>
-        </a:xfrm>
-      </p:grpSpPr>
-      <p:sp>
-        <p:nvSpPr>
-          <p:cNvPr id="4" name="Заголовок 1"/>
-          <p:cNvSpPr>
-            <a:spLocks noGrp="1"/>
-          </p:cNvSpPr>
-          <p:nvPr>
-            <p:ph type="title"/>
-          </p:nvPr>
-        </p:nvSpPr>
-        <p:spPr>
-          <a:xfrm>
-            <a:off x="2117557" y="0"/>
-            <a:ext cx="6898105" cy="749643"/>
-          </a:xfrm>
-        </p:spPr>
-        <p:txBody>
-          <a:bodyPr>
-            <a:normAutofit/>
-          </a:bodyPr>
-          <a:lstStyle/>
-          <a:p>
-            <a:pPr algn="ctr"/>
-            <a:r>
-              <a:rPr lang="en-US" sz="2000" dirty="0" smtClean="0"/>
-              <a:t>DESIGN FLOW</a:t>
-            </a:r>
-            <a:endParaRPr lang="ru-RU" sz="2000" dirty="0"/>
-          </a:p>
-        </p:txBody>
-      </p:sp>
-      <p:sp>
-        <p:nvSpPr>
-          <p:cNvPr id="2" name="Прямоугольник 1"/>
-          <p:cNvSpPr/>
-          <p:nvPr/>
-        </p:nvSpPr>
-        <p:spPr>
-          <a:xfrm>
-            <a:off x="9155207" y="6487294"/>
-            <a:ext cx="3036793" cy="369332"/>
-          </a:xfrm>
-          <a:prstGeom prst="rect">
-            <a:avLst/>
-          </a:prstGeom>
-        </p:spPr>
-        <p:txBody>
-          <a:bodyPr wrap="none">
-            <a:spAutoFit/>
-          </a:bodyPr>
-          <a:lstStyle/>
-          <a:p>
-            <a:r>
-              <a:rPr lang="en-US" dirty="0"/>
-              <a:t>aleksei.rostov@protonmail.com</a:t>
-            </a:r>
-            <a:endParaRPr lang="ru-RU" dirty="0"/>
-          </a:p>
-        </p:txBody>
-      </p:sp>
-      <p:pic>
-        <p:nvPicPr>
-          <p:cNvPr id="2052" name="Picture 4" descr="C:\Users\arost\OneDrive\Desktop\radar\dds_ip.png"/>
-          <p:cNvPicPr>
-            <a:picLocks noChangeAspect="1" noChangeArrowheads="1"/>
-          </p:cNvPicPr>
-          <p:nvPr/>
-        </p:nvPicPr>
-        <p:blipFill>
-          <a:blip r:embed="rId2">
-            <a:extLst>
-              <a:ext uri="{28A0092B-C50C-407E-A947-70E740481C1C}">
-                <a14:useLocalDpi xmlns:a14="http://schemas.microsoft.com/office/drawing/2010/main" val="0"/>
-              </a:ext>
-            </a:extLst>
-          </a:blip>
-          <a:srcRect/>
-          <a:stretch>
-            <a:fillRect/>
-          </a:stretch>
-        </p:blipFill>
-        <p:spPr bwMode="auto">
-          <a:xfrm>
-            <a:off x="6904184" y="2742655"/>
-            <a:ext cx="4965624" cy="2536465"/>
-          </a:xfrm>
-          <a:prstGeom prst="rect">
-            <a:avLst/>
-          </a:prstGeom>
-          <a:noFill/>
-          <a:extLst>
-            <a:ext uri="{909E8E84-426E-40DD-AFC4-6F175D3DCCD1}">
-              <a14:hiddenFill xmlns:a14="http://schemas.microsoft.com/office/drawing/2010/main">
-                <a:solidFill>
-                  <a:srgbClr val="FFFFFF"/>
-                </a:solidFill>
-              </a14:hiddenFill>
-            </a:ext>
-          </a:extLst>
-        </p:spPr>
-      </p:pic>
-      <p:sp>
-        <p:nvSpPr>
-          <p:cNvPr id="10" name="TextBox 9"/>
-          <p:cNvSpPr txBox="1"/>
-          <p:nvPr/>
-        </p:nvSpPr>
-        <p:spPr>
-          <a:xfrm>
-            <a:off x="7245094" y="5389094"/>
-            <a:ext cx="4491789" cy="369332"/>
-          </a:xfrm>
-          <a:prstGeom prst="rect">
-            <a:avLst/>
-          </a:prstGeom>
-          <a:noFill/>
-        </p:spPr>
-        <p:txBody>
-          <a:bodyPr wrap="square" rtlCol="0">
-            <a:spAutoFit/>
-          </a:bodyPr>
-          <a:lstStyle/>
-          <a:p>
-            <a:pPr algn="ctr"/>
-            <a:r>
-              <a:rPr lang="en-US" dirty="0" smtClean="0"/>
-              <a:t>DDS compiler </a:t>
-            </a:r>
-            <a:r>
-              <a:rPr lang="en-US" dirty="0" smtClean="0"/>
-              <a:t>IP core</a:t>
-            </a:r>
-            <a:endParaRPr lang="ru-RU" dirty="0"/>
-          </a:p>
-        </p:txBody>
-      </p:sp>
-      <p:graphicFrame>
-        <p:nvGraphicFramePr>
-          <p:cNvPr id="3" name="Схема 2"/>
-          <p:cNvGraphicFramePr/>
-          <p:nvPr>
-            <p:extLst>
-              <p:ext uri="{D42A27DB-BD31-4B8C-83A1-F6EECF244321}">
-                <p14:modId xmlns:p14="http://schemas.microsoft.com/office/powerpoint/2010/main" val="109680199"/>
-              </p:ext>
-            </p:extLst>
-          </p:nvPr>
-        </p:nvGraphicFramePr>
-        <p:xfrm>
-          <a:off x="1069505" y="2783840"/>
-          <a:ext cx="5605616" cy="2495280"/>
-        </p:xfrm>
-        <a:graphic>
-          <a:graphicData uri="http://schemas.openxmlformats.org/drawingml/2006/diagram">
-            <dgm:relIds xmlns:dgm="http://schemas.openxmlformats.org/drawingml/2006/diagram" xmlns:r="http://schemas.openxmlformats.org/officeDocument/2006/relationships" r:dm="rId3" r:lo="rId4" r:qs="rId5" r:cs="rId6"/>
-          </a:graphicData>
-        </a:graphic>
-      </p:graphicFrame>
-      <p:graphicFrame>
-        <p:nvGraphicFramePr>
-          <p:cNvPr id="9" name="Схема 8"/>
-          <p:cNvGraphicFramePr/>
-          <p:nvPr>
-            <p:extLst>
-              <p:ext uri="{D42A27DB-BD31-4B8C-83A1-F6EECF244321}">
-                <p14:modId xmlns:p14="http://schemas.microsoft.com/office/powerpoint/2010/main" val="1653556383"/>
-              </p:ext>
-            </p:extLst>
-          </p:nvPr>
-        </p:nvGraphicFramePr>
-        <p:xfrm>
-          <a:off x="2208494" y="589280"/>
-          <a:ext cx="8128000" cy="1617133"/>
-        </p:xfrm>
-        <a:graphic>
-          <a:graphicData uri="http://schemas.openxmlformats.org/drawingml/2006/diagram">
-            <dgm:relIds xmlns:dgm="http://schemas.openxmlformats.org/drawingml/2006/diagram" xmlns:r="http://schemas.openxmlformats.org/officeDocument/2006/relationships" r:dm="rId8" r:lo="rId9" r:qs="rId10" r:cs="rId11"/>
-          </a:graphicData>
-        </a:graphic>
-      </p:graphicFrame>
-      <p:sp>
-        <p:nvSpPr>
-          <p:cNvPr id="5" name="Прямоугольник 4"/>
-          <p:cNvSpPr/>
-          <p:nvPr/>
-        </p:nvSpPr>
-        <p:spPr>
-          <a:xfrm>
-            <a:off x="1662050" y="5957054"/>
-            <a:ext cx="2446439" cy="369332"/>
-          </a:xfrm>
-          <a:prstGeom prst="rect">
-            <a:avLst/>
-          </a:prstGeom>
-        </p:spPr>
-        <p:txBody>
-          <a:bodyPr wrap="none">
-            <a:spAutoFit/>
-          </a:bodyPr>
-          <a:lstStyle/>
-          <a:p>
-            <a:r>
-              <a:rPr lang="en-US" dirty="0" smtClean="0"/>
-              <a:t>pg141-dds-compiler.pdf</a:t>
-            </a:r>
-            <a:endParaRPr lang="ru-RU" dirty="0"/>
-          </a:p>
-        </p:txBody>
-      </p:sp>
-    </p:spTree>
-    <p:extLst>
-      <p:ext uri="{BB962C8B-B14F-4D97-AF65-F5344CB8AC3E}">
-        <p14:creationId xmlns:p14="http://schemas.microsoft.com/office/powerpoint/2010/main" val="552805938"/>
       </p:ext>
     </p:extLst>
   </p:cSld>
@@ -22418,7 +22463,7 @@
   <a:extraClrSchemeLst/>
   <a:extLst>
     <a:ext uri="{05A4C25C-085E-4340-85A3-A5531E510DB2}">
-      <thm15:themeFamily xmlns:thm15="http://schemas.microsoft.com/office/thememl/2012/main" xmlns="" name="Circuit" id="{0AC2F7E7-15F5-431C-B2A2-456FE929F56C}" vid="{0911B802-464C-4241-8DD9-B60FF88E379F}"/>
+      <thm15:themeFamily xmlns="" xmlns:thm15="http://schemas.microsoft.com/office/thememl/2012/main" name="Circuit" id="{0AC2F7E7-15F5-431C-B2A2-456FE929F56C}" vid="{0911B802-464C-4241-8DD9-B60FF88E379F}"/>
     </a:ext>
   </a:extLst>
 </a:theme>
